--- a/2016/coscon_proposal_2016.pptx
+++ b/2016/coscon_proposal_2016.pptx
@@ -15,6 +15,8 @@
     <p:sldId id="263" r:id="rId10"/>
     <p:sldId id="264" r:id="rId11"/>
     <p:sldId id="265" r:id="rId12"/>
+    <p:sldId id="266" r:id="rId13"/>
+    <p:sldId id="267" r:id="rId14"/>
   </p:sldIdLst>
   <p:sldSz cx="10080625" cy="7559675"/>
   <p:notesSz cx="7772400" cy="10058400"/>
@@ -1557,7 +1559,105 @@
                 </a:uFill>
                 <a:latin typeface="Arial"/>
               </a:rPr>
-              <a:t>Click to edit the title text format</a:t>
+              <a:t>Clic</a:t>
+            </a:r>
+            <a:r>
+              <a:rPr b="0" lang="en-US" sz="4400" spc="-1" strike="noStrike">
+                <a:solidFill>
+                  <a:srgbClr val="000000"/>
+                </a:solidFill>
+                <a:uFill>
+                  <a:solidFill>
+                    <a:srgbClr val="ffffff"/>
+                  </a:solidFill>
+                </a:uFill>
+                <a:latin typeface="Arial"/>
+              </a:rPr>
+              <a:t>k to </a:t>
+            </a:r>
+            <a:r>
+              <a:rPr b="0" lang="en-US" sz="4400" spc="-1" strike="noStrike">
+                <a:solidFill>
+                  <a:srgbClr val="000000"/>
+                </a:solidFill>
+                <a:uFill>
+                  <a:solidFill>
+                    <a:srgbClr val="ffffff"/>
+                  </a:solidFill>
+                </a:uFill>
+                <a:latin typeface="Arial"/>
+              </a:rPr>
+              <a:t>edit </a:t>
+            </a:r>
+            <a:r>
+              <a:rPr b="0" lang="en-US" sz="4400" spc="-1" strike="noStrike">
+                <a:solidFill>
+                  <a:srgbClr val="000000"/>
+                </a:solidFill>
+                <a:uFill>
+                  <a:solidFill>
+                    <a:srgbClr val="ffffff"/>
+                  </a:solidFill>
+                </a:uFill>
+                <a:latin typeface="Arial"/>
+              </a:rPr>
+              <a:t>the </a:t>
+            </a:r>
+            <a:r>
+              <a:rPr b="0" lang="en-US" sz="4400" spc="-1" strike="noStrike">
+                <a:solidFill>
+                  <a:srgbClr val="000000"/>
+                </a:solidFill>
+                <a:uFill>
+                  <a:solidFill>
+                    <a:srgbClr val="ffffff"/>
+                  </a:solidFill>
+                </a:uFill>
+                <a:latin typeface="Arial"/>
+              </a:rPr>
+              <a:t>title </a:t>
+            </a:r>
+            <a:r>
+              <a:rPr b="0" lang="en-US" sz="4400" spc="-1" strike="noStrike">
+                <a:solidFill>
+                  <a:srgbClr val="000000"/>
+                </a:solidFill>
+                <a:uFill>
+                  <a:solidFill>
+                    <a:srgbClr val="ffffff"/>
+                  </a:solidFill>
+                </a:uFill>
+                <a:latin typeface="Arial"/>
+              </a:rPr>
+              <a:t>text </a:t>
+            </a:r>
+            <a:r>
+              <a:rPr b="0" lang="en-US" sz="4400" spc="-1" strike="noStrike">
+                <a:solidFill>
+                  <a:srgbClr val="000000"/>
+                </a:solidFill>
+                <a:uFill>
+                  <a:solidFill>
+                    <a:srgbClr val="ffffff"/>
+                  </a:solidFill>
+                </a:uFill>
+                <a:latin typeface="Arial"/>
+              </a:rPr>
+              <a:t>for</a:t>
+            </a:r>
+            <a:r>
+              <a:rPr b="0" lang="en-US" sz="4400" spc="-1" strike="noStrike">
+                <a:solidFill>
+                  <a:srgbClr val="000000"/>
+                </a:solidFill>
+                <a:uFill>
+                  <a:solidFill>
+                    <a:srgbClr val="ffffff"/>
+                  </a:solidFill>
+                </a:uFill>
+                <a:latin typeface="Arial"/>
+              </a:rPr>
+              <a:t>mat</a:t>
             </a:r>
             <a:endParaRPr b="0" lang="en-US" sz="4400" spc="-1" strike="noStrike">
               <a:solidFill>
@@ -1965,7 +2065,7 @@
           <a:bodyPr lIns="0" rIns="0" tIns="0" bIns="0"/>
           <a:p>
             <a:pPr algn="r"/>
-            <a:fld id="{8569145C-38D4-42F0-AE96-DA5DFE947580}" type="slidenum">
+            <a:fld id="{134175E5-3C73-46AA-A4BA-2DBB2CBB08E7}" type="slidenum">
               <a:rPr b="0" lang="en-US" sz="1400" spc="-1" strike="noStrike">
                 <a:solidFill>
                   <a:srgbClr val="000000"/>
@@ -2148,7 +2248,7 @@
       </p:grpSpPr>
       <p:sp>
         <p:nvSpPr>
-          <p:cNvPr id="56" name="TextShape 1"/>
+          <p:cNvPr id="59" name="TextShape 1"/>
           <p:cNvSpPr txBox="1"/>
           <p:nvPr/>
         </p:nvSpPr>
@@ -2181,7 +2281,21 @@
                 </a:uFill>
                 <a:latin typeface="Arial"/>
               </a:rPr>
-              <a:t>关于开源社</a:t>
+              <a:t>铜牌 </a:t>
+            </a:r>
+            <a:r>
+              <a:rPr b="0" lang="en-US" sz="4400" spc="-1" strike="noStrike">
+                <a:solidFill>
+                  <a:srgbClr val="000000"/>
+                </a:solidFill>
+                <a:uFill>
+                  <a:solidFill>
+                    <a:srgbClr val="ffffff"/>
+                  </a:solidFill>
+                </a:uFill>
+                <a:latin typeface="Arial"/>
+              </a:rPr>
+              <a:t>Bronze</a:t>
             </a:r>
             <a:endParaRPr b="0" lang="en-US" sz="4400" spc="-1" strike="noStrike">
               <a:solidFill>
@@ -2199,7 +2313,556 @@
       </p:sp>
       <p:sp>
         <p:nvSpPr>
-          <p:cNvPr id="57" name="TextShape 2"/>
+          <p:cNvPr id="60" name="TextShape 2"/>
+          <p:cNvSpPr txBox="1"/>
+          <p:nvPr/>
+        </p:nvSpPr>
+        <p:spPr>
+          <a:xfrm>
+            <a:off x="504000" y="1769040"/>
+            <a:ext cx="9071640" cy="4384440"/>
+          </a:xfrm>
+          <a:prstGeom prst="rect">
+            <a:avLst/>
+          </a:prstGeom>
+          <a:noFill/>
+          <a:ln>
+            <a:noFill/>
+          </a:ln>
+        </p:spPr>
+        <p:txBody>
+          <a:bodyPr lIns="0" rIns="0" tIns="0" bIns="0"/>
+          <a:p>
+            <a:pPr marL="432000" indent="-324000">
+              <a:lnSpc>
+                <a:spcPct val="100000"/>
+              </a:lnSpc>
+              <a:buClr>
+                <a:srgbClr val="000000"/>
+              </a:buClr>
+              <a:buSzPct val="45000"/>
+              <a:buFont typeface="Wingdings" charset="2"/>
+              <a:buChar char=""/>
+            </a:pPr>
+            <a:r>
+              <a:rPr b="0" lang="en-US" sz="1600" spc="-1" strike="noStrike">
+                <a:solidFill>
+                  <a:srgbClr val="808080"/>
+                </a:solidFill>
+                <a:uFill>
+                  <a:solidFill>
+                    <a:srgbClr val="ffffff"/>
+                  </a:solidFill>
+                </a:uFill>
+                <a:latin typeface="Segoe UI"/>
+                <a:ea typeface="Segoe UI"/>
+              </a:rPr>
+              <a:t>4 free entrance tickets (for 2-day full pass)</a:t>
+            </a:r>
+            <a:endParaRPr b="0" lang="en-US" sz="3200" spc="-1" strike="noStrike">
+              <a:solidFill>
+                <a:srgbClr val="000000"/>
+              </a:solidFill>
+              <a:uFill>
+                <a:solidFill>
+                  <a:srgbClr val="ffffff"/>
+                </a:solidFill>
+              </a:uFill>
+              <a:latin typeface="Arial"/>
+            </a:endParaRPr>
+          </a:p>
+          <a:p>
+            <a:pPr marL="432000" indent="-324000">
+              <a:lnSpc>
+                <a:spcPct val="100000"/>
+              </a:lnSpc>
+              <a:buClr>
+                <a:srgbClr val="000000"/>
+              </a:buClr>
+              <a:buSzPct val="45000"/>
+              <a:buFont typeface="Wingdings" charset="2"/>
+              <a:buChar char=""/>
+            </a:pPr>
+            <a:r>
+              <a:rPr b="0" lang="en-US" sz="1600" spc="-1" strike="noStrike">
+                <a:solidFill>
+                  <a:srgbClr val="808080"/>
+                </a:solidFill>
+                <a:uFill>
+                  <a:solidFill>
+                    <a:srgbClr val="ffffff"/>
+                  </a:solidFill>
+                </a:uFill>
+                <a:latin typeface="Segoe UI"/>
+                <a:ea typeface="Segoe UI"/>
+              </a:rPr>
+              <a:t>Sponsor information and logo appeared in registration website and social media.</a:t>
+            </a:r>
+            <a:endParaRPr b="0" lang="en-US" sz="3200" spc="-1" strike="noStrike">
+              <a:solidFill>
+                <a:srgbClr val="000000"/>
+              </a:solidFill>
+              <a:uFill>
+                <a:solidFill>
+                  <a:srgbClr val="ffffff"/>
+                </a:solidFill>
+              </a:uFill>
+              <a:latin typeface="Arial"/>
+            </a:endParaRPr>
+          </a:p>
+          <a:p>
+            <a:pPr marL="432000" indent="-324000">
+              <a:lnSpc>
+                <a:spcPct val="100000"/>
+              </a:lnSpc>
+              <a:buClr>
+                <a:srgbClr val="000000"/>
+              </a:buClr>
+              <a:buSzPct val="45000"/>
+              <a:buFont typeface="Wingdings" charset="2"/>
+              <a:buChar char=""/>
+            </a:pPr>
+            <a:r>
+              <a:rPr b="0" lang="en-US" sz="1600" spc="-1" strike="noStrike">
+                <a:solidFill>
+                  <a:srgbClr val="808080"/>
+                </a:solidFill>
+                <a:uFill>
+                  <a:solidFill>
+                    <a:srgbClr val="ffffff"/>
+                  </a:solidFill>
+                </a:uFill>
+                <a:latin typeface="Segoe UI"/>
+                <a:ea typeface="Segoe UI"/>
+              </a:rPr>
+              <a:t>Publicity and promotion on both kaiyuanshe and its members channels and social media (web, blog, weibo, wechat)</a:t>
+            </a:r>
+            <a:endParaRPr b="0" lang="en-US" sz="3200" spc="-1" strike="noStrike">
+              <a:solidFill>
+                <a:srgbClr val="000000"/>
+              </a:solidFill>
+              <a:uFill>
+                <a:solidFill>
+                  <a:srgbClr val="ffffff"/>
+                </a:solidFill>
+              </a:uFill>
+              <a:latin typeface="Arial"/>
+            </a:endParaRPr>
+          </a:p>
+          <a:p>
+            <a:pPr marL="432000" indent="-324000">
+              <a:lnSpc>
+                <a:spcPct val="100000"/>
+              </a:lnSpc>
+              <a:buClr>
+                <a:srgbClr val="000000"/>
+              </a:buClr>
+              <a:buSzPct val="45000"/>
+              <a:buFont typeface="Wingdings" charset="2"/>
+              <a:buChar char=""/>
+            </a:pPr>
+            <a:r>
+              <a:rPr b="0" lang="en-US" sz="1600" spc="-1" strike="noStrike">
+                <a:solidFill>
+                  <a:srgbClr val="808080"/>
+                </a:solidFill>
+                <a:uFill>
+                  <a:solidFill>
+                    <a:srgbClr val="ffffff"/>
+                  </a:solidFill>
+                </a:uFill>
+                <a:latin typeface="Segoe UI"/>
+                <a:ea typeface="Segoe UI"/>
+              </a:rPr>
+              <a:t>Premium booth on the event</a:t>
+            </a:r>
+            <a:endParaRPr b="0" lang="en-US" sz="3200" spc="-1" strike="noStrike">
+              <a:solidFill>
+                <a:srgbClr val="000000"/>
+              </a:solidFill>
+              <a:uFill>
+                <a:solidFill>
+                  <a:srgbClr val="ffffff"/>
+                </a:solidFill>
+              </a:uFill>
+              <a:latin typeface="Arial"/>
+            </a:endParaRPr>
+          </a:p>
+          <a:p>
+            <a:pPr marL="432000" indent="-324000">
+              <a:lnSpc>
+                <a:spcPct val="100000"/>
+              </a:lnSpc>
+              <a:buClr>
+                <a:srgbClr val="000000"/>
+              </a:buClr>
+              <a:buSzPct val="45000"/>
+              <a:buFont typeface="Wingdings" charset="2"/>
+              <a:buChar char=""/>
+            </a:pPr>
+            <a:r>
+              <a:rPr b="0" lang="en-US" sz="1600" spc="-1" strike="noStrike">
+                <a:solidFill>
+                  <a:srgbClr val="808080"/>
+                </a:solidFill>
+                <a:uFill>
+                  <a:solidFill>
+                    <a:srgbClr val="ffffff"/>
+                  </a:solidFill>
+                </a:uFill>
+                <a:latin typeface="Segoe UI"/>
+                <a:ea typeface="Segoe UI"/>
+              </a:rPr>
+              <a:t>Company image poster on the event</a:t>
+            </a:r>
+            <a:endParaRPr b="0" lang="en-US" sz="3200" spc="-1" strike="noStrike">
+              <a:solidFill>
+                <a:srgbClr val="000000"/>
+              </a:solidFill>
+              <a:uFill>
+                <a:solidFill>
+                  <a:srgbClr val="ffffff"/>
+                </a:solidFill>
+              </a:uFill>
+              <a:latin typeface="Arial"/>
+            </a:endParaRPr>
+          </a:p>
+          <a:p>
+            <a:pPr marL="432000" indent="-324000">
+              <a:lnSpc>
+                <a:spcPct val="100000"/>
+              </a:lnSpc>
+              <a:buClr>
+                <a:srgbClr val="000000"/>
+              </a:buClr>
+              <a:buSzPct val="45000"/>
+              <a:buFont typeface="Wingdings" charset="2"/>
+              <a:buChar char=""/>
+            </a:pPr>
+            <a:r>
+              <a:rPr b="0" lang="en-US" sz="1600" spc="-1" strike="noStrike">
+                <a:solidFill>
+                  <a:srgbClr val="808080"/>
+                </a:solidFill>
+                <a:uFill>
+                  <a:solidFill>
+                    <a:srgbClr val="ffffff"/>
+                  </a:solidFill>
+                </a:uFill>
+                <a:latin typeface="Segoe UI"/>
+                <a:ea typeface="Segoe UI"/>
+              </a:rPr>
+              <a:t>2 dinner admission</a:t>
+            </a:r>
+            <a:endParaRPr b="0" lang="en-US" sz="3200" spc="-1" strike="noStrike">
+              <a:solidFill>
+                <a:srgbClr val="000000"/>
+              </a:solidFill>
+              <a:uFill>
+                <a:solidFill>
+                  <a:srgbClr val="ffffff"/>
+                </a:solidFill>
+              </a:uFill>
+              <a:latin typeface="Arial"/>
+            </a:endParaRPr>
+          </a:p>
+        </p:txBody>
+      </p:sp>
+    </p:spTree>
+  </p:cSld>
+  <p:timing>
+    <p:tnLst>
+      <p:par>
+        <p:cTn id="3" dur="indefinite" restart="never" nodeType="tmRoot">
+          <p:childTnLst>
+            <p:seq>
+              <p:cTn id="4" nodeType="mainSeq"/>
+              <p:prevCondLst>
+                <p:cond delay="0" evt="onPrev">
+                  <p:tgtEl>
+                    <p:sldTgt/>
+                  </p:tgtEl>
+                </p:cond>
+              </p:prevCondLst>
+              <p:nextCondLst>
+                <p:cond delay="0" evt="onNext">
+                  <p:tgtEl>
+                    <p:sldTgt/>
+                  </p:tgtEl>
+                </p:cond>
+              </p:nextCondLst>
+            </p:seq>
+          </p:childTnLst>
+        </p:cTn>
+      </p:par>
+    </p:tnLst>
+  </p:timing>
+</p:sld>
+</file>
+
+<file path=ppt/slides/slide11.xml><?xml version="1.0" encoding="utf-8"?>
+<p:sld xmlns:a="http://schemas.openxmlformats.org/drawingml/2006/main" xmlns:p="http://schemas.openxmlformats.org/presentationml/2006/main" xmlns:r="http://schemas.openxmlformats.org/officeDocument/2006/relationships" xmlns:p14="http://schemas.microsoft.com/office/powerpoint/2010/main" xmlns:p15="http://schemas.microsoft.com/office/powerpoint/2012/main" xmlns:mc="http://schemas.openxmlformats.org/markup-compatibility/2006">
+  <p:cSld>
+    <p:spTree>
+      <p:nvGrpSpPr>
+        <p:cNvPr id="1" name=""/>
+        <p:cNvGrpSpPr/>
+        <p:nvPr/>
+      </p:nvGrpSpPr>
+      <p:grpSpPr>
+        <a:xfrm>
+          <a:off x="0" y="0"/>
+          <a:ext cx="0" cy="0"/>
+          <a:chOff x="0" y="0"/>
+          <a:chExt cx="0" cy="0"/>
+        </a:xfrm>
+      </p:grpSpPr>
+      <p:sp>
+        <p:nvSpPr>
+          <p:cNvPr id="61" name="TextShape 1"/>
+          <p:cNvSpPr txBox="1"/>
+          <p:nvPr/>
+        </p:nvSpPr>
+        <p:spPr>
+          <a:xfrm>
+            <a:off x="504000" y="301320"/>
+            <a:ext cx="9071640" cy="1262160"/>
+          </a:xfrm>
+          <a:prstGeom prst="rect">
+            <a:avLst/>
+          </a:prstGeom>
+          <a:noFill/>
+          <a:ln>
+            <a:noFill/>
+          </a:ln>
+        </p:spPr>
+        <p:txBody>
+          <a:bodyPr lIns="0" rIns="0" tIns="0" bIns="0" anchor="ctr"/>
+          <a:p>
+            <a:pPr algn="ctr"/>
+            <a:r>
+              <a:rPr b="0" lang="en-US" sz="4400" spc="-1" strike="noStrike">
+                <a:solidFill>
+                  <a:srgbClr val="000000"/>
+                </a:solidFill>
+                <a:uFill>
+                  <a:solidFill>
+                    <a:srgbClr val="ffffff"/>
+                  </a:solidFill>
+                </a:uFill>
+                <a:latin typeface="Arial"/>
+              </a:rPr>
+              <a:t>社区合作</a:t>
+            </a:r>
+            <a:endParaRPr b="0" lang="en-US" sz="4400" spc="-1" strike="noStrike">
+              <a:solidFill>
+                <a:srgbClr val="000000"/>
+              </a:solidFill>
+              <a:uFill>
+                <a:solidFill>
+                  <a:srgbClr val="ffffff"/>
+                </a:solidFill>
+              </a:uFill>
+              <a:latin typeface="Arial"/>
+            </a:endParaRPr>
+          </a:p>
+        </p:txBody>
+      </p:sp>
+      <p:sp>
+        <p:nvSpPr>
+          <p:cNvPr id="62" name="TextShape 2"/>
+          <p:cNvSpPr txBox="1"/>
+          <p:nvPr/>
+        </p:nvSpPr>
+        <p:spPr>
+          <a:xfrm>
+            <a:off x="504000" y="1769040"/>
+            <a:ext cx="9071640" cy="4384440"/>
+          </a:xfrm>
+          <a:prstGeom prst="rect">
+            <a:avLst/>
+          </a:prstGeom>
+          <a:noFill/>
+          <a:ln>
+            <a:noFill/>
+          </a:ln>
+        </p:spPr>
+        <p:txBody>
+          <a:bodyPr lIns="0" rIns="0" tIns="0" bIns="0"/>
+          <a:p>
+            <a:endParaRPr b="0" lang="en-US" sz="3200" spc="-1" strike="noStrike">
+              <a:solidFill>
+                <a:srgbClr val="000000"/>
+              </a:solidFill>
+              <a:uFill>
+                <a:solidFill>
+                  <a:srgbClr val="ffffff"/>
+                </a:solidFill>
+              </a:uFill>
+              <a:latin typeface="Arial"/>
+            </a:endParaRPr>
+          </a:p>
+        </p:txBody>
+      </p:sp>
+    </p:spTree>
+  </p:cSld>
+  <p:timing>
+    <p:tnLst>
+      <p:par>
+        <p:cTn id="5" dur="indefinite" restart="never" nodeType="tmRoot">
+          <p:childTnLst>
+            <p:seq>
+              <p:cTn id="6" nodeType="mainSeq"/>
+              <p:prevCondLst>
+                <p:cond delay="0" evt="onPrev">
+                  <p:tgtEl>
+                    <p:sldTgt/>
+                  </p:tgtEl>
+                </p:cond>
+              </p:prevCondLst>
+              <p:nextCondLst>
+                <p:cond delay="0" evt="onNext">
+                  <p:tgtEl>
+                    <p:sldTgt/>
+                  </p:tgtEl>
+                </p:cond>
+              </p:nextCondLst>
+            </p:seq>
+          </p:childTnLst>
+        </p:cTn>
+      </p:par>
+    </p:tnLst>
+  </p:timing>
+</p:sld>
+</file>
+
+<file path=ppt/slides/slide12.xml><?xml version="1.0" encoding="utf-8"?>
+<p:sld xmlns:a="http://schemas.openxmlformats.org/drawingml/2006/main" xmlns:p="http://schemas.openxmlformats.org/presentationml/2006/main" xmlns:r="http://schemas.openxmlformats.org/officeDocument/2006/relationships" xmlns:p14="http://schemas.microsoft.com/office/powerpoint/2010/main" xmlns:p15="http://schemas.microsoft.com/office/powerpoint/2012/main" xmlns:mc="http://schemas.openxmlformats.org/markup-compatibility/2006">
+  <p:cSld>
+    <p:spTree>
+      <p:nvGrpSpPr>
+        <p:cNvPr id="1" name=""/>
+        <p:cNvGrpSpPr/>
+        <p:nvPr/>
+      </p:nvGrpSpPr>
+      <p:grpSpPr>
+        <a:xfrm>
+          <a:off x="0" y="0"/>
+          <a:ext cx="0" cy="0"/>
+          <a:chOff x="0" y="0"/>
+          <a:chExt cx="0" cy="0"/>
+        </a:xfrm>
+      </p:grpSpPr>
+      <p:sp>
+        <p:nvSpPr>
+          <p:cNvPr id="63" name="TextShape 1"/>
+          <p:cNvSpPr txBox="1"/>
+          <p:nvPr/>
+        </p:nvSpPr>
+        <p:spPr>
+          <a:xfrm>
+            <a:off x="504000" y="301320"/>
+            <a:ext cx="9071640" cy="1262160"/>
+          </a:xfrm>
+          <a:prstGeom prst="rect">
+            <a:avLst/>
+          </a:prstGeom>
+          <a:noFill/>
+          <a:ln>
+            <a:noFill/>
+          </a:ln>
+        </p:spPr>
+        <p:txBody>
+          <a:bodyPr lIns="0" rIns="0" tIns="0" bIns="0" anchor="ctr"/>
+          <a:p>
+            <a:pPr algn="ctr"/>
+            <a:r>
+              <a:rPr b="0" lang="en-US" sz="4400" spc="-1" strike="noStrike">
+                <a:solidFill>
+                  <a:srgbClr val="000000"/>
+                </a:solidFill>
+                <a:uFill>
+                  <a:solidFill>
+                    <a:srgbClr val="ffffff"/>
+                  </a:solidFill>
+                </a:uFill>
+                <a:latin typeface="Arial"/>
+              </a:rPr>
+              <a:t>关</a:t>
+            </a:r>
+            <a:r>
+              <a:rPr b="0" lang="en-US" sz="4400" spc="-1" strike="noStrike">
+                <a:solidFill>
+                  <a:srgbClr val="000000"/>
+                </a:solidFill>
+                <a:uFill>
+                  <a:solidFill>
+                    <a:srgbClr val="ffffff"/>
+                  </a:solidFill>
+                </a:uFill>
+                <a:latin typeface="Arial"/>
+              </a:rPr>
+              <a:t>于</a:t>
+            </a:r>
+            <a:r>
+              <a:rPr b="0" lang="en-US" sz="4400" spc="-1" strike="noStrike">
+                <a:solidFill>
+                  <a:srgbClr val="000000"/>
+                </a:solidFill>
+                <a:uFill>
+                  <a:solidFill>
+                    <a:srgbClr val="ffffff"/>
+                  </a:solidFill>
+                </a:uFill>
+                <a:latin typeface="Arial"/>
+              </a:rPr>
+              <a:t>开</a:t>
+            </a:r>
+            <a:r>
+              <a:rPr b="0" lang="en-US" sz="4400" spc="-1" strike="noStrike">
+                <a:solidFill>
+                  <a:srgbClr val="000000"/>
+                </a:solidFill>
+                <a:uFill>
+                  <a:solidFill>
+                    <a:srgbClr val="ffffff"/>
+                  </a:solidFill>
+                </a:uFill>
+                <a:latin typeface="Arial"/>
+              </a:rPr>
+              <a:t>源</a:t>
+            </a:r>
+            <a:r>
+              <a:rPr b="0" lang="en-US" sz="4400" spc="-1" strike="noStrike">
+                <a:solidFill>
+                  <a:srgbClr val="000000"/>
+                </a:solidFill>
+                <a:uFill>
+                  <a:solidFill>
+                    <a:srgbClr val="ffffff"/>
+                  </a:solidFill>
+                </a:uFill>
+                <a:latin typeface="Arial"/>
+              </a:rPr>
+              <a:t>社</a:t>
+            </a:r>
+            <a:endParaRPr b="0" lang="en-US" sz="4400" spc="-1" strike="noStrike">
+              <a:solidFill>
+                <a:srgbClr val="000000"/>
+              </a:solidFill>
+              <a:uFill>
+                <a:solidFill>
+                  <a:srgbClr val="ffffff"/>
+                </a:solidFill>
+              </a:uFill>
+              <a:latin typeface="Arial"/>
+            </a:endParaRPr>
+          </a:p>
+        </p:txBody>
+      </p:sp>
+      <p:sp>
+        <p:nvSpPr>
+          <p:cNvPr id="64" name="TextShape 2"/>
           <p:cNvSpPr txBox="1"/>
           <p:nvPr/>
         </p:nvSpPr>
@@ -2473,6 +3136,20 @@
               </a:rPr>
               <a:t>联系方式：</a:t>
             </a:r>
+            <a:r>
+              <a:rPr b="0" lang="en-US" sz="3200" spc="-1" strike="noStrike">
+                <a:solidFill>
+                  <a:srgbClr val="000000"/>
+                </a:solidFill>
+                <a:uFill>
+                  <a:solidFill>
+                    <a:srgbClr val="ffffff"/>
+                  </a:solidFill>
+                </a:uFill>
+                <a:latin typeface="Arial"/>
+              </a:rPr>
+              <a:t>Ted Liu / Bin Li</a:t>
+            </a:r>
             <a:endParaRPr b="0" lang="en-US" sz="3200" spc="-1" strike="noStrike">
               <a:solidFill>
                 <a:srgbClr val="000000"/>
@@ -2489,6 +3166,33 @@
       </p:sp>
     </p:spTree>
   </p:cSld>
+  <p:timing>
+    <p:tnLst>
+      <p:par>
+        <p:cTn id="7" dur="indefinite" restart="never" nodeType="tmRoot">
+          <p:childTnLst>
+            <p:seq>
+              <p:cTn id="8" nodeType="mainSeq"/>
+              <p:prevCondLst>
+                <p:cond delay="0" evt="onPrev">
+                  <p:tgtEl>
+                    <p:sldTgt/>
+                  </p:tgtEl>
+                </p:cond>
+              </p:prevCondLst>
+              <p:nextCondLst>
+                <p:cond delay="0" evt="onNext">
+                  <p:tgtEl>
+                    <p:sldTgt/>
+                  </p:tgtEl>
+                </p:cond>
+              </p:nextCondLst>
+            </p:seq>
+          </p:childTnLst>
+        </p:cTn>
+      </p:par>
+    </p:tnLst>
+  </p:timing>
 </p:sld>
 </file>
 
@@ -3106,7 +3810,21 @@
                 </a:uFill>
                 <a:latin typeface="Arial"/>
               </a:rPr>
-              <a:t>日程</a:t>
+              <a:t>日程 </a:t>
+            </a:r>
+            <a:r>
+              <a:rPr b="0" lang="en-US" sz="4400" spc="-1" strike="noStrike">
+                <a:solidFill>
+                  <a:srgbClr val="000000"/>
+                </a:solidFill>
+                <a:uFill>
+                  <a:solidFill>
+                    <a:srgbClr val="ffffff"/>
+                  </a:solidFill>
+                </a:uFill>
+                <a:latin typeface="Arial"/>
+              </a:rPr>
+              <a:t>Day 1</a:t>
             </a:r>
             <a:endParaRPr b="0" lang="en-US" sz="4400" spc="-1" strike="noStrike">
               <a:solidFill>
@@ -3122,42 +3840,3563 @@
           </a:p>
         </p:txBody>
       </p:sp>
-      <p:sp>
-        <p:nvSpPr>
-          <p:cNvPr id="45" name="TextShape 2"/>
-          <p:cNvSpPr txBox="1"/>
+      <p:graphicFrame>
+        <p:nvGraphicFramePr>
+          <p:cNvPr id="45" name="Table 2"/>
+          <p:cNvGraphicFramePr/>
           <p:nvPr/>
-        </p:nvSpPr>
-        <p:spPr>
-          <a:xfrm>
-            <a:off x="504000" y="1769040"/>
-            <a:ext cx="9071640" cy="4384440"/>
-          </a:xfrm>
-          <a:prstGeom prst="rect">
-            <a:avLst/>
-          </a:prstGeom>
-          <a:noFill/>
-          <a:ln>
-            <a:noFill/>
-          </a:ln>
-        </p:spPr>
-        <p:txBody>
-          <a:bodyPr lIns="0" rIns="0" tIns="0" bIns="0"/>
-          <a:p>
-            <a:endParaRPr b="0" lang="en-US" sz="3200" spc="-1" strike="noStrike">
-              <a:solidFill>
-                <a:srgbClr val="000000"/>
-              </a:solidFill>
-              <a:uFill>
-                <a:solidFill>
-                  <a:srgbClr val="ffffff"/>
-                </a:solidFill>
-              </a:uFill>
-              <a:latin typeface="Arial"/>
-            </a:endParaRPr>
-          </a:p>
-        </p:txBody>
-      </p:sp>
+        </p:nvGraphicFramePr>
+        <p:xfrm>
+          <a:off x="582480" y="1690200"/>
+          <a:ext cx="8444160" cy="1035720"/>
+        </p:xfrm>
+        <a:graphic>
+          <a:graphicData uri="http://schemas.openxmlformats.org/drawingml/2006/table">
+            <a:tbl>
+              <a:tblPr/>
+              <a:tblGrid>
+                <a:gridCol w="1136160"/>
+                <a:gridCol w="7308360"/>
+              </a:tblGrid>
+              <a:tr h="361800">
+                <a:tc>
+                  <a:txBody>
+                    <a:bodyPr lIns="90000" rIns="90000" tIns="46800" bIns="46800"/>
+                    <a:p>
+                      <a:pPr>
+                        <a:lnSpc>
+                          <a:spcPct val="100000"/>
+                        </a:lnSpc>
+                      </a:pPr>
+                      <a:r>
+                        <a:rPr b="0" lang="en-US" sz="800" spc="-1" strike="noStrike">
+                          <a:solidFill>
+                            <a:srgbClr val="000000"/>
+                          </a:solidFill>
+                          <a:uFill>
+                            <a:solidFill>
+                              <a:srgbClr val="ffffff"/>
+                            </a:solidFill>
+                          </a:uFill>
+                          <a:latin typeface="微软雅黑 Light"/>
+                          <a:ea typeface="微软雅黑 Light"/>
+                        </a:rPr>
+                        <a:t>9:30-10:00</a:t>
+                      </a:r>
+                      <a:endParaRPr b="0" lang="en-US" sz="1800" spc="-1" strike="noStrike">
+                        <a:solidFill>
+                          <a:srgbClr val="000000"/>
+                        </a:solidFill>
+                        <a:uFill>
+                          <a:solidFill>
+                            <a:srgbClr val="ffffff"/>
+                          </a:solidFill>
+                        </a:uFill>
+                        <a:latin typeface="Arial"/>
+                      </a:endParaRPr>
+                    </a:p>
+                  </a:txBody>
+                  <a:tcPr marL="90000" marR="90000">
+                    <a:lnL w="720">
+                      <a:solidFill>
+                        <a:srgbClr val="ffffff"/>
+                      </a:solidFill>
+                    </a:lnL>
+                    <a:lnR w="720">
+                      <a:solidFill>
+                        <a:srgbClr val="ffffff"/>
+                      </a:solidFill>
+                    </a:lnR>
+                    <a:lnT w="720">
+                      <a:solidFill>
+                        <a:srgbClr val="ffffff"/>
+                      </a:solidFill>
+                    </a:lnT>
+                    <a:lnB w="720">
+                      <a:solidFill>
+                        <a:srgbClr val="ffffff"/>
+                      </a:solidFill>
+                    </a:lnB>
+                    <a:solidFill>
+                      <a:srgbClr val="b3b3b3"/>
+                    </a:solidFill>
+                  </a:tcPr>
+                </a:tc>
+                <a:tc>
+                  <a:txBody>
+                    <a:bodyPr lIns="90000" rIns="90000" tIns="46800" bIns="46800"/>
+                    <a:p>
+                      <a:pPr>
+                        <a:lnSpc>
+                          <a:spcPct val="100000"/>
+                        </a:lnSpc>
+                      </a:pPr>
+                      <a:r>
+                        <a:rPr b="0" lang="en-US" sz="800" spc="-1" strike="noStrike">
+                          <a:solidFill>
+                            <a:srgbClr val="000000"/>
+                          </a:solidFill>
+                          <a:uFill>
+                            <a:solidFill>
+                              <a:srgbClr val="ffffff"/>
+                            </a:solidFill>
+                          </a:uFill>
+                          <a:latin typeface="微软雅黑 Light"/>
+                          <a:ea typeface="微软雅黑 Light"/>
+                        </a:rPr>
+                        <a:t>Registration/</a:t>
+                      </a:r>
+                      <a:r>
+                        <a:rPr b="0" lang="en-US" sz="800" spc="-1" strike="noStrike">
+                          <a:solidFill>
+                            <a:srgbClr val="000000"/>
+                          </a:solidFill>
+                          <a:uFill>
+                            <a:solidFill>
+                              <a:srgbClr val="ffffff"/>
+                            </a:solidFill>
+                          </a:uFill>
+                          <a:latin typeface="微软雅黑 Light"/>
+                          <a:ea typeface="微软雅黑 Light"/>
+                        </a:rPr>
+                        <a:t>注册报到</a:t>
+                      </a:r>
+                      <a:endParaRPr b="0" lang="en-US" sz="1800" spc="-1" strike="noStrike">
+                        <a:solidFill>
+                          <a:srgbClr val="000000"/>
+                        </a:solidFill>
+                        <a:uFill>
+                          <a:solidFill>
+                            <a:srgbClr val="ffffff"/>
+                          </a:solidFill>
+                        </a:uFill>
+                        <a:latin typeface="Arial"/>
+                      </a:endParaRPr>
+                    </a:p>
+                  </a:txBody>
+                  <a:tcPr marL="90000" marR="90000">
+                    <a:lnL w="720">
+                      <a:solidFill>
+                        <a:srgbClr val="ffffff"/>
+                      </a:solidFill>
+                    </a:lnL>
+                    <a:lnR w="720">
+                      <a:solidFill>
+                        <a:srgbClr val="ffffff"/>
+                      </a:solidFill>
+                    </a:lnR>
+                    <a:lnT w="720">
+                      <a:solidFill>
+                        <a:srgbClr val="ffffff"/>
+                      </a:solidFill>
+                    </a:lnT>
+                    <a:lnB w="720">
+                      <a:solidFill>
+                        <a:srgbClr val="ffffff"/>
+                      </a:solidFill>
+                    </a:lnB>
+                    <a:solidFill>
+                      <a:srgbClr val="b3b3b3"/>
+                    </a:solidFill>
+                  </a:tcPr>
+                </a:tc>
+              </a:tr>
+              <a:tr h="361800">
+                <a:tc>
+                  <a:txBody>
+                    <a:bodyPr lIns="90000" rIns="90000" tIns="46800" bIns="46800"/>
+                    <a:p>
+                      <a:pPr>
+                        <a:lnSpc>
+                          <a:spcPct val="100000"/>
+                        </a:lnSpc>
+                      </a:pPr>
+                      <a:r>
+                        <a:rPr b="0" lang="en-US" sz="800" spc="-1" strike="noStrike">
+                          <a:solidFill>
+                            <a:srgbClr val="000000"/>
+                          </a:solidFill>
+                          <a:uFill>
+                            <a:solidFill>
+                              <a:srgbClr val="ffffff"/>
+                            </a:solidFill>
+                          </a:uFill>
+                          <a:latin typeface="微软雅黑 Light"/>
+                          <a:ea typeface="微软雅黑 Light"/>
+                        </a:rPr>
+                        <a:t>10:00-10:10</a:t>
+                      </a:r>
+                      <a:endParaRPr b="0" lang="en-US" sz="1800" spc="-1" strike="noStrike">
+                        <a:solidFill>
+                          <a:srgbClr val="000000"/>
+                        </a:solidFill>
+                        <a:uFill>
+                          <a:solidFill>
+                            <a:srgbClr val="ffffff"/>
+                          </a:solidFill>
+                        </a:uFill>
+                        <a:latin typeface="Arial"/>
+                      </a:endParaRPr>
+                    </a:p>
+                  </a:txBody>
+                  <a:tcPr marL="90000" marR="90000">
+                    <a:lnL w="720">
+                      <a:solidFill>
+                        <a:srgbClr val="ffffff"/>
+                      </a:solidFill>
+                    </a:lnL>
+                    <a:lnR w="720">
+                      <a:solidFill>
+                        <a:srgbClr val="ffffff"/>
+                      </a:solidFill>
+                    </a:lnR>
+                    <a:lnT w="720">
+                      <a:solidFill>
+                        <a:srgbClr val="ffffff"/>
+                      </a:solidFill>
+                    </a:lnT>
+                    <a:lnB w="720">
+                      <a:solidFill>
+                        <a:srgbClr val="ffffff"/>
+                      </a:solidFill>
+                    </a:lnB>
+                    <a:solidFill>
+                      <a:srgbClr val="b3b3b3"/>
+                    </a:solidFill>
+                  </a:tcPr>
+                </a:tc>
+                <a:tc>
+                  <a:txBody>
+                    <a:bodyPr lIns="90000" rIns="90000" tIns="46800" bIns="46800"/>
+                    <a:p>
+                      <a:pPr>
+                        <a:lnSpc>
+                          <a:spcPct val="100000"/>
+                        </a:lnSpc>
+                      </a:pPr>
+                      <a:r>
+                        <a:rPr b="0" lang="en-US" sz="800" spc="-1" strike="noStrike">
+                          <a:solidFill>
+                            <a:srgbClr val="000000"/>
+                          </a:solidFill>
+                          <a:uFill>
+                            <a:solidFill>
+                              <a:srgbClr val="ffffff"/>
+                            </a:solidFill>
+                          </a:uFill>
+                          <a:latin typeface="微软雅黑 Light"/>
+                          <a:ea typeface="微软雅黑 Light"/>
+                        </a:rPr>
+                        <a:t>Opening Session/</a:t>
+                      </a:r>
+                      <a:r>
+                        <a:rPr b="0" lang="en-US" sz="800" spc="-1" strike="noStrike">
+                          <a:solidFill>
+                            <a:srgbClr val="000000"/>
+                          </a:solidFill>
+                          <a:uFill>
+                            <a:solidFill>
+                              <a:srgbClr val="ffffff"/>
+                            </a:solidFill>
+                          </a:uFill>
+                          <a:latin typeface="微软雅黑 Light"/>
+                          <a:ea typeface="微软雅黑 Light"/>
+                        </a:rPr>
+                        <a:t>开场致辞  </a:t>
+                      </a:r>
+                      <a:endParaRPr b="0" lang="en-US" sz="1800" spc="-1" strike="noStrike">
+                        <a:solidFill>
+                          <a:srgbClr val="000000"/>
+                        </a:solidFill>
+                        <a:uFill>
+                          <a:solidFill>
+                            <a:srgbClr val="ffffff"/>
+                          </a:solidFill>
+                        </a:uFill>
+                        <a:latin typeface="Arial"/>
+                      </a:endParaRPr>
+                    </a:p>
+                  </a:txBody>
+                  <a:tcPr marL="90000" marR="90000">
+                    <a:lnL w="720">
+                      <a:solidFill>
+                        <a:srgbClr val="ffffff"/>
+                      </a:solidFill>
+                    </a:lnL>
+                    <a:lnR w="720">
+                      <a:solidFill>
+                        <a:srgbClr val="ffffff"/>
+                      </a:solidFill>
+                    </a:lnR>
+                    <a:lnT w="720">
+                      <a:solidFill>
+                        <a:srgbClr val="ffffff"/>
+                      </a:solidFill>
+                    </a:lnT>
+                    <a:lnB w="720">
+                      <a:solidFill>
+                        <a:srgbClr val="ffffff"/>
+                      </a:solidFill>
+                    </a:lnB>
+                    <a:solidFill>
+                      <a:srgbClr val="cccccc"/>
+                    </a:solidFill>
+                  </a:tcPr>
+                </a:tc>
+              </a:tr>
+              <a:tr h="312480">
+                <a:tc>
+                  <a:txBody>
+                    <a:bodyPr lIns="90000" rIns="90000" tIns="46800" bIns="46800"/>
+                    <a:p>
+                      <a:pPr>
+                        <a:lnSpc>
+                          <a:spcPct val="100000"/>
+                        </a:lnSpc>
+                      </a:pPr>
+                      <a:r>
+                        <a:rPr b="0" lang="en-US" sz="800" spc="-1" strike="noStrike">
+                          <a:solidFill>
+                            <a:srgbClr val="000000"/>
+                          </a:solidFill>
+                          <a:uFill>
+                            <a:solidFill>
+                              <a:srgbClr val="ffffff"/>
+                            </a:solidFill>
+                          </a:uFill>
+                          <a:latin typeface="微软雅黑 Light"/>
+                          <a:ea typeface="微软雅黑 Light"/>
+                        </a:rPr>
+                        <a:t>10:10-10:40</a:t>
+                      </a:r>
+                      <a:endParaRPr b="0" lang="en-US" sz="1800" spc="-1" strike="noStrike">
+                        <a:solidFill>
+                          <a:srgbClr val="000000"/>
+                        </a:solidFill>
+                        <a:uFill>
+                          <a:solidFill>
+                            <a:srgbClr val="ffffff"/>
+                          </a:solidFill>
+                        </a:uFill>
+                        <a:latin typeface="Arial"/>
+                      </a:endParaRPr>
+                    </a:p>
+                  </a:txBody>
+                  <a:tcPr marL="90000" marR="90000">
+                    <a:lnL w="720">
+                      <a:solidFill>
+                        <a:srgbClr val="ffffff"/>
+                      </a:solidFill>
+                    </a:lnL>
+                    <a:lnR w="720">
+                      <a:solidFill>
+                        <a:srgbClr val="ffffff"/>
+                      </a:solidFill>
+                    </a:lnR>
+                    <a:lnT w="720">
+                      <a:solidFill>
+                        <a:srgbClr val="ffffff"/>
+                      </a:solidFill>
+                    </a:lnT>
+                    <a:lnB w="720">
+                      <a:solidFill>
+                        <a:srgbClr val="ffffff"/>
+                      </a:solidFill>
+                    </a:lnB>
+                    <a:solidFill>
+                      <a:srgbClr val="b3b3b3"/>
+                    </a:solidFill>
+                  </a:tcPr>
+                </a:tc>
+                <a:tc>
+                  <a:txBody>
+                    <a:bodyPr lIns="90000" rIns="90000" tIns="46800" bIns="46800"/>
+                    <a:p>
+                      <a:pPr>
+                        <a:lnSpc>
+                          <a:spcPct val="100000"/>
+                        </a:lnSpc>
+                      </a:pPr>
+                      <a:r>
+                        <a:rPr b="0" lang="en-US" sz="800" spc="-1" strike="noStrike">
+                          <a:solidFill>
+                            <a:srgbClr val="000000"/>
+                          </a:solidFill>
+                          <a:uFill>
+                            <a:solidFill>
+                              <a:srgbClr val="ffffff"/>
+                            </a:solidFill>
+                          </a:uFill>
+                          <a:latin typeface="微软雅黑 Light"/>
+                          <a:ea typeface="微软雅黑 Light"/>
+                        </a:rPr>
+                        <a:t>Keynote 1</a:t>
+                      </a:r>
+                      <a:endParaRPr b="0" lang="en-US" sz="1800" spc="-1" strike="noStrike">
+                        <a:solidFill>
+                          <a:srgbClr val="000000"/>
+                        </a:solidFill>
+                        <a:uFill>
+                          <a:solidFill>
+                            <a:srgbClr val="ffffff"/>
+                          </a:solidFill>
+                        </a:uFill>
+                        <a:latin typeface="Arial"/>
+                      </a:endParaRPr>
+                    </a:p>
+                  </a:txBody>
+                  <a:tcPr marL="90000" marR="90000">
+                    <a:lnL w="720">
+                      <a:solidFill>
+                        <a:srgbClr val="ffffff"/>
+                      </a:solidFill>
+                    </a:lnL>
+                    <a:lnR w="720">
+                      <a:solidFill>
+                        <a:srgbClr val="ffffff"/>
+                      </a:solidFill>
+                    </a:lnR>
+                    <a:lnT w="720">
+                      <a:solidFill>
+                        <a:srgbClr val="ffffff"/>
+                      </a:solidFill>
+                    </a:lnT>
+                    <a:lnB w="720">
+                      <a:solidFill>
+                        <a:srgbClr val="ffffff"/>
+                      </a:solidFill>
+                    </a:lnB>
+                    <a:solidFill>
+                      <a:srgbClr val="e6e6e6"/>
+                    </a:solidFill>
+                  </a:tcPr>
+                </a:tc>
+              </a:tr>
+            </a:tbl>
+          </a:graphicData>
+        </a:graphic>
+      </p:graphicFrame>
+      <p:graphicFrame>
+        <p:nvGraphicFramePr>
+          <p:cNvPr id="46" name="Table 3"/>
+          <p:cNvGraphicFramePr/>
+          <p:nvPr/>
+        </p:nvGraphicFramePr>
+        <p:xfrm>
+          <a:off x="582480" y="2806560"/>
+          <a:ext cx="8450280" cy="1598760"/>
+        </p:xfrm>
+        <a:graphic>
+          <a:graphicData uri="http://schemas.openxmlformats.org/drawingml/2006/table">
+            <a:tbl>
+              <a:tblPr/>
+              <a:tblGrid>
+                <a:gridCol w="1141560"/>
+                <a:gridCol w="1060200"/>
+                <a:gridCol w="1597680"/>
+                <a:gridCol w="1582200"/>
+                <a:gridCol w="1551960"/>
+                <a:gridCol w="1517040"/>
+              </a:tblGrid>
+              <a:tr h="524520">
+                <a:tc>
+                  <a:txBody>
+                    <a:bodyPr lIns="90000" rIns="90000" tIns="46800" bIns="46800"/>
+                    <a:p>
+                      <a:pPr>
+                        <a:lnSpc>
+                          <a:spcPct val="100000"/>
+                        </a:lnSpc>
+                      </a:pPr>
+                      <a:r>
+                        <a:rPr b="0" lang="en-US" sz="800" spc="-1" strike="noStrike">
+                          <a:solidFill>
+                            <a:srgbClr val="000000"/>
+                          </a:solidFill>
+                          <a:uFill>
+                            <a:solidFill>
+                              <a:srgbClr val="ffffff"/>
+                            </a:solidFill>
+                          </a:uFill>
+                          <a:latin typeface="微软雅黑 Light"/>
+                          <a:ea typeface="微软雅黑 Light"/>
+                        </a:rPr>
+                        <a:t>PM</a:t>
+                      </a:r>
+                      <a:endParaRPr b="0" lang="en-US" sz="1800" spc="-1" strike="noStrike">
+                        <a:solidFill>
+                          <a:srgbClr val="000000"/>
+                        </a:solidFill>
+                        <a:uFill>
+                          <a:solidFill>
+                            <a:srgbClr val="ffffff"/>
+                          </a:solidFill>
+                        </a:uFill>
+                        <a:latin typeface="Arial"/>
+                      </a:endParaRPr>
+                    </a:p>
+                  </a:txBody>
+                  <a:tcPr marL="90000" marR="90000">
+                    <a:lnL w="720">
+                      <a:solidFill>
+                        <a:srgbClr val="ffffff"/>
+                      </a:solidFill>
+                    </a:lnL>
+                    <a:lnR w="720">
+                      <a:solidFill>
+                        <a:srgbClr val="ffffff"/>
+                      </a:solidFill>
+                    </a:lnR>
+                    <a:lnT w="720">
+                      <a:solidFill>
+                        <a:srgbClr val="ffffff"/>
+                      </a:solidFill>
+                    </a:lnT>
+                    <a:lnB w="720">
+                      <a:solidFill>
+                        <a:srgbClr val="ffffff"/>
+                      </a:solidFill>
+                    </a:lnB>
+                    <a:solidFill>
+                      <a:srgbClr val="e6e6e6"/>
+                    </a:solidFill>
+                  </a:tcPr>
+                </a:tc>
+                <a:tc>
+                  <a:txBody>
+                    <a:bodyPr lIns="90000" rIns="90000" tIns="46800" bIns="46800"/>
+                    <a:p>
+                      <a:pPr>
+                        <a:lnSpc>
+                          <a:spcPct val="100000"/>
+                        </a:lnSpc>
+                      </a:pPr>
+                      <a:r>
+                        <a:rPr b="0" lang="en-US" sz="800" spc="-1" strike="noStrike">
+                          <a:solidFill>
+                            <a:srgbClr val="000000"/>
+                          </a:solidFill>
+                          <a:uFill>
+                            <a:solidFill>
+                              <a:srgbClr val="ffffff"/>
+                            </a:solidFill>
+                          </a:uFill>
+                          <a:latin typeface="微软雅黑 Light"/>
+                          <a:ea typeface="微软雅黑 Light"/>
+                        </a:rPr>
+                        <a:t>Breakout 1/</a:t>
+                      </a:r>
+                      <a:r>
+                        <a:rPr b="0" lang="en-US" sz="800" spc="-1" strike="noStrike">
+                          <a:solidFill>
+                            <a:srgbClr val="000000"/>
+                          </a:solidFill>
+                          <a:uFill>
+                            <a:solidFill>
+                              <a:srgbClr val="ffffff"/>
+                            </a:solidFill>
+                          </a:uFill>
+                          <a:latin typeface="微软雅黑 Light"/>
+                          <a:ea typeface="微软雅黑 Light"/>
+                        </a:rPr>
+                        <a:t>主会场</a:t>
+                      </a:r>
+                      <a:endParaRPr b="0" lang="en-US" sz="1800" spc="-1" strike="noStrike">
+                        <a:solidFill>
+                          <a:srgbClr val="000000"/>
+                        </a:solidFill>
+                        <a:uFill>
+                          <a:solidFill>
+                            <a:srgbClr val="ffffff"/>
+                          </a:solidFill>
+                        </a:uFill>
+                        <a:latin typeface="Arial"/>
+                      </a:endParaRPr>
+                    </a:p>
+                    <a:p>
+                      <a:pPr>
+                        <a:lnSpc>
+                          <a:spcPct val="100000"/>
+                        </a:lnSpc>
+                      </a:pPr>
+                      <a:r>
+                        <a:rPr b="0" lang="en-US" sz="800" spc="-1" strike="noStrike">
+                          <a:solidFill>
+                            <a:srgbClr val="000000"/>
+                          </a:solidFill>
+                          <a:uFill>
+                            <a:solidFill>
+                              <a:srgbClr val="ffffff"/>
+                            </a:solidFill>
+                          </a:uFill>
+                          <a:latin typeface="微软雅黑 Light"/>
+                          <a:ea typeface="微软雅黑 Light"/>
+                        </a:rPr>
+                        <a:t>(Linux/</a:t>
+                      </a:r>
+                      <a:r>
+                        <a:rPr b="0" lang="en-US" sz="800" spc="-1" strike="noStrike">
+                          <a:solidFill>
+                            <a:srgbClr val="000000"/>
+                          </a:solidFill>
+                          <a:uFill>
+                            <a:solidFill>
+                              <a:srgbClr val="ffffff"/>
+                            </a:solidFill>
+                          </a:uFill>
+                          <a:latin typeface="微软雅黑 Light"/>
+                          <a:ea typeface="微软雅黑 Light"/>
+                        </a:rPr>
+                        <a:t>开源操作系统</a:t>
+                      </a:r>
+                      <a:r>
+                        <a:rPr b="0" lang="en-US" sz="800" spc="-1" strike="noStrike">
+                          <a:solidFill>
+                            <a:srgbClr val="000000"/>
+                          </a:solidFill>
+                          <a:uFill>
+                            <a:solidFill>
+                              <a:srgbClr val="ffffff"/>
+                            </a:solidFill>
+                          </a:uFill>
+                          <a:latin typeface="微软雅黑 Light"/>
+                          <a:ea typeface="微软雅黑 Light"/>
+                        </a:rPr>
+                        <a:t>)</a:t>
+                      </a:r>
+                      <a:endParaRPr b="0" lang="en-US" sz="1800" spc="-1" strike="noStrike">
+                        <a:solidFill>
+                          <a:srgbClr val="000000"/>
+                        </a:solidFill>
+                        <a:uFill>
+                          <a:solidFill>
+                            <a:srgbClr val="ffffff"/>
+                          </a:solidFill>
+                        </a:uFill>
+                        <a:latin typeface="Arial"/>
+                      </a:endParaRPr>
+                    </a:p>
+                  </a:txBody>
+                  <a:tcPr marL="90000" marR="90000">
+                    <a:lnL w="720">
+                      <a:solidFill>
+                        <a:srgbClr val="ffffff"/>
+                      </a:solidFill>
+                    </a:lnL>
+                    <a:lnR w="720">
+                      <a:solidFill>
+                        <a:srgbClr val="ffffff"/>
+                      </a:solidFill>
+                    </a:lnR>
+                    <a:lnT w="720">
+                      <a:solidFill>
+                        <a:srgbClr val="ffffff"/>
+                      </a:solidFill>
+                    </a:lnT>
+                    <a:lnB w="720">
+                      <a:solidFill>
+                        <a:srgbClr val="ffffff"/>
+                      </a:solidFill>
+                    </a:lnB>
+                    <a:solidFill>
+                      <a:srgbClr val="e6e6e6"/>
+                    </a:solidFill>
+                  </a:tcPr>
+                </a:tc>
+                <a:tc>
+                  <a:txBody>
+                    <a:bodyPr lIns="90000" rIns="90000" tIns="46800" bIns="46800"/>
+                    <a:p>
+                      <a:pPr>
+                        <a:lnSpc>
+                          <a:spcPct val="100000"/>
+                        </a:lnSpc>
+                      </a:pPr>
+                      <a:r>
+                        <a:rPr b="0" lang="en-US" sz="800" spc="-1" strike="noStrike">
+                          <a:solidFill>
+                            <a:srgbClr val="000000"/>
+                          </a:solidFill>
+                          <a:uFill>
+                            <a:solidFill>
+                              <a:srgbClr val="ffffff"/>
+                            </a:solidFill>
+                          </a:uFill>
+                          <a:latin typeface="微软雅黑 Light"/>
+                          <a:ea typeface="微软雅黑 Light"/>
+                        </a:rPr>
+                        <a:t>Breakout 1/</a:t>
+                      </a:r>
+                      <a:r>
+                        <a:rPr b="0" lang="en-US" sz="800" spc="-1" strike="noStrike">
+                          <a:solidFill>
+                            <a:srgbClr val="000000"/>
+                          </a:solidFill>
+                          <a:uFill>
+                            <a:solidFill>
+                              <a:srgbClr val="ffffff"/>
+                            </a:solidFill>
+                          </a:uFill>
+                          <a:latin typeface="微软雅黑 Light"/>
+                          <a:ea typeface="微软雅黑 Light"/>
+                        </a:rPr>
+                        <a:t>分会场</a:t>
+                      </a:r>
+                      <a:r>
+                        <a:rPr b="0" lang="en-US" sz="800" spc="-1" strike="noStrike">
+                          <a:solidFill>
+                            <a:srgbClr val="000000"/>
+                          </a:solidFill>
+                          <a:uFill>
+                            <a:solidFill>
+                              <a:srgbClr val="ffffff"/>
+                            </a:solidFill>
+                          </a:uFill>
+                          <a:latin typeface="微软雅黑 Light"/>
+                          <a:ea typeface="微软雅黑 Light"/>
+                        </a:rPr>
+                        <a:t>1 </a:t>
+                      </a:r>
+                      <a:endParaRPr b="0" lang="en-US" sz="1800" spc="-1" strike="noStrike">
+                        <a:solidFill>
+                          <a:srgbClr val="000000"/>
+                        </a:solidFill>
+                        <a:uFill>
+                          <a:solidFill>
+                            <a:srgbClr val="ffffff"/>
+                          </a:solidFill>
+                        </a:uFill>
+                        <a:latin typeface="Arial"/>
+                      </a:endParaRPr>
+                    </a:p>
+                    <a:p>
+                      <a:pPr>
+                        <a:lnSpc>
+                          <a:spcPct val="100000"/>
+                        </a:lnSpc>
+                      </a:pPr>
+                      <a:r>
+                        <a:rPr b="0" lang="en-US" sz="800" spc="-1" strike="noStrike">
+                          <a:solidFill>
+                            <a:srgbClr val="000000"/>
+                          </a:solidFill>
+                          <a:uFill>
+                            <a:solidFill>
+                              <a:srgbClr val="ffffff"/>
+                            </a:solidFill>
+                          </a:uFill>
+                          <a:latin typeface="微软雅黑 Light"/>
+                          <a:ea typeface="微软雅黑 Light"/>
+                        </a:rPr>
+                        <a:t>(Governance/</a:t>
+                      </a:r>
+                      <a:r>
+                        <a:rPr b="0" lang="en-US" sz="800" spc="-1" strike="noStrike">
+                          <a:solidFill>
+                            <a:srgbClr val="000000"/>
+                          </a:solidFill>
+                          <a:uFill>
+                            <a:solidFill>
+                              <a:srgbClr val="ffffff"/>
+                            </a:solidFill>
+                          </a:uFill>
+                          <a:latin typeface="微软雅黑 Light"/>
+                          <a:ea typeface="微软雅黑 Light"/>
+                        </a:rPr>
+                        <a:t>开源治理</a:t>
+                      </a:r>
+                      <a:r>
+                        <a:rPr b="0" lang="en-US" sz="800" spc="-1" strike="noStrike">
+                          <a:solidFill>
+                            <a:srgbClr val="000000"/>
+                          </a:solidFill>
+                          <a:uFill>
+                            <a:solidFill>
+                              <a:srgbClr val="ffffff"/>
+                            </a:solidFill>
+                          </a:uFill>
+                          <a:latin typeface="微软雅黑 Light"/>
+                          <a:ea typeface="微软雅黑 Light"/>
+                        </a:rPr>
+                        <a:t>)</a:t>
+                      </a:r>
+                      <a:endParaRPr b="0" lang="en-US" sz="1800" spc="-1" strike="noStrike">
+                        <a:solidFill>
+                          <a:srgbClr val="000000"/>
+                        </a:solidFill>
+                        <a:uFill>
+                          <a:solidFill>
+                            <a:srgbClr val="ffffff"/>
+                          </a:solidFill>
+                        </a:uFill>
+                        <a:latin typeface="Arial"/>
+                      </a:endParaRPr>
+                    </a:p>
+                  </a:txBody>
+                  <a:tcPr marL="90000" marR="90000">
+                    <a:lnL w="720">
+                      <a:solidFill>
+                        <a:srgbClr val="ffffff"/>
+                      </a:solidFill>
+                    </a:lnL>
+                    <a:lnR w="720">
+                      <a:solidFill>
+                        <a:srgbClr val="ffffff"/>
+                      </a:solidFill>
+                    </a:lnR>
+                    <a:lnT w="720">
+                      <a:solidFill>
+                        <a:srgbClr val="ffffff"/>
+                      </a:solidFill>
+                    </a:lnT>
+                    <a:lnB w="720">
+                      <a:solidFill>
+                        <a:srgbClr val="ffffff"/>
+                      </a:solidFill>
+                    </a:lnB>
+                    <a:solidFill>
+                      <a:srgbClr val="e6e6e6"/>
+                    </a:solidFill>
+                  </a:tcPr>
+                </a:tc>
+                <a:tc>
+                  <a:txBody>
+                    <a:bodyPr lIns="90000" rIns="90000" tIns="46800" bIns="46800"/>
+                    <a:p>
+                      <a:pPr>
+                        <a:lnSpc>
+                          <a:spcPct val="100000"/>
+                        </a:lnSpc>
+                      </a:pPr>
+                      <a:r>
+                        <a:rPr b="0" lang="en-US" sz="800" spc="-1" strike="noStrike">
+                          <a:solidFill>
+                            <a:srgbClr val="000000"/>
+                          </a:solidFill>
+                          <a:uFill>
+                            <a:solidFill>
+                              <a:srgbClr val="ffffff"/>
+                            </a:solidFill>
+                          </a:uFill>
+                          <a:latin typeface="微软雅黑 Light"/>
+                          <a:ea typeface="微软雅黑 Light"/>
+                        </a:rPr>
+                        <a:t>Breakout 2/</a:t>
+                      </a:r>
+                      <a:r>
+                        <a:rPr b="0" lang="en-US" sz="800" spc="-1" strike="noStrike">
+                          <a:solidFill>
+                            <a:srgbClr val="000000"/>
+                          </a:solidFill>
+                          <a:uFill>
+                            <a:solidFill>
+                              <a:srgbClr val="ffffff"/>
+                            </a:solidFill>
+                          </a:uFill>
+                          <a:latin typeface="微软雅黑 Light"/>
+                          <a:ea typeface="微软雅黑 Light"/>
+                        </a:rPr>
+                        <a:t>分会场</a:t>
+                      </a:r>
+                      <a:r>
+                        <a:rPr b="0" lang="en-US" sz="800" spc="-1" strike="noStrike">
+                          <a:solidFill>
+                            <a:srgbClr val="000000"/>
+                          </a:solidFill>
+                          <a:uFill>
+                            <a:solidFill>
+                              <a:srgbClr val="ffffff"/>
+                            </a:solidFill>
+                          </a:uFill>
+                          <a:latin typeface="微软雅黑 Light"/>
+                          <a:ea typeface="微软雅黑 Light"/>
+                        </a:rPr>
+                        <a:t>2 </a:t>
+                      </a:r>
+                      <a:endParaRPr b="0" lang="en-US" sz="1800" spc="-1" strike="noStrike">
+                        <a:solidFill>
+                          <a:srgbClr val="000000"/>
+                        </a:solidFill>
+                        <a:uFill>
+                          <a:solidFill>
+                            <a:srgbClr val="ffffff"/>
+                          </a:solidFill>
+                        </a:uFill>
+                        <a:latin typeface="Arial"/>
+                      </a:endParaRPr>
+                    </a:p>
+                    <a:p>
+                      <a:pPr>
+                        <a:lnSpc>
+                          <a:spcPct val="100000"/>
+                        </a:lnSpc>
+                      </a:pPr>
+                      <a:r>
+                        <a:rPr b="0" lang="en-US" sz="800" spc="-1" strike="noStrike">
+                          <a:solidFill>
+                            <a:srgbClr val="000000"/>
+                          </a:solidFill>
+                          <a:uFill>
+                            <a:solidFill>
+                              <a:srgbClr val="ffffff"/>
+                            </a:solidFill>
+                          </a:uFill>
+                          <a:latin typeface="微软雅黑 Light"/>
+                          <a:ea typeface="微软雅黑 Light"/>
+                        </a:rPr>
+                        <a:t>(Cloud/</a:t>
+                      </a:r>
+                      <a:r>
+                        <a:rPr b="0" lang="en-US" sz="800" spc="-1" strike="noStrike">
+                          <a:solidFill>
+                            <a:srgbClr val="000000"/>
+                          </a:solidFill>
+                          <a:uFill>
+                            <a:solidFill>
+                              <a:srgbClr val="ffffff"/>
+                            </a:solidFill>
+                          </a:uFill>
+                          <a:latin typeface="微软雅黑 Light"/>
+                          <a:ea typeface="微软雅黑 Light"/>
+                        </a:rPr>
+                        <a:t>云计算</a:t>
+                      </a:r>
+                      <a:r>
+                        <a:rPr b="0" lang="en-US" sz="800" spc="-1" strike="noStrike">
+                          <a:solidFill>
+                            <a:srgbClr val="000000"/>
+                          </a:solidFill>
+                          <a:uFill>
+                            <a:solidFill>
+                              <a:srgbClr val="ffffff"/>
+                            </a:solidFill>
+                          </a:uFill>
+                          <a:latin typeface="微软雅黑 Light"/>
+                          <a:ea typeface="微软雅黑 Light"/>
+                        </a:rPr>
+                        <a:t>)</a:t>
+                      </a:r>
+                      <a:endParaRPr b="0" lang="en-US" sz="1800" spc="-1" strike="noStrike">
+                        <a:solidFill>
+                          <a:srgbClr val="000000"/>
+                        </a:solidFill>
+                        <a:uFill>
+                          <a:solidFill>
+                            <a:srgbClr val="ffffff"/>
+                          </a:solidFill>
+                        </a:uFill>
+                        <a:latin typeface="Arial"/>
+                      </a:endParaRPr>
+                    </a:p>
+                  </a:txBody>
+                  <a:tcPr marL="90000" marR="90000">
+                    <a:lnL w="720">
+                      <a:solidFill>
+                        <a:srgbClr val="ffffff"/>
+                      </a:solidFill>
+                    </a:lnL>
+                    <a:lnR w="720">
+                      <a:solidFill>
+                        <a:srgbClr val="ffffff"/>
+                      </a:solidFill>
+                    </a:lnR>
+                    <a:lnT w="720">
+                      <a:solidFill>
+                        <a:srgbClr val="ffffff"/>
+                      </a:solidFill>
+                    </a:lnT>
+                    <a:lnB w="720">
+                      <a:solidFill>
+                        <a:srgbClr val="ffffff"/>
+                      </a:solidFill>
+                    </a:lnB>
+                    <a:solidFill>
+                      <a:srgbClr val="e6e6e6"/>
+                    </a:solidFill>
+                  </a:tcPr>
+                </a:tc>
+                <a:tc>
+                  <a:txBody>
+                    <a:bodyPr lIns="90000" rIns="90000" tIns="46800" bIns="46800"/>
+                    <a:p>
+                      <a:pPr>
+                        <a:lnSpc>
+                          <a:spcPct val="100000"/>
+                        </a:lnSpc>
+                      </a:pPr>
+                      <a:r>
+                        <a:rPr b="0" lang="en-US" sz="800" spc="-1" strike="noStrike">
+                          <a:solidFill>
+                            <a:srgbClr val="000000"/>
+                          </a:solidFill>
+                          <a:uFill>
+                            <a:solidFill>
+                              <a:srgbClr val="ffffff"/>
+                            </a:solidFill>
+                          </a:uFill>
+                          <a:latin typeface="微软雅黑 Light"/>
+                          <a:ea typeface="微软雅黑 Light"/>
+                        </a:rPr>
+                        <a:t>Breakout 3/</a:t>
+                      </a:r>
+                      <a:r>
+                        <a:rPr b="0" lang="en-US" sz="800" spc="-1" strike="noStrike">
+                          <a:solidFill>
+                            <a:srgbClr val="000000"/>
+                          </a:solidFill>
+                          <a:uFill>
+                            <a:solidFill>
+                              <a:srgbClr val="ffffff"/>
+                            </a:solidFill>
+                          </a:uFill>
+                          <a:latin typeface="微软雅黑 Light"/>
+                          <a:ea typeface="微软雅黑 Light"/>
+                        </a:rPr>
+                        <a:t>分会场</a:t>
+                      </a:r>
+                      <a:r>
+                        <a:rPr b="0" lang="en-US" sz="800" spc="-1" strike="noStrike">
+                          <a:solidFill>
+                            <a:srgbClr val="000000"/>
+                          </a:solidFill>
+                          <a:uFill>
+                            <a:solidFill>
+                              <a:srgbClr val="ffffff"/>
+                            </a:solidFill>
+                          </a:uFill>
+                          <a:latin typeface="微软雅黑 Light"/>
+                          <a:ea typeface="微软雅黑 Light"/>
+                        </a:rPr>
+                        <a:t>3</a:t>
+                      </a:r>
+                      <a:endParaRPr b="0" lang="en-US" sz="1800" spc="-1" strike="noStrike">
+                        <a:solidFill>
+                          <a:srgbClr val="000000"/>
+                        </a:solidFill>
+                        <a:uFill>
+                          <a:solidFill>
+                            <a:srgbClr val="ffffff"/>
+                          </a:solidFill>
+                        </a:uFill>
+                        <a:latin typeface="Arial"/>
+                      </a:endParaRPr>
+                    </a:p>
+                    <a:p>
+                      <a:pPr>
+                        <a:lnSpc>
+                          <a:spcPct val="100000"/>
+                        </a:lnSpc>
+                      </a:pPr>
+                      <a:r>
+                        <a:rPr b="0" lang="en-US" sz="800" spc="-1" strike="noStrike">
+                          <a:solidFill>
+                            <a:srgbClr val="000000"/>
+                          </a:solidFill>
+                          <a:uFill>
+                            <a:solidFill>
+                              <a:srgbClr val="ffffff"/>
+                            </a:solidFill>
+                          </a:uFill>
+                          <a:latin typeface="微软雅黑 Light"/>
+                          <a:ea typeface="微软雅黑 Light"/>
+                        </a:rPr>
+                        <a:t>(Big Data/</a:t>
+                      </a:r>
+                      <a:r>
+                        <a:rPr b="0" lang="en-US" sz="800" spc="-1" strike="noStrike">
+                          <a:solidFill>
+                            <a:srgbClr val="000000"/>
+                          </a:solidFill>
+                          <a:uFill>
+                            <a:solidFill>
+                              <a:srgbClr val="ffffff"/>
+                            </a:solidFill>
+                          </a:uFill>
+                          <a:latin typeface="微软雅黑 Light"/>
+                          <a:ea typeface="微软雅黑 Light"/>
+                        </a:rPr>
+                        <a:t>大数据</a:t>
+                      </a:r>
+                      <a:r>
+                        <a:rPr b="0" lang="en-US" sz="800" spc="-1" strike="noStrike">
+                          <a:solidFill>
+                            <a:srgbClr val="000000"/>
+                          </a:solidFill>
+                          <a:uFill>
+                            <a:solidFill>
+                              <a:srgbClr val="ffffff"/>
+                            </a:solidFill>
+                          </a:uFill>
+                          <a:latin typeface="微软雅黑 Light"/>
+                          <a:ea typeface="微软雅黑 Light"/>
+                        </a:rPr>
+                        <a:t>)</a:t>
+                      </a:r>
+                      <a:endParaRPr b="0" lang="en-US" sz="1800" spc="-1" strike="noStrike">
+                        <a:solidFill>
+                          <a:srgbClr val="000000"/>
+                        </a:solidFill>
+                        <a:uFill>
+                          <a:solidFill>
+                            <a:srgbClr val="ffffff"/>
+                          </a:solidFill>
+                        </a:uFill>
+                        <a:latin typeface="Arial"/>
+                      </a:endParaRPr>
+                    </a:p>
+                  </a:txBody>
+                  <a:tcPr marL="90000" marR="90000">
+                    <a:lnL w="720">
+                      <a:solidFill>
+                        <a:srgbClr val="ffffff"/>
+                      </a:solidFill>
+                    </a:lnL>
+                    <a:lnR w="720">
+                      <a:solidFill>
+                        <a:srgbClr val="ffffff"/>
+                      </a:solidFill>
+                    </a:lnR>
+                    <a:lnT w="720">
+                      <a:solidFill>
+                        <a:srgbClr val="ffffff"/>
+                      </a:solidFill>
+                    </a:lnT>
+                    <a:lnB w="720">
+                      <a:solidFill>
+                        <a:srgbClr val="ffffff"/>
+                      </a:solidFill>
+                    </a:lnB>
+                    <a:solidFill>
+                      <a:srgbClr val="e6e6e6"/>
+                    </a:solidFill>
+                  </a:tcPr>
+                </a:tc>
+                <a:tc>
+                  <a:txBody>
+                    <a:bodyPr lIns="90000" rIns="90000" tIns="46800" bIns="46800"/>
+                    <a:p>
+                      <a:pPr>
+                        <a:lnSpc>
+                          <a:spcPct val="100000"/>
+                        </a:lnSpc>
+                      </a:pPr>
+                      <a:r>
+                        <a:rPr b="0" lang="en-US" sz="800" spc="-1" strike="noStrike">
+                          <a:solidFill>
+                            <a:srgbClr val="000000"/>
+                          </a:solidFill>
+                          <a:uFill>
+                            <a:solidFill>
+                              <a:srgbClr val="ffffff"/>
+                            </a:solidFill>
+                          </a:uFill>
+                          <a:latin typeface="微软雅黑 Light"/>
+                          <a:ea typeface="微软雅黑 Light"/>
+                        </a:rPr>
+                        <a:t>Breakout 4/</a:t>
+                      </a:r>
+                      <a:r>
+                        <a:rPr b="0" lang="en-US" sz="800" spc="-1" strike="noStrike">
+                          <a:solidFill>
+                            <a:srgbClr val="000000"/>
+                          </a:solidFill>
+                          <a:uFill>
+                            <a:solidFill>
+                              <a:srgbClr val="ffffff"/>
+                            </a:solidFill>
+                          </a:uFill>
+                          <a:latin typeface="微软雅黑 Light"/>
+                          <a:ea typeface="微软雅黑 Light"/>
+                        </a:rPr>
+                        <a:t>分会场</a:t>
+                      </a:r>
+                      <a:r>
+                        <a:rPr b="0" lang="en-US" sz="800" spc="-1" strike="noStrike">
+                          <a:solidFill>
+                            <a:srgbClr val="000000"/>
+                          </a:solidFill>
+                          <a:uFill>
+                            <a:solidFill>
+                              <a:srgbClr val="ffffff"/>
+                            </a:solidFill>
+                          </a:uFill>
+                          <a:latin typeface="微软雅黑 Light"/>
+                          <a:ea typeface="微软雅黑 Light"/>
+                        </a:rPr>
+                        <a:t>4</a:t>
+                      </a:r>
+                      <a:endParaRPr b="0" lang="en-US" sz="1800" spc="-1" strike="noStrike">
+                        <a:solidFill>
+                          <a:srgbClr val="000000"/>
+                        </a:solidFill>
+                        <a:uFill>
+                          <a:solidFill>
+                            <a:srgbClr val="ffffff"/>
+                          </a:solidFill>
+                        </a:uFill>
+                        <a:latin typeface="Arial"/>
+                      </a:endParaRPr>
+                    </a:p>
+                    <a:p>
+                      <a:pPr>
+                        <a:lnSpc>
+                          <a:spcPct val="100000"/>
+                        </a:lnSpc>
+                      </a:pPr>
+                      <a:r>
+                        <a:rPr b="0" lang="en-US" sz="800" spc="-1" strike="noStrike">
+                          <a:solidFill>
+                            <a:srgbClr val="000000"/>
+                          </a:solidFill>
+                          <a:uFill>
+                            <a:solidFill>
+                              <a:srgbClr val="ffffff"/>
+                            </a:solidFill>
+                          </a:uFill>
+                          <a:latin typeface="微软雅黑 Light"/>
+                          <a:ea typeface="微软雅黑 Light"/>
+                        </a:rPr>
+                        <a:t>(</a:t>
+                      </a:r>
+                      <a:r>
+                        <a:rPr b="0" lang="en-US" sz="800" spc="-1" strike="noStrike">
+                          <a:solidFill>
+                            <a:srgbClr val="000000"/>
+                          </a:solidFill>
+                          <a:uFill>
+                            <a:solidFill>
+                              <a:srgbClr val="ffffff"/>
+                            </a:solidFill>
+                          </a:uFill>
+                          <a:latin typeface="微软雅黑 Light"/>
+                          <a:ea typeface="微软雅黑 Light"/>
+                        </a:rPr>
+                        <a:t>前端技术与移动</a:t>
+                      </a:r>
+                      <a:r>
+                        <a:rPr b="0" lang="en-US" sz="800" spc="-1" strike="noStrike">
+                          <a:solidFill>
+                            <a:srgbClr val="000000"/>
+                          </a:solidFill>
+                          <a:uFill>
+                            <a:solidFill>
+                              <a:srgbClr val="ffffff"/>
+                            </a:solidFill>
+                          </a:uFill>
+                          <a:latin typeface="微软雅黑 Light"/>
+                          <a:ea typeface="微软雅黑 Light"/>
+                        </a:rPr>
+                        <a:t>)</a:t>
+                      </a:r>
+                      <a:endParaRPr b="0" lang="en-US" sz="1800" spc="-1" strike="noStrike">
+                        <a:solidFill>
+                          <a:srgbClr val="000000"/>
+                        </a:solidFill>
+                        <a:uFill>
+                          <a:solidFill>
+                            <a:srgbClr val="ffffff"/>
+                          </a:solidFill>
+                        </a:uFill>
+                        <a:latin typeface="Arial"/>
+                      </a:endParaRPr>
+                    </a:p>
+                  </a:txBody>
+                  <a:tcPr marL="90000" marR="90000">
+                    <a:lnL w="720">
+                      <a:solidFill>
+                        <a:srgbClr val="ffffff"/>
+                      </a:solidFill>
+                    </a:lnL>
+                    <a:lnR w="720">
+                      <a:solidFill>
+                        <a:srgbClr val="ffffff"/>
+                      </a:solidFill>
+                    </a:lnR>
+                    <a:lnT w="720">
+                      <a:solidFill>
+                        <a:srgbClr val="ffffff"/>
+                      </a:solidFill>
+                    </a:lnT>
+                    <a:lnB w="720">
+                      <a:solidFill>
+                        <a:srgbClr val="ffffff"/>
+                      </a:solidFill>
+                    </a:lnB>
+                    <a:solidFill>
+                      <a:srgbClr val="e6e6e6"/>
+                    </a:solidFill>
+                  </a:tcPr>
+                </a:tc>
+              </a:tr>
+              <a:tr h="340560">
+                <a:tc>
+                  <a:txBody>
+                    <a:bodyPr lIns="90000" rIns="90000" tIns="46800" bIns="46800"/>
+                    <a:p>
+                      <a:pPr>
+                        <a:lnSpc>
+                          <a:spcPct val="100000"/>
+                        </a:lnSpc>
+                      </a:pPr>
+                      <a:r>
+                        <a:rPr b="0" lang="en-US" sz="800" spc="-1" strike="noStrike">
+                          <a:solidFill>
+                            <a:srgbClr val="000000"/>
+                          </a:solidFill>
+                          <a:uFill>
+                            <a:solidFill>
+                              <a:srgbClr val="ffffff"/>
+                            </a:solidFill>
+                          </a:uFill>
+                          <a:latin typeface="微软雅黑 Light"/>
+                          <a:ea typeface="微软雅黑 Light"/>
+                        </a:rPr>
+                        <a:t>10:50-11:20</a:t>
+                      </a:r>
+                      <a:endParaRPr b="0" lang="en-US" sz="1800" spc="-1" strike="noStrike">
+                        <a:solidFill>
+                          <a:srgbClr val="000000"/>
+                        </a:solidFill>
+                        <a:uFill>
+                          <a:solidFill>
+                            <a:srgbClr val="ffffff"/>
+                          </a:solidFill>
+                        </a:uFill>
+                        <a:latin typeface="Arial"/>
+                      </a:endParaRPr>
+                    </a:p>
+                  </a:txBody>
+                  <a:tcPr marL="90000" marR="90000">
+                    <a:lnL w="720">
+                      <a:solidFill>
+                        <a:srgbClr val="ffffff"/>
+                      </a:solidFill>
+                    </a:lnL>
+                    <a:lnR w="720">
+                      <a:solidFill>
+                        <a:srgbClr val="ffffff"/>
+                      </a:solidFill>
+                    </a:lnR>
+                    <a:lnT w="720">
+                      <a:solidFill>
+                        <a:srgbClr val="ffffff"/>
+                      </a:solidFill>
+                    </a:lnT>
+                    <a:lnB w="720">
+                      <a:solidFill>
+                        <a:srgbClr val="ffffff"/>
+                      </a:solidFill>
+                    </a:lnB>
+                    <a:solidFill>
+                      <a:srgbClr val="e6e6e6"/>
+                    </a:solidFill>
+                  </a:tcPr>
+                </a:tc>
+                <a:tc>
+                  <a:tcPr marL="90000" marR="90000">
+                    <a:lnL w="720">
+                      <a:solidFill>
+                        <a:srgbClr val="ffffff"/>
+                      </a:solidFill>
+                    </a:lnL>
+                    <a:lnR w="720">
+                      <a:solidFill>
+                        <a:srgbClr val="ffffff"/>
+                      </a:solidFill>
+                    </a:lnR>
+                    <a:lnT w="720">
+                      <a:solidFill>
+                        <a:srgbClr val="ffffff"/>
+                      </a:solidFill>
+                    </a:lnT>
+                    <a:lnB w="720">
+                      <a:solidFill>
+                        <a:srgbClr val="ffffff"/>
+                      </a:solidFill>
+                    </a:lnB>
+                    <a:solidFill>
+                      <a:srgbClr val="e6e6e6"/>
+                    </a:solidFill>
+                  </a:tcPr>
+                </a:tc>
+                <a:tc>
+                  <a:tcPr marL="90000" marR="90000">
+                    <a:lnL w="720">
+                      <a:solidFill>
+                        <a:srgbClr val="ffffff"/>
+                      </a:solidFill>
+                    </a:lnL>
+                    <a:lnR w="720">
+                      <a:solidFill>
+                        <a:srgbClr val="ffffff"/>
+                      </a:solidFill>
+                    </a:lnR>
+                    <a:lnT w="720">
+                      <a:solidFill>
+                        <a:srgbClr val="ffffff"/>
+                      </a:solidFill>
+                    </a:lnT>
+                    <a:lnB w="720">
+                      <a:solidFill>
+                        <a:srgbClr val="ffffff"/>
+                      </a:solidFill>
+                    </a:lnB>
+                    <a:solidFill>
+                      <a:srgbClr val="e6e6e6"/>
+                    </a:solidFill>
+                  </a:tcPr>
+                </a:tc>
+                <a:tc>
+                  <a:tcPr marL="90000" marR="90000">
+                    <a:lnL w="720">
+                      <a:solidFill>
+                        <a:srgbClr val="ffffff"/>
+                      </a:solidFill>
+                    </a:lnL>
+                    <a:lnR w="720">
+                      <a:solidFill>
+                        <a:srgbClr val="ffffff"/>
+                      </a:solidFill>
+                    </a:lnR>
+                    <a:lnT w="720">
+                      <a:solidFill>
+                        <a:srgbClr val="ffffff"/>
+                      </a:solidFill>
+                    </a:lnT>
+                    <a:lnB w="720">
+                      <a:solidFill>
+                        <a:srgbClr val="ffffff"/>
+                      </a:solidFill>
+                    </a:lnB>
+                    <a:solidFill>
+                      <a:srgbClr val="e6e6e6"/>
+                    </a:solidFill>
+                  </a:tcPr>
+                </a:tc>
+                <a:tc>
+                  <a:tcPr marL="90000" marR="90000">
+                    <a:lnL w="720">
+                      <a:solidFill>
+                        <a:srgbClr val="ffffff"/>
+                      </a:solidFill>
+                    </a:lnL>
+                    <a:lnR w="720">
+                      <a:solidFill>
+                        <a:srgbClr val="ffffff"/>
+                      </a:solidFill>
+                    </a:lnR>
+                    <a:lnT w="720">
+                      <a:solidFill>
+                        <a:srgbClr val="ffffff"/>
+                      </a:solidFill>
+                    </a:lnT>
+                    <a:lnB w="720">
+                      <a:solidFill>
+                        <a:srgbClr val="ffffff"/>
+                      </a:solidFill>
+                    </a:lnB>
+                    <a:solidFill>
+                      <a:srgbClr val="e6e6e6"/>
+                    </a:solidFill>
+                  </a:tcPr>
+                </a:tc>
+                <a:tc>
+                  <a:tcPr marL="90000" marR="90000">
+                    <a:lnL w="720">
+                      <a:solidFill>
+                        <a:srgbClr val="ffffff"/>
+                      </a:solidFill>
+                    </a:lnL>
+                    <a:lnR w="720">
+                      <a:solidFill>
+                        <a:srgbClr val="ffffff"/>
+                      </a:solidFill>
+                    </a:lnR>
+                    <a:lnT w="720">
+                      <a:solidFill>
+                        <a:srgbClr val="ffffff"/>
+                      </a:solidFill>
+                    </a:lnT>
+                    <a:lnB w="720">
+                      <a:solidFill>
+                        <a:srgbClr val="ffffff"/>
+                      </a:solidFill>
+                    </a:lnB>
+                    <a:solidFill>
+                      <a:srgbClr val="e6e6e6"/>
+                    </a:solidFill>
+                  </a:tcPr>
+                </a:tc>
+              </a:tr>
+              <a:tr h="240840">
+                <a:tc>
+                  <a:txBody>
+                    <a:bodyPr lIns="90000" rIns="90000" tIns="46800" bIns="46800"/>
+                    <a:p>
+                      <a:pPr>
+                        <a:lnSpc>
+                          <a:spcPct val="100000"/>
+                        </a:lnSpc>
+                      </a:pPr>
+                      <a:r>
+                        <a:rPr b="0" lang="en-US" sz="800" spc="-1" strike="noStrike">
+                          <a:solidFill>
+                            <a:srgbClr val="000000"/>
+                          </a:solidFill>
+                          <a:uFill>
+                            <a:solidFill>
+                              <a:srgbClr val="ffffff"/>
+                            </a:solidFill>
+                          </a:uFill>
+                          <a:latin typeface="微软雅黑 Light"/>
+                          <a:ea typeface="微软雅黑 Light"/>
+                        </a:rPr>
+                        <a:t>11:20-11:30</a:t>
+                      </a:r>
+                      <a:endParaRPr b="0" lang="en-US" sz="1800" spc="-1" strike="noStrike">
+                        <a:solidFill>
+                          <a:srgbClr val="000000"/>
+                        </a:solidFill>
+                        <a:uFill>
+                          <a:solidFill>
+                            <a:srgbClr val="ffffff"/>
+                          </a:solidFill>
+                        </a:uFill>
+                        <a:latin typeface="Arial"/>
+                      </a:endParaRPr>
+                    </a:p>
+                  </a:txBody>
+                  <a:tcPr marL="90000" marR="90000">
+                    <a:lnL w="720">
+                      <a:solidFill>
+                        <a:srgbClr val="ffffff"/>
+                      </a:solidFill>
+                    </a:lnL>
+                    <a:lnR w="720">
+                      <a:solidFill>
+                        <a:srgbClr val="ffffff"/>
+                      </a:solidFill>
+                    </a:lnR>
+                    <a:lnT w="720">
+                      <a:solidFill>
+                        <a:srgbClr val="ffffff"/>
+                      </a:solidFill>
+                    </a:lnT>
+                    <a:lnB w="720">
+                      <a:solidFill>
+                        <a:srgbClr val="ffffff"/>
+                      </a:solidFill>
+                    </a:lnB>
+                    <a:solidFill>
+                      <a:srgbClr val="e6e6e6"/>
+                    </a:solidFill>
+                  </a:tcPr>
+                </a:tc>
+                <a:tc gridSpan="5">
+                  <a:txBody>
+                    <a:bodyPr lIns="90000" rIns="90000" tIns="46800" bIns="46800"/>
+                    <a:p>
+                      <a:pPr>
+                        <a:lnSpc>
+                          <a:spcPct val="100000"/>
+                        </a:lnSpc>
+                      </a:pPr>
+                      <a:r>
+                        <a:rPr b="0" lang="en-US" sz="800" spc="-1" strike="noStrike">
+                          <a:solidFill>
+                            <a:srgbClr val="000000"/>
+                          </a:solidFill>
+                          <a:uFill>
+                            <a:solidFill>
+                              <a:srgbClr val="ffffff"/>
+                            </a:solidFill>
+                          </a:uFill>
+                          <a:latin typeface="微软雅黑 Light"/>
+                          <a:ea typeface="微软雅黑 Light"/>
+                        </a:rPr>
+                        <a:t>Tea Break</a:t>
+                      </a:r>
+                      <a:endParaRPr b="0" lang="en-US" sz="1800" spc="-1" strike="noStrike">
+                        <a:solidFill>
+                          <a:srgbClr val="000000"/>
+                        </a:solidFill>
+                        <a:uFill>
+                          <a:solidFill>
+                            <a:srgbClr val="ffffff"/>
+                          </a:solidFill>
+                        </a:uFill>
+                        <a:latin typeface="Arial"/>
+                      </a:endParaRPr>
+                    </a:p>
+                  </a:txBody>
+                  <a:tcPr marL="90000" marR="90000">
+                    <a:lnL w="720">
+                      <a:solidFill>
+                        <a:srgbClr val="ffffff"/>
+                      </a:solidFill>
+                    </a:lnL>
+                    <a:lnR w="720">
+                      <a:solidFill>
+                        <a:srgbClr val="ffffff"/>
+                      </a:solidFill>
+                    </a:lnR>
+                    <a:lnT w="720">
+                      <a:solidFill>
+                        <a:srgbClr val="ffffff"/>
+                      </a:solidFill>
+                    </a:lnT>
+                    <a:lnB w="720">
+                      <a:solidFill>
+                        <a:srgbClr val="ffffff"/>
+                      </a:solidFill>
+                    </a:lnB>
+                    <a:solidFill>
+                      <a:srgbClr val="e6e6e6"/>
+                    </a:solidFill>
+                  </a:tcPr>
+                </a:tc>
+                <a:tc hMerge="1">
+                  <a:tcPr marL="90000" marR="90000">
+                    <a:lnL w="720">
+                      <a:solidFill>
+                        <a:srgbClr val="ffffff"/>
+                      </a:solidFill>
+                    </a:lnL>
+                    <a:lnR w="720">
+                      <a:solidFill>
+                        <a:srgbClr val="ffffff"/>
+                      </a:solidFill>
+                    </a:lnR>
+                    <a:lnT w="720">
+                      <a:solidFill>
+                        <a:srgbClr val="ffffff"/>
+                      </a:solidFill>
+                    </a:lnT>
+                    <a:lnB w="720">
+                      <a:solidFill>
+                        <a:srgbClr val="ffffff"/>
+                      </a:solidFill>
+                    </a:lnB>
+                    <a:solidFill>
+                      <a:srgbClr val="e6e6e6"/>
+                    </a:solidFill>
+                  </a:tcPr>
+                </a:tc>
+                <a:tc hMerge="1">
+                  <a:tcPr marL="90000" marR="90000">
+                    <a:lnL w="720">
+                      <a:solidFill>
+                        <a:srgbClr val="ffffff"/>
+                      </a:solidFill>
+                    </a:lnL>
+                    <a:lnR w="720">
+                      <a:solidFill>
+                        <a:srgbClr val="ffffff"/>
+                      </a:solidFill>
+                    </a:lnR>
+                    <a:lnT w="720">
+                      <a:solidFill>
+                        <a:srgbClr val="ffffff"/>
+                      </a:solidFill>
+                    </a:lnT>
+                    <a:lnB w="720">
+                      <a:solidFill>
+                        <a:srgbClr val="ffffff"/>
+                      </a:solidFill>
+                    </a:lnB>
+                    <a:solidFill>
+                      <a:srgbClr val="e6e6e6"/>
+                    </a:solidFill>
+                  </a:tcPr>
+                </a:tc>
+                <a:tc hMerge="1">
+                  <a:tcPr marL="90000" marR="90000">
+                    <a:lnL w="720">
+                      <a:solidFill>
+                        <a:srgbClr val="ffffff"/>
+                      </a:solidFill>
+                    </a:lnL>
+                    <a:lnR w="720">
+                      <a:solidFill>
+                        <a:srgbClr val="ffffff"/>
+                      </a:solidFill>
+                    </a:lnR>
+                    <a:lnT w="720">
+                      <a:solidFill>
+                        <a:srgbClr val="ffffff"/>
+                      </a:solidFill>
+                    </a:lnT>
+                    <a:lnB w="720">
+                      <a:solidFill>
+                        <a:srgbClr val="ffffff"/>
+                      </a:solidFill>
+                    </a:lnB>
+                    <a:solidFill>
+                      <a:srgbClr val="e6e6e6"/>
+                    </a:solidFill>
+                  </a:tcPr>
+                </a:tc>
+              </a:tr>
+              <a:tr h="245880">
+                <a:tc>
+                  <a:txBody>
+                    <a:bodyPr lIns="90000" rIns="90000" tIns="46800" bIns="46800"/>
+                    <a:p>
+                      <a:pPr>
+                        <a:lnSpc>
+                          <a:spcPct val="100000"/>
+                        </a:lnSpc>
+                      </a:pPr>
+                      <a:r>
+                        <a:rPr b="0" lang="en-US" sz="800" spc="-1" strike="noStrike">
+                          <a:solidFill>
+                            <a:srgbClr val="000000"/>
+                          </a:solidFill>
+                          <a:uFill>
+                            <a:solidFill>
+                              <a:srgbClr val="ffffff"/>
+                            </a:solidFill>
+                          </a:uFill>
+                          <a:latin typeface="微软雅黑 Light"/>
+                          <a:ea typeface="微软雅黑 Light"/>
+                        </a:rPr>
+                        <a:t>11:30-12:00 </a:t>
+                      </a:r>
+                      <a:endParaRPr b="0" lang="en-US" sz="1800" spc="-1" strike="noStrike">
+                        <a:solidFill>
+                          <a:srgbClr val="000000"/>
+                        </a:solidFill>
+                        <a:uFill>
+                          <a:solidFill>
+                            <a:srgbClr val="ffffff"/>
+                          </a:solidFill>
+                        </a:uFill>
+                        <a:latin typeface="Arial"/>
+                      </a:endParaRPr>
+                    </a:p>
+                  </a:txBody>
+                  <a:tcPr marL="90000" marR="90000">
+                    <a:lnL w="720">
+                      <a:solidFill>
+                        <a:srgbClr val="ffffff"/>
+                      </a:solidFill>
+                    </a:lnL>
+                    <a:lnR w="720">
+                      <a:solidFill>
+                        <a:srgbClr val="ffffff"/>
+                      </a:solidFill>
+                    </a:lnR>
+                    <a:lnT w="720">
+                      <a:solidFill>
+                        <a:srgbClr val="ffffff"/>
+                      </a:solidFill>
+                    </a:lnT>
+                    <a:lnB w="720">
+                      <a:solidFill>
+                        <a:srgbClr val="ffffff"/>
+                      </a:solidFill>
+                    </a:lnB>
+                    <a:solidFill>
+                      <a:srgbClr val="e6e6e6"/>
+                    </a:solidFill>
+                  </a:tcPr>
+                </a:tc>
+                <a:tc>
+                  <a:tcPr marL="90000" marR="90000">
+                    <a:lnL w="720">
+                      <a:solidFill>
+                        <a:srgbClr val="ffffff"/>
+                      </a:solidFill>
+                    </a:lnL>
+                    <a:lnR w="720">
+                      <a:solidFill>
+                        <a:srgbClr val="ffffff"/>
+                      </a:solidFill>
+                    </a:lnR>
+                    <a:lnT w="720">
+                      <a:solidFill>
+                        <a:srgbClr val="ffffff"/>
+                      </a:solidFill>
+                    </a:lnT>
+                    <a:lnB w="720">
+                      <a:solidFill>
+                        <a:srgbClr val="ffffff"/>
+                      </a:solidFill>
+                    </a:lnB>
+                    <a:solidFill>
+                      <a:srgbClr val="e6e6e6"/>
+                    </a:solidFill>
+                  </a:tcPr>
+                </a:tc>
+                <a:tc>
+                  <a:tcPr marL="90000" marR="90000">
+                    <a:lnL w="720">
+                      <a:solidFill>
+                        <a:srgbClr val="ffffff"/>
+                      </a:solidFill>
+                    </a:lnL>
+                    <a:lnR w="720">
+                      <a:solidFill>
+                        <a:srgbClr val="ffffff"/>
+                      </a:solidFill>
+                    </a:lnR>
+                    <a:lnT w="720">
+                      <a:solidFill>
+                        <a:srgbClr val="ffffff"/>
+                      </a:solidFill>
+                    </a:lnT>
+                    <a:lnB w="720">
+                      <a:solidFill>
+                        <a:srgbClr val="ffffff"/>
+                      </a:solidFill>
+                    </a:lnB>
+                    <a:solidFill>
+                      <a:srgbClr val="e6e6e6"/>
+                    </a:solidFill>
+                  </a:tcPr>
+                </a:tc>
+                <a:tc>
+                  <a:tcPr marL="90000" marR="90000">
+                    <a:lnL w="720">
+                      <a:solidFill>
+                        <a:srgbClr val="ffffff"/>
+                      </a:solidFill>
+                    </a:lnL>
+                    <a:lnR w="720">
+                      <a:solidFill>
+                        <a:srgbClr val="ffffff"/>
+                      </a:solidFill>
+                    </a:lnR>
+                    <a:lnT w="720">
+                      <a:solidFill>
+                        <a:srgbClr val="ffffff"/>
+                      </a:solidFill>
+                    </a:lnT>
+                    <a:lnB w="720">
+                      <a:solidFill>
+                        <a:srgbClr val="ffffff"/>
+                      </a:solidFill>
+                    </a:lnB>
+                    <a:solidFill>
+                      <a:srgbClr val="e6e6e6"/>
+                    </a:solidFill>
+                  </a:tcPr>
+                </a:tc>
+                <a:tc>
+                  <a:tcPr marL="90000" marR="90000">
+                    <a:lnL w="720">
+                      <a:solidFill>
+                        <a:srgbClr val="ffffff"/>
+                      </a:solidFill>
+                    </a:lnL>
+                    <a:lnR w="720">
+                      <a:solidFill>
+                        <a:srgbClr val="ffffff"/>
+                      </a:solidFill>
+                    </a:lnR>
+                    <a:lnT w="720">
+                      <a:solidFill>
+                        <a:srgbClr val="ffffff"/>
+                      </a:solidFill>
+                    </a:lnT>
+                    <a:lnB w="720">
+                      <a:solidFill>
+                        <a:srgbClr val="ffffff"/>
+                      </a:solidFill>
+                    </a:lnB>
+                    <a:solidFill>
+                      <a:srgbClr val="e6e6e6"/>
+                    </a:solidFill>
+                  </a:tcPr>
+                </a:tc>
+                <a:tc>
+                  <a:tcPr marL="90000" marR="90000">
+                    <a:lnL w="720">
+                      <a:solidFill>
+                        <a:srgbClr val="ffffff"/>
+                      </a:solidFill>
+                    </a:lnL>
+                    <a:lnR w="720">
+                      <a:solidFill>
+                        <a:srgbClr val="ffffff"/>
+                      </a:solidFill>
+                    </a:lnR>
+                    <a:lnT w="720">
+                      <a:solidFill>
+                        <a:srgbClr val="ffffff"/>
+                      </a:solidFill>
+                    </a:lnT>
+                    <a:lnB w="720">
+                      <a:solidFill>
+                        <a:srgbClr val="ffffff"/>
+                      </a:solidFill>
+                    </a:lnB>
+                    <a:solidFill>
+                      <a:srgbClr val="e6e6e6"/>
+                    </a:solidFill>
+                  </a:tcPr>
+                </a:tc>
+              </a:tr>
+              <a:tr h="247320">
+                <a:tc>
+                  <a:txBody>
+                    <a:bodyPr lIns="90000" rIns="90000" tIns="46800" bIns="46800"/>
+                    <a:p>
+                      <a:pPr>
+                        <a:lnSpc>
+                          <a:spcPct val="100000"/>
+                        </a:lnSpc>
+                      </a:pPr>
+                      <a:r>
+                        <a:rPr b="0" lang="en-US" sz="800" spc="-1" strike="noStrike">
+                          <a:solidFill>
+                            <a:srgbClr val="000000"/>
+                          </a:solidFill>
+                          <a:uFill>
+                            <a:solidFill>
+                              <a:srgbClr val="ffffff"/>
+                            </a:solidFill>
+                          </a:uFill>
+                          <a:latin typeface="微软雅黑 Light"/>
+                          <a:ea typeface="微软雅黑 Light"/>
+                        </a:rPr>
+                        <a:t>12:00-12:30 </a:t>
+                      </a:r>
+                      <a:endParaRPr b="0" lang="en-US" sz="1800" spc="-1" strike="noStrike">
+                        <a:solidFill>
+                          <a:srgbClr val="000000"/>
+                        </a:solidFill>
+                        <a:uFill>
+                          <a:solidFill>
+                            <a:srgbClr val="ffffff"/>
+                          </a:solidFill>
+                        </a:uFill>
+                        <a:latin typeface="Arial"/>
+                      </a:endParaRPr>
+                    </a:p>
+                  </a:txBody>
+                  <a:tcPr marL="90000" marR="90000">
+                    <a:lnL w="720">
+                      <a:solidFill>
+                        <a:srgbClr val="ffffff"/>
+                      </a:solidFill>
+                    </a:lnL>
+                    <a:lnR w="720">
+                      <a:solidFill>
+                        <a:srgbClr val="ffffff"/>
+                      </a:solidFill>
+                    </a:lnR>
+                    <a:lnT w="720">
+                      <a:solidFill>
+                        <a:srgbClr val="ffffff"/>
+                      </a:solidFill>
+                    </a:lnT>
+                    <a:lnB w="720">
+                      <a:solidFill>
+                        <a:srgbClr val="ffffff"/>
+                      </a:solidFill>
+                    </a:lnB>
+                    <a:solidFill>
+                      <a:srgbClr val="e6e6e6"/>
+                    </a:solidFill>
+                  </a:tcPr>
+                </a:tc>
+                <a:tc>
+                  <a:tcPr marL="90000" marR="90000">
+                    <a:lnL w="720">
+                      <a:solidFill>
+                        <a:srgbClr val="ffffff"/>
+                      </a:solidFill>
+                    </a:lnL>
+                    <a:lnR w="720">
+                      <a:solidFill>
+                        <a:srgbClr val="ffffff"/>
+                      </a:solidFill>
+                    </a:lnR>
+                    <a:lnT w="720">
+                      <a:solidFill>
+                        <a:srgbClr val="ffffff"/>
+                      </a:solidFill>
+                    </a:lnT>
+                    <a:lnB w="720">
+                      <a:solidFill>
+                        <a:srgbClr val="ffffff"/>
+                      </a:solidFill>
+                    </a:lnB>
+                    <a:solidFill>
+                      <a:srgbClr val="e6e6e6"/>
+                    </a:solidFill>
+                  </a:tcPr>
+                </a:tc>
+                <a:tc>
+                  <a:tcPr marL="90000" marR="90000">
+                    <a:lnL w="720">
+                      <a:solidFill>
+                        <a:srgbClr val="ffffff"/>
+                      </a:solidFill>
+                    </a:lnL>
+                    <a:lnR w="720">
+                      <a:solidFill>
+                        <a:srgbClr val="ffffff"/>
+                      </a:solidFill>
+                    </a:lnR>
+                    <a:lnT w="720">
+                      <a:solidFill>
+                        <a:srgbClr val="ffffff"/>
+                      </a:solidFill>
+                    </a:lnT>
+                    <a:lnB w="720">
+                      <a:solidFill>
+                        <a:srgbClr val="ffffff"/>
+                      </a:solidFill>
+                    </a:lnB>
+                    <a:solidFill>
+                      <a:srgbClr val="e6e6e6"/>
+                    </a:solidFill>
+                  </a:tcPr>
+                </a:tc>
+                <a:tc>
+                  <a:tcPr marL="90000" marR="90000">
+                    <a:lnL w="720">
+                      <a:solidFill>
+                        <a:srgbClr val="ffffff"/>
+                      </a:solidFill>
+                    </a:lnL>
+                    <a:lnR w="720">
+                      <a:solidFill>
+                        <a:srgbClr val="ffffff"/>
+                      </a:solidFill>
+                    </a:lnR>
+                    <a:lnT w="720">
+                      <a:solidFill>
+                        <a:srgbClr val="ffffff"/>
+                      </a:solidFill>
+                    </a:lnT>
+                    <a:lnB w="720">
+                      <a:solidFill>
+                        <a:srgbClr val="ffffff"/>
+                      </a:solidFill>
+                    </a:lnB>
+                    <a:solidFill>
+                      <a:srgbClr val="e6e6e6"/>
+                    </a:solidFill>
+                  </a:tcPr>
+                </a:tc>
+                <a:tc>
+                  <a:tcPr marL="90000" marR="90000">
+                    <a:lnL w="720">
+                      <a:solidFill>
+                        <a:srgbClr val="ffffff"/>
+                      </a:solidFill>
+                    </a:lnL>
+                    <a:lnR w="720">
+                      <a:solidFill>
+                        <a:srgbClr val="ffffff"/>
+                      </a:solidFill>
+                    </a:lnR>
+                    <a:lnT w="720">
+                      <a:solidFill>
+                        <a:srgbClr val="ffffff"/>
+                      </a:solidFill>
+                    </a:lnT>
+                    <a:lnB w="720">
+                      <a:solidFill>
+                        <a:srgbClr val="ffffff"/>
+                      </a:solidFill>
+                    </a:lnB>
+                    <a:solidFill>
+                      <a:srgbClr val="e6e6e6"/>
+                    </a:solidFill>
+                  </a:tcPr>
+                </a:tc>
+                <a:tc>
+                  <a:tcPr marL="90000" marR="90000">
+                    <a:lnL w="720">
+                      <a:solidFill>
+                        <a:srgbClr val="ffffff"/>
+                      </a:solidFill>
+                    </a:lnL>
+                    <a:lnR w="720">
+                      <a:solidFill>
+                        <a:srgbClr val="ffffff"/>
+                      </a:solidFill>
+                    </a:lnR>
+                    <a:lnT w="720">
+                      <a:solidFill>
+                        <a:srgbClr val="ffffff"/>
+                      </a:solidFill>
+                    </a:lnT>
+                    <a:lnB w="720">
+                      <a:solidFill>
+                        <a:srgbClr val="ffffff"/>
+                      </a:solidFill>
+                    </a:lnB>
+                    <a:solidFill>
+                      <a:srgbClr val="e6e6e6"/>
+                    </a:solidFill>
+                  </a:tcPr>
+                </a:tc>
+              </a:tr>
+            </a:tbl>
+          </a:graphicData>
+        </a:graphic>
+      </p:graphicFrame>
+      <p:graphicFrame>
+        <p:nvGraphicFramePr>
+          <p:cNvPr id="47" name="Table 4"/>
+          <p:cNvGraphicFramePr/>
+          <p:nvPr/>
+        </p:nvGraphicFramePr>
+        <p:xfrm>
+          <a:off x="572040" y="4462920"/>
+          <a:ext cx="8444880" cy="1036440"/>
+        </p:xfrm>
+        <a:graphic>
+          <a:graphicData uri="http://schemas.openxmlformats.org/drawingml/2006/table">
+            <a:tbl>
+              <a:tblPr/>
+              <a:tblGrid>
+                <a:gridCol w="1136160"/>
+                <a:gridCol w="7309080"/>
+              </a:tblGrid>
+              <a:tr h="361800">
+                <a:tc>
+                  <a:txBody>
+                    <a:bodyPr lIns="90000" rIns="90000" tIns="46800" bIns="46800"/>
+                    <a:p>
+                      <a:pPr>
+                        <a:lnSpc>
+                          <a:spcPct val="100000"/>
+                        </a:lnSpc>
+                      </a:pPr>
+                      <a:r>
+                        <a:rPr b="0" lang="en-US" sz="800" spc="-1" strike="noStrike">
+                          <a:solidFill>
+                            <a:srgbClr val="000000"/>
+                          </a:solidFill>
+                          <a:uFill>
+                            <a:solidFill>
+                              <a:srgbClr val="ffffff"/>
+                            </a:solidFill>
+                          </a:uFill>
+                          <a:latin typeface="微软雅黑 Light"/>
+                          <a:ea typeface="微软雅黑 Light"/>
+                        </a:rPr>
+                        <a:t>12:30-13:30</a:t>
+                      </a:r>
+                      <a:endParaRPr b="0" lang="en-US" sz="1800" spc="-1" strike="noStrike">
+                        <a:solidFill>
+                          <a:srgbClr val="000000"/>
+                        </a:solidFill>
+                        <a:uFill>
+                          <a:solidFill>
+                            <a:srgbClr val="ffffff"/>
+                          </a:solidFill>
+                        </a:uFill>
+                        <a:latin typeface="Arial"/>
+                      </a:endParaRPr>
+                    </a:p>
+                  </a:txBody>
+                  <a:tcPr marL="90000" marR="90000">
+                    <a:lnL w="720">
+                      <a:solidFill>
+                        <a:srgbClr val="ffffff"/>
+                      </a:solidFill>
+                    </a:lnL>
+                    <a:lnR w="720">
+                      <a:solidFill>
+                        <a:srgbClr val="ffffff"/>
+                      </a:solidFill>
+                    </a:lnR>
+                    <a:lnT w="720">
+                      <a:solidFill>
+                        <a:srgbClr val="ffffff"/>
+                      </a:solidFill>
+                    </a:lnT>
+                    <a:lnB w="720">
+                      <a:solidFill>
+                        <a:srgbClr val="ffffff"/>
+                      </a:solidFill>
+                    </a:lnB>
+                    <a:solidFill>
+                      <a:srgbClr val="b3b3b3"/>
+                    </a:solidFill>
+                  </a:tcPr>
+                </a:tc>
+                <a:tc>
+                  <a:txBody>
+                    <a:bodyPr lIns="90000" rIns="90000" tIns="46800" bIns="46800"/>
+                    <a:p>
+                      <a:pPr>
+                        <a:lnSpc>
+                          <a:spcPct val="100000"/>
+                        </a:lnSpc>
+                      </a:pPr>
+                      <a:r>
+                        <a:rPr b="0" lang="en-US" sz="800" spc="-1" strike="noStrike">
+                          <a:solidFill>
+                            <a:srgbClr val="000000"/>
+                          </a:solidFill>
+                          <a:uFill>
+                            <a:solidFill>
+                              <a:srgbClr val="ffffff"/>
+                            </a:solidFill>
+                          </a:uFill>
+                          <a:latin typeface="微软雅黑 Light"/>
+                          <a:ea typeface="微软雅黑 Light"/>
+                        </a:rPr>
+                        <a:t>Lunch/</a:t>
+                      </a:r>
+                      <a:r>
+                        <a:rPr b="0" lang="en-US" sz="800" spc="-1" strike="noStrike">
+                          <a:solidFill>
+                            <a:srgbClr val="000000"/>
+                          </a:solidFill>
+                          <a:uFill>
+                            <a:solidFill>
+                              <a:srgbClr val="ffffff"/>
+                            </a:solidFill>
+                          </a:uFill>
+                          <a:latin typeface="微软雅黑 Light"/>
+                          <a:ea typeface="微软雅黑 Light"/>
+                        </a:rPr>
+                        <a:t>午餐</a:t>
+                      </a:r>
+                      <a:endParaRPr b="0" lang="en-US" sz="1800" spc="-1" strike="noStrike">
+                        <a:solidFill>
+                          <a:srgbClr val="000000"/>
+                        </a:solidFill>
+                        <a:uFill>
+                          <a:solidFill>
+                            <a:srgbClr val="ffffff"/>
+                          </a:solidFill>
+                        </a:uFill>
+                        <a:latin typeface="Arial"/>
+                      </a:endParaRPr>
+                    </a:p>
+                  </a:txBody>
+                  <a:tcPr marL="90000" marR="90000">
+                    <a:lnL w="720">
+                      <a:solidFill>
+                        <a:srgbClr val="ffffff"/>
+                      </a:solidFill>
+                    </a:lnL>
+                    <a:lnR w="720">
+                      <a:solidFill>
+                        <a:srgbClr val="ffffff"/>
+                      </a:solidFill>
+                    </a:lnR>
+                    <a:lnT w="720">
+                      <a:solidFill>
+                        <a:srgbClr val="ffffff"/>
+                      </a:solidFill>
+                    </a:lnT>
+                    <a:lnB w="720">
+                      <a:solidFill>
+                        <a:srgbClr val="ffffff"/>
+                      </a:solidFill>
+                    </a:lnB>
+                    <a:solidFill>
+                      <a:srgbClr val="b3b3b3"/>
+                    </a:solidFill>
+                  </a:tcPr>
+                </a:tc>
+              </a:tr>
+              <a:tr h="361800">
+                <a:tc>
+                  <a:txBody>
+                    <a:bodyPr lIns="90000" rIns="90000" tIns="46800" bIns="46800"/>
+                    <a:p>
+                      <a:pPr>
+                        <a:lnSpc>
+                          <a:spcPct val="100000"/>
+                        </a:lnSpc>
+                      </a:pPr>
+                      <a:r>
+                        <a:rPr b="0" lang="en-US" sz="800" spc="-1" strike="noStrike">
+                          <a:solidFill>
+                            <a:srgbClr val="000000"/>
+                          </a:solidFill>
+                          <a:uFill>
+                            <a:solidFill>
+                              <a:srgbClr val="ffffff"/>
+                            </a:solidFill>
+                          </a:uFill>
+                          <a:latin typeface="微软雅黑 Light"/>
+                          <a:ea typeface="微软雅黑 Light"/>
+                        </a:rPr>
+                        <a:t>13:30-14:00</a:t>
+                      </a:r>
+                      <a:endParaRPr b="0" lang="en-US" sz="1800" spc="-1" strike="noStrike">
+                        <a:solidFill>
+                          <a:srgbClr val="000000"/>
+                        </a:solidFill>
+                        <a:uFill>
+                          <a:solidFill>
+                            <a:srgbClr val="ffffff"/>
+                          </a:solidFill>
+                        </a:uFill>
+                        <a:latin typeface="Arial"/>
+                      </a:endParaRPr>
+                    </a:p>
+                  </a:txBody>
+                  <a:tcPr marL="90000" marR="90000">
+                    <a:lnL w="720">
+                      <a:solidFill>
+                        <a:srgbClr val="ffffff"/>
+                      </a:solidFill>
+                    </a:lnL>
+                    <a:lnR w="720">
+                      <a:solidFill>
+                        <a:srgbClr val="ffffff"/>
+                      </a:solidFill>
+                    </a:lnR>
+                    <a:lnT w="720">
+                      <a:solidFill>
+                        <a:srgbClr val="ffffff"/>
+                      </a:solidFill>
+                    </a:lnT>
+                    <a:lnB w="720">
+                      <a:solidFill>
+                        <a:srgbClr val="ffffff"/>
+                      </a:solidFill>
+                    </a:lnB>
+                    <a:solidFill>
+                      <a:srgbClr val="b3b3b3"/>
+                    </a:solidFill>
+                  </a:tcPr>
+                </a:tc>
+                <a:tc>
+                  <a:txBody>
+                    <a:bodyPr lIns="90000" rIns="90000" tIns="46800" bIns="46800"/>
+                    <a:p>
+                      <a:pPr>
+                        <a:lnSpc>
+                          <a:spcPct val="100000"/>
+                        </a:lnSpc>
+                      </a:pPr>
+                      <a:r>
+                        <a:rPr b="0" lang="en-US" sz="800" spc="-1" strike="noStrike">
+                          <a:solidFill>
+                            <a:srgbClr val="000000"/>
+                          </a:solidFill>
+                          <a:uFill>
+                            <a:solidFill>
+                              <a:srgbClr val="ffffff"/>
+                            </a:solidFill>
+                          </a:uFill>
+                          <a:latin typeface="微软雅黑 Light"/>
+                          <a:ea typeface="微软雅黑 Light"/>
+                        </a:rPr>
+                        <a:t>Keynote 2</a:t>
+                      </a:r>
+                      <a:endParaRPr b="0" lang="en-US" sz="1800" spc="-1" strike="noStrike">
+                        <a:solidFill>
+                          <a:srgbClr val="000000"/>
+                        </a:solidFill>
+                        <a:uFill>
+                          <a:solidFill>
+                            <a:srgbClr val="ffffff"/>
+                          </a:solidFill>
+                        </a:uFill>
+                        <a:latin typeface="Arial"/>
+                      </a:endParaRPr>
+                    </a:p>
+                  </a:txBody>
+                  <a:tcPr marL="90000" marR="90000">
+                    <a:lnL w="720">
+                      <a:solidFill>
+                        <a:srgbClr val="ffffff"/>
+                      </a:solidFill>
+                    </a:lnL>
+                    <a:lnR w="720">
+                      <a:solidFill>
+                        <a:srgbClr val="ffffff"/>
+                      </a:solidFill>
+                    </a:lnR>
+                    <a:lnT w="720">
+                      <a:solidFill>
+                        <a:srgbClr val="ffffff"/>
+                      </a:solidFill>
+                    </a:lnT>
+                    <a:lnB w="720">
+                      <a:solidFill>
+                        <a:srgbClr val="ffffff"/>
+                      </a:solidFill>
+                    </a:lnB>
+                    <a:solidFill>
+                      <a:srgbClr val="cccccc"/>
+                    </a:solidFill>
+                  </a:tcPr>
+                </a:tc>
+              </a:tr>
+              <a:tr h="313200">
+                <a:tc>
+                  <a:txBody>
+                    <a:bodyPr lIns="90000" rIns="90000" tIns="46800" bIns="46800"/>
+                    <a:p>
+                      <a:pPr>
+                        <a:lnSpc>
+                          <a:spcPct val="100000"/>
+                        </a:lnSpc>
+                      </a:pPr>
+                      <a:r>
+                        <a:rPr b="0" lang="en-US" sz="800" spc="-1" strike="noStrike">
+                          <a:solidFill>
+                            <a:srgbClr val="000000"/>
+                          </a:solidFill>
+                          <a:uFill>
+                            <a:solidFill>
+                              <a:srgbClr val="ffffff"/>
+                            </a:solidFill>
+                          </a:uFill>
+                          <a:latin typeface="微软雅黑 Light"/>
+                          <a:ea typeface="微软雅黑 Light"/>
+                        </a:rPr>
+                        <a:t>14:00-14:30</a:t>
+                      </a:r>
+                      <a:endParaRPr b="0" lang="en-US" sz="1800" spc="-1" strike="noStrike">
+                        <a:solidFill>
+                          <a:srgbClr val="000000"/>
+                        </a:solidFill>
+                        <a:uFill>
+                          <a:solidFill>
+                            <a:srgbClr val="ffffff"/>
+                          </a:solidFill>
+                        </a:uFill>
+                        <a:latin typeface="Arial"/>
+                      </a:endParaRPr>
+                    </a:p>
+                  </a:txBody>
+                  <a:tcPr marL="90000" marR="90000">
+                    <a:lnL w="720">
+                      <a:solidFill>
+                        <a:srgbClr val="ffffff"/>
+                      </a:solidFill>
+                    </a:lnL>
+                    <a:lnR w="720">
+                      <a:solidFill>
+                        <a:srgbClr val="ffffff"/>
+                      </a:solidFill>
+                    </a:lnR>
+                    <a:lnT w="720">
+                      <a:solidFill>
+                        <a:srgbClr val="ffffff"/>
+                      </a:solidFill>
+                    </a:lnT>
+                    <a:lnB w="720">
+                      <a:solidFill>
+                        <a:srgbClr val="ffffff"/>
+                      </a:solidFill>
+                    </a:lnB>
+                    <a:solidFill>
+                      <a:srgbClr val="b3b3b3"/>
+                    </a:solidFill>
+                  </a:tcPr>
+                </a:tc>
+                <a:tc>
+                  <a:txBody>
+                    <a:bodyPr lIns="90000" rIns="90000" tIns="46800" bIns="46800"/>
+                    <a:p>
+                      <a:pPr>
+                        <a:lnSpc>
+                          <a:spcPct val="100000"/>
+                        </a:lnSpc>
+                      </a:pPr>
+                      <a:r>
+                        <a:rPr b="0" lang="en-US" sz="800" spc="-1" strike="noStrike">
+                          <a:solidFill>
+                            <a:srgbClr val="000000"/>
+                          </a:solidFill>
+                          <a:uFill>
+                            <a:solidFill>
+                              <a:srgbClr val="ffffff"/>
+                            </a:solidFill>
+                          </a:uFill>
+                          <a:latin typeface="微软雅黑 Light"/>
+                          <a:ea typeface="微软雅黑 Light"/>
+                        </a:rPr>
+                        <a:t>Keynote 3</a:t>
+                      </a:r>
+                      <a:endParaRPr b="0" lang="en-US" sz="1800" spc="-1" strike="noStrike">
+                        <a:solidFill>
+                          <a:srgbClr val="000000"/>
+                        </a:solidFill>
+                        <a:uFill>
+                          <a:solidFill>
+                            <a:srgbClr val="ffffff"/>
+                          </a:solidFill>
+                        </a:uFill>
+                        <a:latin typeface="Arial"/>
+                      </a:endParaRPr>
+                    </a:p>
+                  </a:txBody>
+                  <a:tcPr marL="90000" marR="90000">
+                    <a:lnL w="720">
+                      <a:solidFill>
+                        <a:srgbClr val="ffffff"/>
+                      </a:solidFill>
+                    </a:lnL>
+                    <a:lnR w="720">
+                      <a:solidFill>
+                        <a:srgbClr val="ffffff"/>
+                      </a:solidFill>
+                    </a:lnR>
+                    <a:lnT w="720">
+                      <a:solidFill>
+                        <a:srgbClr val="ffffff"/>
+                      </a:solidFill>
+                    </a:lnT>
+                    <a:lnB w="720">
+                      <a:solidFill>
+                        <a:srgbClr val="ffffff"/>
+                      </a:solidFill>
+                    </a:lnB>
+                    <a:solidFill>
+                      <a:srgbClr val="e6e6e6"/>
+                    </a:solidFill>
+                  </a:tcPr>
+                </a:tc>
+              </a:tr>
+            </a:tbl>
+          </a:graphicData>
+        </a:graphic>
+      </p:graphicFrame>
+      <p:graphicFrame>
+        <p:nvGraphicFramePr>
+          <p:cNvPr id="48" name="Table 5"/>
+          <p:cNvGraphicFramePr/>
+          <p:nvPr/>
+        </p:nvGraphicFramePr>
+        <p:xfrm>
+          <a:off x="582480" y="5624280"/>
+          <a:ext cx="8461800" cy="1395000"/>
+        </p:xfrm>
+        <a:graphic>
+          <a:graphicData uri="http://schemas.openxmlformats.org/drawingml/2006/table">
+            <a:tbl>
+              <a:tblPr/>
+              <a:tblGrid>
+                <a:gridCol w="1143000"/>
+                <a:gridCol w="1061640"/>
+                <a:gridCol w="1599840"/>
+                <a:gridCol w="1584000"/>
+                <a:gridCol w="1553760"/>
+                <a:gridCol w="1519920"/>
+              </a:tblGrid>
+              <a:tr h="358920">
+                <a:tc>
+                  <a:txBody>
+                    <a:bodyPr lIns="90000" rIns="90000" tIns="46800" bIns="46800"/>
+                    <a:p>
+                      <a:pPr>
+                        <a:lnSpc>
+                          <a:spcPct val="100000"/>
+                        </a:lnSpc>
+                      </a:pPr>
+                      <a:r>
+                        <a:rPr b="0" lang="en-US" sz="800" spc="-1" strike="noStrike">
+                          <a:solidFill>
+                            <a:srgbClr val="000000"/>
+                          </a:solidFill>
+                          <a:uFill>
+                            <a:solidFill>
+                              <a:srgbClr val="ffffff"/>
+                            </a:solidFill>
+                          </a:uFill>
+                          <a:latin typeface="微软雅黑 Light"/>
+                          <a:ea typeface="微软雅黑 Light"/>
+                        </a:rPr>
+                        <a:t>14:30-15:00</a:t>
+                      </a:r>
+                      <a:endParaRPr b="0" lang="en-US" sz="1800" spc="-1" strike="noStrike">
+                        <a:solidFill>
+                          <a:srgbClr val="000000"/>
+                        </a:solidFill>
+                        <a:uFill>
+                          <a:solidFill>
+                            <a:srgbClr val="ffffff"/>
+                          </a:solidFill>
+                        </a:uFill>
+                        <a:latin typeface="Arial"/>
+                      </a:endParaRPr>
+                    </a:p>
+                  </a:txBody>
+                  <a:tcPr marL="90000" marR="90000">
+                    <a:lnL w="720">
+                      <a:solidFill>
+                        <a:srgbClr val="ffffff"/>
+                      </a:solidFill>
+                    </a:lnL>
+                    <a:lnR w="720">
+                      <a:solidFill>
+                        <a:srgbClr val="ffffff"/>
+                      </a:solidFill>
+                    </a:lnR>
+                    <a:lnT w="720">
+                      <a:solidFill>
+                        <a:srgbClr val="ffffff"/>
+                      </a:solidFill>
+                    </a:lnT>
+                    <a:lnB w="720">
+                      <a:solidFill>
+                        <a:srgbClr val="ffffff"/>
+                      </a:solidFill>
+                    </a:lnB>
+                    <a:solidFill>
+                      <a:srgbClr val="e6e6e6"/>
+                    </a:solidFill>
+                  </a:tcPr>
+                </a:tc>
+                <a:tc>
+                  <a:tcPr marL="90000" marR="90000">
+                    <a:lnL w="720">
+                      <a:solidFill>
+                        <a:srgbClr val="ffffff"/>
+                      </a:solidFill>
+                    </a:lnL>
+                    <a:lnR w="720">
+                      <a:solidFill>
+                        <a:srgbClr val="ffffff"/>
+                      </a:solidFill>
+                    </a:lnR>
+                    <a:lnT w="720">
+                      <a:solidFill>
+                        <a:srgbClr val="ffffff"/>
+                      </a:solidFill>
+                    </a:lnT>
+                    <a:lnB w="720">
+                      <a:solidFill>
+                        <a:srgbClr val="ffffff"/>
+                      </a:solidFill>
+                    </a:lnB>
+                    <a:solidFill>
+                      <a:srgbClr val="e6e6e6"/>
+                    </a:solidFill>
+                  </a:tcPr>
+                </a:tc>
+                <a:tc>
+                  <a:tcPr marL="90000" marR="90000">
+                    <a:lnL w="720">
+                      <a:solidFill>
+                        <a:srgbClr val="ffffff"/>
+                      </a:solidFill>
+                    </a:lnL>
+                    <a:lnR w="720">
+                      <a:solidFill>
+                        <a:srgbClr val="ffffff"/>
+                      </a:solidFill>
+                    </a:lnR>
+                    <a:lnT w="720">
+                      <a:solidFill>
+                        <a:srgbClr val="ffffff"/>
+                      </a:solidFill>
+                    </a:lnT>
+                    <a:lnB w="720">
+                      <a:solidFill>
+                        <a:srgbClr val="ffffff"/>
+                      </a:solidFill>
+                    </a:lnB>
+                    <a:solidFill>
+                      <a:srgbClr val="e6e6e6"/>
+                    </a:solidFill>
+                  </a:tcPr>
+                </a:tc>
+                <a:tc>
+                  <a:tcPr marL="90000" marR="90000">
+                    <a:lnL w="720">
+                      <a:solidFill>
+                        <a:srgbClr val="ffffff"/>
+                      </a:solidFill>
+                    </a:lnL>
+                    <a:lnR w="720">
+                      <a:solidFill>
+                        <a:srgbClr val="ffffff"/>
+                      </a:solidFill>
+                    </a:lnR>
+                    <a:lnT w="720">
+                      <a:solidFill>
+                        <a:srgbClr val="ffffff"/>
+                      </a:solidFill>
+                    </a:lnT>
+                    <a:lnB w="720">
+                      <a:solidFill>
+                        <a:srgbClr val="ffffff"/>
+                      </a:solidFill>
+                    </a:lnB>
+                    <a:solidFill>
+                      <a:srgbClr val="e6e6e6"/>
+                    </a:solidFill>
+                  </a:tcPr>
+                </a:tc>
+                <a:tc>
+                  <a:tcPr marL="90000" marR="90000">
+                    <a:lnL w="720">
+                      <a:solidFill>
+                        <a:srgbClr val="ffffff"/>
+                      </a:solidFill>
+                    </a:lnL>
+                    <a:lnR w="720">
+                      <a:solidFill>
+                        <a:srgbClr val="ffffff"/>
+                      </a:solidFill>
+                    </a:lnR>
+                    <a:lnT w="720">
+                      <a:solidFill>
+                        <a:srgbClr val="ffffff"/>
+                      </a:solidFill>
+                    </a:lnT>
+                    <a:lnB w="720">
+                      <a:solidFill>
+                        <a:srgbClr val="ffffff"/>
+                      </a:solidFill>
+                    </a:lnB>
+                    <a:solidFill>
+                      <a:srgbClr val="e6e6e6"/>
+                    </a:solidFill>
+                  </a:tcPr>
+                </a:tc>
+                <a:tc>
+                  <a:tcPr marL="90000" marR="90000">
+                    <a:lnL w="720">
+                      <a:solidFill>
+                        <a:srgbClr val="ffffff"/>
+                      </a:solidFill>
+                    </a:lnL>
+                    <a:lnR w="720">
+                      <a:solidFill>
+                        <a:srgbClr val="ffffff"/>
+                      </a:solidFill>
+                    </a:lnR>
+                    <a:lnT w="720">
+                      <a:solidFill>
+                        <a:srgbClr val="ffffff"/>
+                      </a:solidFill>
+                    </a:lnT>
+                    <a:lnB w="720">
+                      <a:solidFill>
+                        <a:srgbClr val="ffffff"/>
+                      </a:solidFill>
+                    </a:lnB>
+                    <a:solidFill>
+                      <a:srgbClr val="e6e6e6"/>
+                    </a:solidFill>
+                  </a:tcPr>
+                </a:tc>
+              </a:tr>
+              <a:tr h="253800">
+                <a:tc>
+                  <a:txBody>
+                    <a:bodyPr lIns="90000" rIns="90000" tIns="46800" bIns="46800"/>
+                    <a:p>
+                      <a:pPr>
+                        <a:lnSpc>
+                          <a:spcPct val="100000"/>
+                        </a:lnSpc>
+                      </a:pPr>
+                      <a:r>
+                        <a:rPr b="0" lang="en-US" sz="800" spc="-1" strike="noStrike">
+                          <a:solidFill>
+                            <a:srgbClr val="000000"/>
+                          </a:solidFill>
+                          <a:uFill>
+                            <a:solidFill>
+                              <a:srgbClr val="ffffff"/>
+                            </a:solidFill>
+                          </a:uFill>
+                          <a:latin typeface="微软雅黑 Light"/>
+                          <a:ea typeface="微软雅黑 Light"/>
+                        </a:rPr>
+                        <a:t>15:00-15:20</a:t>
+                      </a:r>
+                      <a:endParaRPr b="0" lang="en-US" sz="1800" spc="-1" strike="noStrike">
+                        <a:solidFill>
+                          <a:srgbClr val="000000"/>
+                        </a:solidFill>
+                        <a:uFill>
+                          <a:solidFill>
+                            <a:srgbClr val="ffffff"/>
+                          </a:solidFill>
+                        </a:uFill>
+                        <a:latin typeface="Arial"/>
+                      </a:endParaRPr>
+                    </a:p>
+                  </a:txBody>
+                  <a:tcPr marL="90000" marR="90000">
+                    <a:lnL w="720">
+                      <a:solidFill>
+                        <a:srgbClr val="ffffff"/>
+                      </a:solidFill>
+                    </a:lnL>
+                    <a:lnR w="720">
+                      <a:solidFill>
+                        <a:srgbClr val="ffffff"/>
+                      </a:solidFill>
+                    </a:lnR>
+                    <a:lnT w="720">
+                      <a:solidFill>
+                        <a:srgbClr val="ffffff"/>
+                      </a:solidFill>
+                    </a:lnT>
+                    <a:lnB w="720">
+                      <a:solidFill>
+                        <a:srgbClr val="ffffff"/>
+                      </a:solidFill>
+                    </a:lnB>
+                    <a:solidFill>
+                      <a:srgbClr val="e6e6e6"/>
+                    </a:solidFill>
+                  </a:tcPr>
+                </a:tc>
+                <a:tc gridSpan="5">
+                  <a:txBody>
+                    <a:bodyPr lIns="90000" rIns="90000" tIns="46800" bIns="46800"/>
+                    <a:p>
+                      <a:pPr>
+                        <a:lnSpc>
+                          <a:spcPct val="100000"/>
+                        </a:lnSpc>
+                      </a:pPr>
+                      <a:r>
+                        <a:rPr b="0" lang="en-US" sz="800" spc="-1" strike="noStrike">
+                          <a:solidFill>
+                            <a:srgbClr val="000000"/>
+                          </a:solidFill>
+                          <a:uFill>
+                            <a:solidFill>
+                              <a:srgbClr val="ffffff"/>
+                            </a:solidFill>
+                          </a:uFill>
+                          <a:latin typeface="微软雅黑 Light"/>
+                          <a:ea typeface="微软雅黑 Light"/>
+                        </a:rPr>
+                        <a:t>Tea Break</a:t>
+                      </a:r>
+                      <a:endParaRPr b="0" lang="en-US" sz="1800" spc="-1" strike="noStrike">
+                        <a:solidFill>
+                          <a:srgbClr val="000000"/>
+                        </a:solidFill>
+                        <a:uFill>
+                          <a:solidFill>
+                            <a:srgbClr val="ffffff"/>
+                          </a:solidFill>
+                        </a:uFill>
+                        <a:latin typeface="Arial"/>
+                      </a:endParaRPr>
+                    </a:p>
+                  </a:txBody>
+                  <a:tcPr marL="90000" marR="90000">
+                    <a:lnL w="720">
+                      <a:solidFill>
+                        <a:srgbClr val="ffffff"/>
+                      </a:solidFill>
+                    </a:lnL>
+                    <a:lnR w="720">
+                      <a:solidFill>
+                        <a:srgbClr val="ffffff"/>
+                      </a:solidFill>
+                    </a:lnR>
+                    <a:lnT w="720">
+                      <a:solidFill>
+                        <a:srgbClr val="ffffff"/>
+                      </a:solidFill>
+                    </a:lnT>
+                    <a:lnB w="720">
+                      <a:solidFill>
+                        <a:srgbClr val="ffffff"/>
+                      </a:solidFill>
+                    </a:lnB>
+                    <a:solidFill>
+                      <a:srgbClr val="e6e6e6"/>
+                    </a:solidFill>
+                  </a:tcPr>
+                </a:tc>
+                <a:tc hMerge="1">
+                  <a:tcPr marL="90000" marR="90000">
+                    <a:lnL w="720">
+                      <a:solidFill>
+                        <a:srgbClr val="ffffff"/>
+                      </a:solidFill>
+                    </a:lnL>
+                    <a:lnR w="720">
+                      <a:solidFill>
+                        <a:srgbClr val="ffffff"/>
+                      </a:solidFill>
+                    </a:lnR>
+                    <a:lnT w="720">
+                      <a:solidFill>
+                        <a:srgbClr val="ffffff"/>
+                      </a:solidFill>
+                    </a:lnT>
+                    <a:lnB w="720">
+                      <a:solidFill>
+                        <a:srgbClr val="ffffff"/>
+                      </a:solidFill>
+                    </a:lnB>
+                    <a:solidFill>
+                      <a:srgbClr val="e6e6e6"/>
+                    </a:solidFill>
+                  </a:tcPr>
+                </a:tc>
+                <a:tc hMerge="1">
+                  <a:tcPr marL="90000" marR="90000">
+                    <a:lnL w="720">
+                      <a:solidFill>
+                        <a:srgbClr val="ffffff"/>
+                      </a:solidFill>
+                    </a:lnL>
+                    <a:lnR w="720">
+                      <a:solidFill>
+                        <a:srgbClr val="ffffff"/>
+                      </a:solidFill>
+                    </a:lnR>
+                    <a:lnT w="720">
+                      <a:solidFill>
+                        <a:srgbClr val="ffffff"/>
+                      </a:solidFill>
+                    </a:lnT>
+                    <a:lnB w="720">
+                      <a:solidFill>
+                        <a:srgbClr val="ffffff"/>
+                      </a:solidFill>
+                    </a:lnB>
+                    <a:solidFill>
+                      <a:srgbClr val="e6e6e6"/>
+                    </a:solidFill>
+                  </a:tcPr>
+                </a:tc>
+                <a:tc hMerge="1">
+                  <a:tcPr marL="90000" marR="90000">
+                    <a:lnL w="720">
+                      <a:solidFill>
+                        <a:srgbClr val="ffffff"/>
+                      </a:solidFill>
+                    </a:lnL>
+                    <a:lnR w="720">
+                      <a:solidFill>
+                        <a:srgbClr val="ffffff"/>
+                      </a:solidFill>
+                    </a:lnR>
+                    <a:lnT w="720">
+                      <a:solidFill>
+                        <a:srgbClr val="ffffff"/>
+                      </a:solidFill>
+                    </a:lnT>
+                    <a:lnB w="720">
+                      <a:solidFill>
+                        <a:srgbClr val="ffffff"/>
+                      </a:solidFill>
+                    </a:lnB>
+                    <a:solidFill>
+                      <a:srgbClr val="e6e6e6"/>
+                    </a:solidFill>
+                  </a:tcPr>
+                </a:tc>
+              </a:tr>
+              <a:tr h="259200">
+                <a:tc>
+                  <a:txBody>
+                    <a:bodyPr lIns="90000" rIns="90000" tIns="46800" bIns="46800"/>
+                    <a:p>
+                      <a:pPr>
+                        <a:lnSpc>
+                          <a:spcPct val="100000"/>
+                        </a:lnSpc>
+                      </a:pPr>
+                      <a:r>
+                        <a:rPr b="0" lang="en-US" sz="800" spc="-1" strike="noStrike">
+                          <a:solidFill>
+                            <a:srgbClr val="000000"/>
+                          </a:solidFill>
+                          <a:uFill>
+                            <a:solidFill>
+                              <a:srgbClr val="ffffff"/>
+                            </a:solidFill>
+                          </a:uFill>
+                          <a:latin typeface="微软雅黑 Light"/>
+                          <a:ea typeface="微软雅黑 Light"/>
+                        </a:rPr>
+                        <a:t>15:20-15:50 </a:t>
+                      </a:r>
+                      <a:endParaRPr b="0" lang="en-US" sz="1800" spc="-1" strike="noStrike">
+                        <a:solidFill>
+                          <a:srgbClr val="000000"/>
+                        </a:solidFill>
+                        <a:uFill>
+                          <a:solidFill>
+                            <a:srgbClr val="ffffff"/>
+                          </a:solidFill>
+                        </a:uFill>
+                        <a:latin typeface="Arial"/>
+                      </a:endParaRPr>
+                    </a:p>
+                  </a:txBody>
+                  <a:tcPr marL="90000" marR="90000">
+                    <a:lnL w="720">
+                      <a:solidFill>
+                        <a:srgbClr val="ffffff"/>
+                      </a:solidFill>
+                    </a:lnL>
+                    <a:lnR w="720">
+                      <a:solidFill>
+                        <a:srgbClr val="ffffff"/>
+                      </a:solidFill>
+                    </a:lnR>
+                    <a:lnT w="720">
+                      <a:solidFill>
+                        <a:srgbClr val="ffffff"/>
+                      </a:solidFill>
+                    </a:lnT>
+                    <a:lnB w="720">
+                      <a:solidFill>
+                        <a:srgbClr val="ffffff"/>
+                      </a:solidFill>
+                    </a:lnB>
+                    <a:solidFill>
+                      <a:srgbClr val="e6e6e6"/>
+                    </a:solidFill>
+                  </a:tcPr>
+                </a:tc>
+                <a:tc>
+                  <a:tcPr marL="90000" marR="90000">
+                    <a:lnL w="720">
+                      <a:solidFill>
+                        <a:srgbClr val="ffffff"/>
+                      </a:solidFill>
+                    </a:lnL>
+                    <a:lnR w="720">
+                      <a:solidFill>
+                        <a:srgbClr val="ffffff"/>
+                      </a:solidFill>
+                    </a:lnR>
+                    <a:lnT w="720">
+                      <a:solidFill>
+                        <a:srgbClr val="ffffff"/>
+                      </a:solidFill>
+                    </a:lnT>
+                    <a:lnB w="720">
+                      <a:solidFill>
+                        <a:srgbClr val="ffffff"/>
+                      </a:solidFill>
+                    </a:lnB>
+                    <a:solidFill>
+                      <a:srgbClr val="e6e6e6"/>
+                    </a:solidFill>
+                  </a:tcPr>
+                </a:tc>
+                <a:tc>
+                  <a:tcPr marL="90000" marR="90000">
+                    <a:lnL w="720">
+                      <a:solidFill>
+                        <a:srgbClr val="ffffff"/>
+                      </a:solidFill>
+                    </a:lnL>
+                    <a:lnR w="720">
+                      <a:solidFill>
+                        <a:srgbClr val="ffffff"/>
+                      </a:solidFill>
+                    </a:lnR>
+                    <a:lnT w="720">
+                      <a:solidFill>
+                        <a:srgbClr val="ffffff"/>
+                      </a:solidFill>
+                    </a:lnT>
+                    <a:lnB w="720">
+                      <a:solidFill>
+                        <a:srgbClr val="ffffff"/>
+                      </a:solidFill>
+                    </a:lnB>
+                    <a:solidFill>
+                      <a:srgbClr val="e6e6e6"/>
+                    </a:solidFill>
+                  </a:tcPr>
+                </a:tc>
+                <a:tc>
+                  <a:tcPr marL="90000" marR="90000">
+                    <a:lnL w="720">
+                      <a:solidFill>
+                        <a:srgbClr val="ffffff"/>
+                      </a:solidFill>
+                    </a:lnL>
+                    <a:lnR w="720">
+                      <a:solidFill>
+                        <a:srgbClr val="ffffff"/>
+                      </a:solidFill>
+                    </a:lnR>
+                    <a:lnT w="720">
+                      <a:solidFill>
+                        <a:srgbClr val="ffffff"/>
+                      </a:solidFill>
+                    </a:lnT>
+                    <a:lnB w="720">
+                      <a:solidFill>
+                        <a:srgbClr val="ffffff"/>
+                      </a:solidFill>
+                    </a:lnB>
+                    <a:solidFill>
+                      <a:srgbClr val="e6e6e6"/>
+                    </a:solidFill>
+                  </a:tcPr>
+                </a:tc>
+                <a:tc>
+                  <a:tcPr marL="90000" marR="90000">
+                    <a:lnL w="720">
+                      <a:solidFill>
+                        <a:srgbClr val="ffffff"/>
+                      </a:solidFill>
+                    </a:lnL>
+                    <a:lnR w="720">
+                      <a:solidFill>
+                        <a:srgbClr val="ffffff"/>
+                      </a:solidFill>
+                    </a:lnR>
+                    <a:lnT w="720">
+                      <a:solidFill>
+                        <a:srgbClr val="ffffff"/>
+                      </a:solidFill>
+                    </a:lnT>
+                    <a:lnB w="720">
+                      <a:solidFill>
+                        <a:srgbClr val="ffffff"/>
+                      </a:solidFill>
+                    </a:lnB>
+                    <a:solidFill>
+                      <a:srgbClr val="e6e6e6"/>
+                    </a:solidFill>
+                  </a:tcPr>
+                </a:tc>
+                <a:tc>
+                  <a:tcPr marL="90000" marR="90000">
+                    <a:lnL w="720">
+                      <a:solidFill>
+                        <a:srgbClr val="ffffff"/>
+                      </a:solidFill>
+                    </a:lnL>
+                    <a:lnR w="720">
+                      <a:solidFill>
+                        <a:srgbClr val="ffffff"/>
+                      </a:solidFill>
+                    </a:lnR>
+                    <a:lnT w="720">
+                      <a:solidFill>
+                        <a:srgbClr val="ffffff"/>
+                      </a:solidFill>
+                    </a:lnT>
+                    <a:lnB w="720">
+                      <a:solidFill>
+                        <a:srgbClr val="ffffff"/>
+                      </a:solidFill>
+                    </a:lnB>
+                    <a:solidFill>
+                      <a:srgbClr val="e6e6e6"/>
+                    </a:solidFill>
+                  </a:tcPr>
+                </a:tc>
+              </a:tr>
+              <a:tr h="261720">
+                <a:tc>
+                  <a:txBody>
+                    <a:bodyPr lIns="90000" rIns="90000" tIns="46800" bIns="46800"/>
+                    <a:p>
+                      <a:pPr>
+                        <a:lnSpc>
+                          <a:spcPct val="100000"/>
+                        </a:lnSpc>
+                      </a:pPr>
+                      <a:r>
+                        <a:rPr b="0" lang="en-US" sz="800" spc="-1" strike="noStrike">
+                          <a:solidFill>
+                            <a:srgbClr val="000000"/>
+                          </a:solidFill>
+                          <a:uFill>
+                            <a:solidFill>
+                              <a:srgbClr val="ffffff"/>
+                            </a:solidFill>
+                          </a:uFill>
+                          <a:latin typeface="微软雅黑 Light"/>
+                          <a:ea typeface="微软雅黑 Light"/>
+                        </a:rPr>
+                        <a:t>15:50-16:20 </a:t>
+                      </a:r>
+                      <a:endParaRPr b="0" lang="en-US" sz="1800" spc="-1" strike="noStrike">
+                        <a:solidFill>
+                          <a:srgbClr val="000000"/>
+                        </a:solidFill>
+                        <a:uFill>
+                          <a:solidFill>
+                            <a:srgbClr val="ffffff"/>
+                          </a:solidFill>
+                        </a:uFill>
+                        <a:latin typeface="Arial"/>
+                      </a:endParaRPr>
+                    </a:p>
+                  </a:txBody>
+                  <a:tcPr marL="90000" marR="90000">
+                    <a:lnL w="720">
+                      <a:solidFill>
+                        <a:srgbClr val="ffffff"/>
+                      </a:solidFill>
+                    </a:lnL>
+                    <a:lnR w="720">
+                      <a:solidFill>
+                        <a:srgbClr val="ffffff"/>
+                      </a:solidFill>
+                    </a:lnR>
+                    <a:lnT w="720">
+                      <a:solidFill>
+                        <a:srgbClr val="ffffff"/>
+                      </a:solidFill>
+                    </a:lnT>
+                    <a:lnB w="720">
+                      <a:solidFill>
+                        <a:srgbClr val="ffffff"/>
+                      </a:solidFill>
+                    </a:lnB>
+                    <a:solidFill>
+                      <a:srgbClr val="e6e6e6"/>
+                    </a:solidFill>
+                  </a:tcPr>
+                </a:tc>
+                <a:tc>
+                  <a:tcPr marL="90000" marR="90000">
+                    <a:lnL w="720">
+                      <a:solidFill>
+                        <a:srgbClr val="ffffff"/>
+                      </a:solidFill>
+                    </a:lnL>
+                    <a:lnR w="720">
+                      <a:solidFill>
+                        <a:srgbClr val="ffffff"/>
+                      </a:solidFill>
+                    </a:lnR>
+                    <a:lnT w="720">
+                      <a:solidFill>
+                        <a:srgbClr val="ffffff"/>
+                      </a:solidFill>
+                    </a:lnT>
+                    <a:lnB w="720">
+                      <a:solidFill>
+                        <a:srgbClr val="ffffff"/>
+                      </a:solidFill>
+                    </a:lnB>
+                    <a:solidFill>
+                      <a:srgbClr val="e6e6e6"/>
+                    </a:solidFill>
+                  </a:tcPr>
+                </a:tc>
+                <a:tc>
+                  <a:tcPr marL="90000" marR="90000">
+                    <a:lnL w="720">
+                      <a:solidFill>
+                        <a:srgbClr val="ffffff"/>
+                      </a:solidFill>
+                    </a:lnL>
+                    <a:lnR w="720">
+                      <a:solidFill>
+                        <a:srgbClr val="ffffff"/>
+                      </a:solidFill>
+                    </a:lnR>
+                    <a:lnT w="720">
+                      <a:solidFill>
+                        <a:srgbClr val="ffffff"/>
+                      </a:solidFill>
+                    </a:lnT>
+                    <a:lnB w="720">
+                      <a:solidFill>
+                        <a:srgbClr val="ffffff"/>
+                      </a:solidFill>
+                    </a:lnB>
+                    <a:solidFill>
+                      <a:srgbClr val="e6e6e6"/>
+                    </a:solidFill>
+                  </a:tcPr>
+                </a:tc>
+                <a:tc>
+                  <a:tcPr marL="90000" marR="90000">
+                    <a:lnL w="720">
+                      <a:solidFill>
+                        <a:srgbClr val="ffffff"/>
+                      </a:solidFill>
+                    </a:lnL>
+                    <a:lnR w="720">
+                      <a:solidFill>
+                        <a:srgbClr val="ffffff"/>
+                      </a:solidFill>
+                    </a:lnR>
+                    <a:lnT w="720">
+                      <a:solidFill>
+                        <a:srgbClr val="ffffff"/>
+                      </a:solidFill>
+                    </a:lnT>
+                    <a:lnB w="720">
+                      <a:solidFill>
+                        <a:srgbClr val="ffffff"/>
+                      </a:solidFill>
+                    </a:lnB>
+                    <a:solidFill>
+                      <a:srgbClr val="e6e6e6"/>
+                    </a:solidFill>
+                  </a:tcPr>
+                </a:tc>
+                <a:tc>
+                  <a:tcPr marL="90000" marR="90000">
+                    <a:lnL w="720">
+                      <a:solidFill>
+                        <a:srgbClr val="ffffff"/>
+                      </a:solidFill>
+                    </a:lnL>
+                    <a:lnR w="720">
+                      <a:solidFill>
+                        <a:srgbClr val="ffffff"/>
+                      </a:solidFill>
+                    </a:lnR>
+                    <a:lnT w="720">
+                      <a:solidFill>
+                        <a:srgbClr val="ffffff"/>
+                      </a:solidFill>
+                    </a:lnT>
+                    <a:lnB w="720">
+                      <a:solidFill>
+                        <a:srgbClr val="ffffff"/>
+                      </a:solidFill>
+                    </a:lnB>
+                    <a:solidFill>
+                      <a:srgbClr val="e6e6e6"/>
+                    </a:solidFill>
+                  </a:tcPr>
+                </a:tc>
+                <a:tc>
+                  <a:tcPr marL="90000" marR="90000">
+                    <a:lnL w="720">
+                      <a:solidFill>
+                        <a:srgbClr val="ffffff"/>
+                      </a:solidFill>
+                    </a:lnL>
+                    <a:lnR w="720">
+                      <a:solidFill>
+                        <a:srgbClr val="ffffff"/>
+                      </a:solidFill>
+                    </a:lnR>
+                    <a:lnT w="720">
+                      <a:solidFill>
+                        <a:srgbClr val="ffffff"/>
+                      </a:solidFill>
+                    </a:lnT>
+                    <a:lnB w="720">
+                      <a:solidFill>
+                        <a:srgbClr val="ffffff"/>
+                      </a:solidFill>
+                    </a:lnB>
+                    <a:solidFill>
+                      <a:srgbClr val="e6e6e6"/>
+                    </a:solidFill>
+                  </a:tcPr>
+                </a:tc>
+              </a:tr>
+              <a:tr h="261720">
+                <a:tc>
+                  <a:txBody>
+                    <a:bodyPr lIns="90000" rIns="90000" tIns="46800" bIns="46800"/>
+                    <a:p>
+                      <a:pPr>
+                        <a:lnSpc>
+                          <a:spcPct val="100000"/>
+                        </a:lnSpc>
+                      </a:pPr>
+                      <a:r>
+                        <a:rPr b="0" lang="en-US" sz="800" spc="-1" strike="noStrike">
+                          <a:solidFill>
+                            <a:srgbClr val="000000"/>
+                          </a:solidFill>
+                          <a:uFill>
+                            <a:solidFill>
+                              <a:srgbClr val="ffffff"/>
+                            </a:solidFill>
+                          </a:uFill>
+                          <a:latin typeface="微软雅黑 Light"/>
+                          <a:ea typeface="微软雅黑 Light"/>
+                        </a:rPr>
+                        <a:t>16:20-17:00 </a:t>
+                      </a:r>
+                      <a:endParaRPr b="0" lang="en-US" sz="1800" spc="-1" strike="noStrike">
+                        <a:solidFill>
+                          <a:srgbClr val="000000"/>
+                        </a:solidFill>
+                        <a:uFill>
+                          <a:solidFill>
+                            <a:srgbClr val="ffffff"/>
+                          </a:solidFill>
+                        </a:uFill>
+                        <a:latin typeface="Arial"/>
+                      </a:endParaRPr>
+                    </a:p>
+                  </a:txBody>
+                  <a:tcPr marL="90000" marR="90000">
+                    <a:lnL w="720">
+                      <a:solidFill>
+                        <a:srgbClr val="ffffff"/>
+                      </a:solidFill>
+                    </a:lnL>
+                    <a:lnR w="720">
+                      <a:solidFill>
+                        <a:srgbClr val="ffffff"/>
+                      </a:solidFill>
+                    </a:lnR>
+                    <a:lnT w="720">
+                      <a:solidFill>
+                        <a:srgbClr val="ffffff"/>
+                      </a:solidFill>
+                    </a:lnT>
+                    <a:lnB w="720">
+                      <a:solidFill>
+                        <a:srgbClr val="ffffff"/>
+                      </a:solidFill>
+                    </a:lnB>
+                    <a:solidFill>
+                      <a:srgbClr val="e6e6e6"/>
+                    </a:solidFill>
+                  </a:tcPr>
+                </a:tc>
+                <a:tc>
+                  <a:tcPr marL="90000" marR="90000">
+                    <a:lnL w="720">
+                      <a:solidFill>
+                        <a:srgbClr val="ffffff"/>
+                      </a:solidFill>
+                    </a:lnL>
+                    <a:lnR w="720">
+                      <a:solidFill>
+                        <a:srgbClr val="ffffff"/>
+                      </a:solidFill>
+                    </a:lnR>
+                    <a:lnT w="720">
+                      <a:solidFill>
+                        <a:srgbClr val="ffffff"/>
+                      </a:solidFill>
+                    </a:lnT>
+                    <a:lnB w="720">
+                      <a:solidFill>
+                        <a:srgbClr val="ffffff"/>
+                      </a:solidFill>
+                    </a:lnB>
+                    <a:solidFill>
+                      <a:srgbClr val="e6e6e6"/>
+                    </a:solidFill>
+                  </a:tcPr>
+                </a:tc>
+                <a:tc>
+                  <a:tcPr marL="90000" marR="90000">
+                    <a:lnL w="720">
+                      <a:solidFill>
+                        <a:srgbClr val="ffffff"/>
+                      </a:solidFill>
+                    </a:lnL>
+                    <a:lnR w="720">
+                      <a:solidFill>
+                        <a:srgbClr val="ffffff"/>
+                      </a:solidFill>
+                    </a:lnR>
+                    <a:lnT w="720">
+                      <a:solidFill>
+                        <a:srgbClr val="ffffff"/>
+                      </a:solidFill>
+                    </a:lnT>
+                    <a:lnB w="720">
+                      <a:solidFill>
+                        <a:srgbClr val="ffffff"/>
+                      </a:solidFill>
+                    </a:lnB>
+                    <a:solidFill>
+                      <a:srgbClr val="e6e6e6"/>
+                    </a:solidFill>
+                  </a:tcPr>
+                </a:tc>
+                <a:tc>
+                  <a:tcPr marL="90000" marR="90000">
+                    <a:lnL w="720">
+                      <a:solidFill>
+                        <a:srgbClr val="ffffff"/>
+                      </a:solidFill>
+                    </a:lnL>
+                    <a:lnR w="720">
+                      <a:solidFill>
+                        <a:srgbClr val="ffffff"/>
+                      </a:solidFill>
+                    </a:lnR>
+                    <a:lnT w="720">
+                      <a:solidFill>
+                        <a:srgbClr val="ffffff"/>
+                      </a:solidFill>
+                    </a:lnT>
+                    <a:lnB w="720">
+                      <a:solidFill>
+                        <a:srgbClr val="ffffff"/>
+                      </a:solidFill>
+                    </a:lnB>
+                    <a:solidFill>
+                      <a:srgbClr val="e6e6e6"/>
+                    </a:solidFill>
+                  </a:tcPr>
+                </a:tc>
+                <a:tc>
+                  <a:tcPr marL="90000" marR="90000">
+                    <a:lnL w="720">
+                      <a:solidFill>
+                        <a:srgbClr val="ffffff"/>
+                      </a:solidFill>
+                    </a:lnL>
+                    <a:lnR w="720">
+                      <a:solidFill>
+                        <a:srgbClr val="ffffff"/>
+                      </a:solidFill>
+                    </a:lnR>
+                    <a:lnT w="720">
+                      <a:solidFill>
+                        <a:srgbClr val="ffffff"/>
+                      </a:solidFill>
+                    </a:lnT>
+                    <a:lnB w="720">
+                      <a:solidFill>
+                        <a:srgbClr val="ffffff"/>
+                      </a:solidFill>
+                    </a:lnB>
+                    <a:solidFill>
+                      <a:srgbClr val="e6e6e6"/>
+                    </a:solidFill>
+                  </a:tcPr>
+                </a:tc>
+                <a:tc>
+                  <a:tcPr marL="90000" marR="90000">
+                    <a:lnL w="720">
+                      <a:solidFill>
+                        <a:srgbClr val="ffffff"/>
+                      </a:solidFill>
+                    </a:lnL>
+                    <a:lnR w="720">
+                      <a:solidFill>
+                        <a:srgbClr val="ffffff"/>
+                      </a:solidFill>
+                    </a:lnR>
+                    <a:lnT w="720">
+                      <a:solidFill>
+                        <a:srgbClr val="ffffff"/>
+                      </a:solidFill>
+                    </a:lnT>
+                    <a:lnB w="720">
+                      <a:solidFill>
+                        <a:srgbClr val="ffffff"/>
+                      </a:solidFill>
+                    </a:lnB>
+                    <a:solidFill>
+                      <a:srgbClr val="e6e6e6"/>
+                    </a:solidFill>
+                  </a:tcPr>
+                </a:tc>
+              </a:tr>
+            </a:tbl>
+          </a:graphicData>
+        </a:graphic>
+      </p:graphicFrame>
     </p:spTree>
   </p:cSld>
 </p:sld>
@@ -3182,7 +7421,7 @@
       </p:grpSpPr>
       <p:sp>
         <p:nvSpPr>
-          <p:cNvPr id="46" name="TextShape 1"/>
+          <p:cNvPr id="49" name="TextShape 1"/>
           <p:cNvSpPr txBox="1"/>
           <p:nvPr/>
         </p:nvSpPr>
@@ -3215,21 +7454,7 @@
                 </a:uFill>
                 <a:latin typeface="Arial"/>
               </a:rPr>
-              <a:t>赞助</a:t>
-            </a:r>
-            <a:r>
-              <a:rPr b="0" lang="en-US" sz="4400" spc="-1" strike="noStrike">
-                <a:solidFill>
-                  <a:srgbClr val="000000"/>
-                </a:solidFill>
-                <a:uFill>
-                  <a:solidFill>
-                    <a:srgbClr val="ffffff"/>
-                  </a:solidFill>
-                </a:uFill>
-                <a:latin typeface="Arial"/>
-              </a:rPr>
-              <a:t>Sponsorship</a:t>
+              <a:t>Workshop Day 2</a:t>
             </a:r>
             <a:endParaRPr b="0" lang="en-US" sz="4400" spc="-1" strike="noStrike">
               <a:solidFill>
@@ -3245,211 +7470,1421 @@
           </a:p>
         </p:txBody>
       </p:sp>
-      <p:sp>
-        <p:nvSpPr>
-          <p:cNvPr id="47" name="TextShape 2"/>
-          <p:cNvSpPr txBox="1"/>
+      <p:graphicFrame>
+        <p:nvGraphicFramePr>
+          <p:cNvPr id="50" name="Table 2"/>
+          <p:cNvGraphicFramePr/>
           <p:nvPr/>
-        </p:nvSpPr>
-        <p:spPr>
-          <a:xfrm>
-            <a:off x="504000" y="1769040"/>
-            <a:ext cx="9071640" cy="4384440"/>
-          </a:xfrm>
-          <a:prstGeom prst="rect">
-            <a:avLst/>
-          </a:prstGeom>
-          <a:noFill/>
-          <a:ln>
-            <a:noFill/>
-          </a:ln>
-        </p:spPr>
-        <p:txBody>
-          <a:bodyPr lIns="0" rIns="0" tIns="0" bIns="0"/>
-          <a:p>
-            <a:pPr marL="432000" indent="-324000">
-              <a:buClr>
-                <a:srgbClr val="000000"/>
-              </a:buClr>
-              <a:buSzPct val="45000"/>
-              <a:buFont typeface="Wingdings" charset="2"/>
-              <a:buChar char=""/>
-            </a:pPr>
-            <a:r>
-              <a:rPr b="0" lang="en-US" sz="3200" spc="-1" strike="noStrike">
-                <a:solidFill>
-                  <a:srgbClr val="000000"/>
-                </a:solidFill>
-                <a:uFill>
-                  <a:solidFill>
-                    <a:srgbClr val="ffffff"/>
-                  </a:solidFill>
-                </a:uFill>
-                <a:latin typeface="Arial"/>
-              </a:rPr>
-              <a:t>金牌 </a:t>
-            </a:r>
-            <a:r>
-              <a:rPr b="0" lang="en-US" sz="3200" spc="-1" strike="noStrike">
-                <a:solidFill>
-                  <a:srgbClr val="000000"/>
-                </a:solidFill>
-                <a:uFill>
-                  <a:solidFill>
-                    <a:srgbClr val="ffffff"/>
-                  </a:solidFill>
-                </a:uFill>
-                <a:latin typeface="Arial"/>
-              </a:rPr>
-              <a:t>RMB 60,000</a:t>
-            </a:r>
-            <a:endParaRPr b="0" lang="en-US" sz="3200" spc="-1" strike="noStrike">
-              <a:solidFill>
-                <a:srgbClr val="000000"/>
-              </a:solidFill>
-              <a:uFill>
-                <a:solidFill>
-                  <a:srgbClr val="ffffff"/>
-                </a:solidFill>
-              </a:uFill>
-              <a:latin typeface="Arial"/>
-            </a:endParaRPr>
-          </a:p>
-          <a:p>
-            <a:pPr marL="432000" indent="-324000">
-              <a:buClr>
-                <a:srgbClr val="000000"/>
-              </a:buClr>
-              <a:buSzPct val="45000"/>
-              <a:buFont typeface="Wingdings" charset="2"/>
-              <a:buChar char=""/>
-            </a:pPr>
-            <a:r>
-              <a:rPr b="0" lang="en-US" sz="3200" spc="-1" strike="noStrike">
-                <a:solidFill>
-                  <a:srgbClr val="000000"/>
-                </a:solidFill>
-                <a:uFill>
-                  <a:solidFill>
-                    <a:srgbClr val="ffffff"/>
-                  </a:solidFill>
-                </a:uFill>
-                <a:latin typeface="Arial"/>
-              </a:rPr>
-              <a:t>银牌 </a:t>
-            </a:r>
-            <a:r>
-              <a:rPr b="0" lang="en-US" sz="3200" spc="-1" strike="noStrike">
-                <a:solidFill>
-                  <a:srgbClr val="000000"/>
-                </a:solidFill>
-                <a:uFill>
-                  <a:solidFill>
-                    <a:srgbClr val="ffffff"/>
-                  </a:solidFill>
-                </a:uFill>
-                <a:latin typeface="Arial"/>
-              </a:rPr>
-              <a:t>RMB 30,000</a:t>
-            </a:r>
-            <a:endParaRPr b="0" lang="en-US" sz="3200" spc="-1" strike="noStrike">
-              <a:solidFill>
-                <a:srgbClr val="000000"/>
-              </a:solidFill>
-              <a:uFill>
-                <a:solidFill>
-                  <a:srgbClr val="ffffff"/>
-                </a:solidFill>
-              </a:uFill>
-              <a:latin typeface="Arial"/>
-            </a:endParaRPr>
-          </a:p>
-          <a:p>
-            <a:pPr marL="432000" indent="-324000">
-              <a:buClr>
-                <a:srgbClr val="000000"/>
-              </a:buClr>
-              <a:buSzPct val="45000"/>
-              <a:buFont typeface="Wingdings" charset="2"/>
-              <a:buChar char=""/>
-            </a:pPr>
-            <a:r>
-              <a:rPr b="0" lang="en-US" sz="3200" spc="-1" strike="noStrike">
-                <a:solidFill>
-                  <a:srgbClr val="000000"/>
-                </a:solidFill>
-                <a:uFill>
-                  <a:solidFill>
-                    <a:srgbClr val="ffffff"/>
-                  </a:solidFill>
-                </a:uFill>
-                <a:latin typeface="Arial"/>
-              </a:rPr>
-              <a:t>铜牌 </a:t>
-            </a:r>
-            <a:r>
-              <a:rPr b="0" lang="en-US" sz="3200" spc="-1" strike="noStrike">
-                <a:solidFill>
-                  <a:srgbClr val="000000"/>
-                </a:solidFill>
-                <a:uFill>
-                  <a:solidFill>
-                    <a:srgbClr val="ffffff"/>
-                  </a:solidFill>
-                </a:uFill>
-                <a:latin typeface="Arial"/>
-              </a:rPr>
-              <a:t>RMB 10,000</a:t>
-            </a:r>
-            <a:endParaRPr b="0" lang="en-US" sz="3200" spc="-1" strike="noStrike">
-              <a:solidFill>
-                <a:srgbClr val="000000"/>
-              </a:solidFill>
-              <a:uFill>
-                <a:solidFill>
-                  <a:srgbClr val="ffffff"/>
-                </a:solidFill>
-              </a:uFill>
-              <a:latin typeface="Arial"/>
-            </a:endParaRPr>
-          </a:p>
-          <a:p>
-            <a:pPr marL="432000" indent="-324000">
-              <a:buClr>
-                <a:srgbClr val="000000"/>
-              </a:buClr>
-              <a:buSzPct val="45000"/>
-              <a:buFont typeface="Wingdings" charset="2"/>
-              <a:buChar char=""/>
-            </a:pPr>
-            <a:r>
-              <a:rPr b="0" lang="en-US" sz="3200" spc="-1" strike="noStrike">
-                <a:solidFill>
-                  <a:srgbClr val="000000"/>
-                </a:solidFill>
-                <a:uFill>
-                  <a:solidFill>
-                    <a:srgbClr val="ffffff"/>
-                  </a:solidFill>
-                </a:uFill>
-                <a:latin typeface="Arial"/>
-              </a:rPr>
-              <a:t> </a:t>
-            </a:r>
-            <a:endParaRPr b="0" lang="en-US" sz="3200" spc="-1" strike="noStrike">
-              <a:solidFill>
-                <a:srgbClr val="000000"/>
-              </a:solidFill>
-              <a:uFill>
-                <a:solidFill>
-                  <a:srgbClr val="ffffff"/>
-                </a:solidFill>
-              </a:uFill>
-              <a:latin typeface="Arial"/>
-            </a:endParaRPr>
-          </a:p>
-        </p:txBody>
-      </p:sp>
+        </p:nvGraphicFramePr>
+        <p:xfrm>
+          <a:off x="609840" y="1645920"/>
+          <a:ext cx="8463960" cy="4212000"/>
+        </p:xfrm>
+        <a:graphic>
+          <a:graphicData uri="http://schemas.openxmlformats.org/drawingml/2006/table">
+            <a:tbl>
+              <a:tblPr/>
+              <a:tblGrid>
+                <a:gridCol w="1010880"/>
+                <a:gridCol w="1685160"/>
+                <a:gridCol w="1889640"/>
+                <a:gridCol w="1951200"/>
+                <a:gridCol w="1927440"/>
+              </a:tblGrid>
+              <a:tr h="627840">
+                <a:tc>
+                  <a:txBody>
+                    <a:bodyPr lIns="90000" rIns="90000" tIns="46800" bIns="46800"/>
+                    <a:p>
+                      <a:pPr>
+                        <a:lnSpc>
+                          <a:spcPct val="100000"/>
+                        </a:lnSpc>
+                      </a:pPr>
+                      <a:r>
+                        <a:rPr b="0" lang="en-US" sz="800" spc="-1" strike="noStrike">
+                          <a:solidFill>
+                            <a:srgbClr val="000000"/>
+                          </a:solidFill>
+                          <a:uFill>
+                            <a:solidFill>
+                              <a:srgbClr val="ffffff"/>
+                            </a:solidFill>
+                          </a:uFill>
+                          <a:latin typeface="微软雅黑 Light"/>
+                          <a:ea typeface="微软雅黑 Light"/>
+                        </a:rPr>
+                        <a:t>PM</a:t>
+                      </a:r>
+                      <a:endParaRPr b="0" lang="en-US" sz="1800" spc="-1" strike="noStrike">
+                        <a:solidFill>
+                          <a:srgbClr val="000000"/>
+                        </a:solidFill>
+                        <a:uFill>
+                          <a:solidFill>
+                            <a:srgbClr val="ffffff"/>
+                          </a:solidFill>
+                        </a:uFill>
+                        <a:latin typeface="Arial"/>
+                      </a:endParaRPr>
+                    </a:p>
+                  </a:txBody>
+                  <a:tcPr marL="90000" marR="90000">
+                    <a:lnL w="720">
+                      <a:solidFill>
+                        <a:srgbClr val="ffffff"/>
+                      </a:solidFill>
+                    </a:lnL>
+                    <a:lnR w="720">
+                      <a:solidFill>
+                        <a:srgbClr val="ffffff"/>
+                      </a:solidFill>
+                    </a:lnR>
+                    <a:lnT w="720">
+                      <a:solidFill>
+                        <a:srgbClr val="ffffff"/>
+                      </a:solidFill>
+                    </a:lnT>
+                    <a:lnB w="720">
+                      <a:solidFill>
+                        <a:srgbClr val="ffffff"/>
+                      </a:solidFill>
+                    </a:lnB>
+                    <a:solidFill>
+                      <a:srgbClr val="e6e6e6"/>
+                    </a:solidFill>
+                  </a:tcPr>
+                </a:tc>
+                <a:tc>
+                  <a:txBody>
+                    <a:bodyPr lIns="90000" rIns="90000" tIns="46800" bIns="46800"/>
+                    <a:p>
+                      <a:pPr>
+                        <a:lnSpc>
+                          <a:spcPct val="100000"/>
+                        </a:lnSpc>
+                      </a:pPr>
+                      <a:r>
+                        <a:rPr b="0" lang="en-US" sz="800" spc="-1" strike="noStrike">
+                          <a:solidFill>
+                            <a:srgbClr val="000000"/>
+                          </a:solidFill>
+                          <a:uFill>
+                            <a:solidFill>
+                              <a:srgbClr val="ffffff"/>
+                            </a:solidFill>
+                          </a:uFill>
+                          <a:latin typeface="微软雅黑 Light"/>
+                          <a:ea typeface="微软雅黑 Light"/>
+                        </a:rPr>
+                        <a:t>Breakout 1/</a:t>
+                      </a:r>
+                      <a:r>
+                        <a:rPr b="0" lang="en-US" sz="800" spc="-1" strike="noStrike">
+                          <a:solidFill>
+                            <a:srgbClr val="000000"/>
+                          </a:solidFill>
+                          <a:uFill>
+                            <a:solidFill>
+                              <a:srgbClr val="ffffff"/>
+                            </a:solidFill>
+                          </a:uFill>
+                          <a:latin typeface="微软雅黑 Light"/>
+                          <a:ea typeface="微软雅黑 Light"/>
+                        </a:rPr>
+                        <a:t>分会场</a:t>
+                      </a:r>
+                      <a:r>
+                        <a:rPr b="0" lang="en-US" sz="800" spc="-1" strike="noStrike">
+                          <a:solidFill>
+                            <a:srgbClr val="000000"/>
+                          </a:solidFill>
+                          <a:uFill>
+                            <a:solidFill>
+                              <a:srgbClr val="ffffff"/>
+                            </a:solidFill>
+                          </a:uFill>
+                          <a:latin typeface="微软雅黑 Light"/>
+                          <a:ea typeface="微软雅黑 Light"/>
+                        </a:rPr>
+                        <a:t>1 </a:t>
+                      </a:r>
+                      <a:endParaRPr b="0" lang="en-US" sz="1800" spc="-1" strike="noStrike">
+                        <a:solidFill>
+                          <a:srgbClr val="000000"/>
+                        </a:solidFill>
+                        <a:uFill>
+                          <a:solidFill>
+                            <a:srgbClr val="ffffff"/>
+                          </a:solidFill>
+                        </a:uFill>
+                        <a:latin typeface="Arial"/>
+                      </a:endParaRPr>
+                    </a:p>
+                    <a:p>
+                      <a:pPr>
+                        <a:lnSpc>
+                          <a:spcPct val="100000"/>
+                        </a:lnSpc>
+                      </a:pPr>
+                      <a:r>
+                        <a:rPr b="0" lang="en-US" sz="800" spc="-1" strike="noStrike">
+                          <a:solidFill>
+                            <a:srgbClr val="000000"/>
+                          </a:solidFill>
+                          <a:uFill>
+                            <a:solidFill>
+                              <a:srgbClr val="ffffff"/>
+                            </a:solidFill>
+                          </a:uFill>
+                          <a:latin typeface="微软雅黑 Light"/>
+                          <a:ea typeface="微软雅黑 Light"/>
+                        </a:rPr>
+                        <a:t>(Linux/</a:t>
+                      </a:r>
+                      <a:r>
+                        <a:rPr b="0" lang="en-US" sz="800" spc="-1" strike="noStrike">
+                          <a:solidFill>
+                            <a:srgbClr val="000000"/>
+                          </a:solidFill>
+                          <a:uFill>
+                            <a:solidFill>
+                              <a:srgbClr val="ffffff"/>
+                            </a:solidFill>
+                          </a:uFill>
+                          <a:latin typeface="微软雅黑 Light"/>
+                          <a:ea typeface="微软雅黑 Light"/>
+                        </a:rPr>
+                        <a:t>开源操作系统</a:t>
+                      </a:r>
+                      <a:r>
+                        <a:rPr b="0" lang="en-US" sz="800" spc="-1" strike="noStrike">
+                          <a:solidFill>
+                            <a:srgbClr val="000000"/>
+                          </a:solidFill>
+                          <a:uFill>
+                            <a:solidFill>
+                              <a:srgbClr val="ffffff"/>
+                            </a:solidFill>
+                          </a:uFill>
+                          <a:latin typeface="微软雅黑 Light"/>
+                          <a:ea typeface="微软雅黑 Light"/>
+                        </a:rPr>
+                        <a:t>)</a:t>
+                      </a:r>
+                      <a:endParaRPr b="0" lang="en-US" sz="1800" spc="-1" strike="noStrike">
+                        <a:solidFill>
+                          <a:srgbClr val="000000"/>
+                        </a:solidFill>
+                        <a:uFill>
+                          <a:solidFill>
+                            <a:srgbClr val="ffffff"/>
+                          </a:solidFill>
+                        </a:uFill>
+                        <a:latin typeface="Arial"/>
+                      </a:endParaRPr>
+                    </a:p>
+                  </a:txBody>
+                  <a:tcPr marL="90000" marR="90000">
+                    <a:lnL w="720">
+                      <a:solidFill>
+                        <a:srgbClr val="ffffff"/>
+                      </a:solidFill>
+                    </a:lnL>
+                    <a:lnR w="720">
+                      <a:solidFill>
+                        <a:srgbClr val="ffffff"/>
+                      </a:solidFill>
+                    </a:lnR>
+                    <a:lnT w="720">
+                      <a:solidFill>
+                        <a:srgbClr val="ffffff"/>
+                      </a:solidFill>
+                    </a:lnT>
+                    <a:lnB w="720">
+                      <a:solidFill>
+                        <a:srgbClr val="ffffff"/>
+                      </a:solidFill>
+                    </a:lnB>
+                    <a:solidFill>
+                      <a:srgbClr val="e6e6e6"/>
+                    </a:solidFill>
+                  </a:tcPr>
+                </a:tc>
+                <a:tc>
+                  <a:txBody>
+                    <a:bodyPr lIns="90000" rIns="90000" tIns="46800" bIns="46800"/>
+                    <a:p>
+                      <a:pPr>
+                        <a:lnSpc>
+                          <a:spcPct val="100000"/>
+                        </a:lnSpc>
+                      </a:pPr>
+                      <a:r>
+                        <a:rPr b="0" lang="en-US" sz="800" spc="-1" strike="noStrike">
+                          <a:solidFill>
+                            <a:srgbClr val="000000"/>
+                          </a:solidFill>
+                          <a:uFill>
+                            <a:solidFill>
+                              <a:srgbClr val="ffffff"/>
+                            </a:solidFill>
+                          </a:uFill>
+                          <a:latin typeface="微软雅黑 Light"/>
+                          <a:ea typeface="微软雅黑 Light"/>
+                        </a:rPr>
+                        <a:t>Breakout 2/</a:t>
+                      </a:r>
+                      <a:r>
+                        <a:rPr b="0" lang="en-US" sz="800" spc="-1" strike="noStrike">
+                          <a:solidFill>
+                            <a:srgbClr val="000000"/>
+                          </a:solidFill>
+                          <a:uFill>
+                            <a:solidFill>
+                              <a:srgbClr val="ffffff"/>
+                            </a:solidFill>
+                          </a:uFill>
+                          <a:latin typeface="微软雅黑 Light"/>
+                          <a:ea typeface="微软雅黑 Light"/>
+                        </a:rPr>
+                        <a:t>分会场</a:t>
+                      </a:r>
+                      <a:r>
+                        <a:rPr b="0" lang="en-US" sz="800" spc="-1" strike="noStrike">
+                          <a:solidFill>
+                            <a:srgbClr val="000000"/>
+                          </a:solidFill>
+                          <a:uFill>
+                            <a:solidFill>
+                              <a:srgbClr val="ffffff"/>
+                            </a:solidFill>
+                          </a:uFill>
+                          <a:latin typeface="微软雅黑 Light"/>
+                          <a:ea typeface="微软雅黑 Light"/>
+                        </a:rPr>
+                        <a:t>2 </a:t>
+                      </a:r>
+                      <a:endParaRPr b="0" lang="en-US" sz="1800" spc="-1" strike="noStrike">
+                        <a:solidFill>
+                          <a:srgbClr val="000000"/>
+                        </a:solidFill>
+                        <a:uFill>
+                          <a:solidFill>
+                            <a:srgbClr val="ffffff"/>
+                          </a:solidFill>
+                        </a:uFill>
+                        <a:latin typeface="Arial"/>
+                      </a:endParaRPr>
+                    </a:p>
+                    <a:p>
+                      <a:pPr>
+                        <a:lnSpc>
+                          <a:spcPct val="100000"/>
+                        </a:lnSpc>
+                      </a:pPr>
+                      <a:r>
+                        <a:rPr b="0" lang="en-US" sz="800" spc="-1" strike="noStrike">
+                          <a:solidFill>
+                            <a:srgbClr val="000000"/>
+                          </a:solidFill>
+                          <a:uFill>
+                            <a:solidFill>
+                              <a:srgbClr val="ffffff"/>
+                            </a:solidFill>
+                          </a:uFill>
+                          <a:latin typeface="微软雅黑 Light"/>
+                          <a:ea typeface="微软雅黑 Light"/>
+                        </a:rPr>
+                        <a:t>(Cloud/</a:t>
+                      </a:r>
+                      <a:r>
+                        <a:rPr b="0" lang="en-US" sz="800" spc="-1" strike="noStrike">
+                          <a:solidFill>
+                            <a:srgbClr val="000000"/>
+                          </a:solidFill>
+                          <a:uFill>
+                            <a:solidFill>
+                              <a:srgbClr val="ffffff"/>
+                            </a:solidFill>
+                          </a:uFill>
+                          <a:latin typeface="微软雅黑 Light"/>
+                          <a:ea typeface="微软雅黑 Light"/>
+                        </a:rPr>
+                        <a:t>云计算</a:t>
+                      </a:r>
+                      <a:r>
+                        <a:rPr b="0" lang="en-US" sz="800" spc="-1" strike="noStrike">
+                          <a:solidFill>
+                            <a:srgbClr val="000000"/>
+                          </a:solidFill>
+                          <a:uFill>
+                            <a:solidFill>
+                              <a:srgbClr val="ffffff"/>
+                            </a:solidFill>
+                          </a:uFill>
+                          <a:latin typeface="微软雅黑 Light"/>
+                          <a:ea typeface="微软雅黑 Light"/>
+                        </a:rPr>
+                        <a:t>)</a:t>
+                      </a:r>
+                      <a:endParaRPr b="0" lang="en-US" sz="1800" spc="-1" strike="noStrike">
+                        <a:solidFill>
+                          <a:srgbClr val="000000"/>
+                        </a:solidFill>
+                        <a:uFill>
+                          <a:solidFill>
+                            <a:srgbClr val="ffffff"/>
+                          </a:solidFill>
+                        </a:uFill>
+                        <a:latin typeface="Arial"/>
+                      </a:endParaRPr>
+                    </a:p>
+                  </a:txBody>
+                  <a:tcPr marL="90000" marR="90000">
+                    <a:lnL w="720">
+                      <a:solidFill>
+                        <a:srgbClr val="ffffff"/>
+                      </a:solidFill>
+                    </a:lnL>
+                    <a:lnR w="720">
+                      <a:solidFill>
+                        <a:srgbClr val="ffffff"/>
+                      </a:solidFill>
+                    </a:lnR>
+                    <a:lnT w="720">
+                      <a:solidFill>
+                        <a:srgbClr val="ffffff"/>
+                      </a:solidFill>
+                    </a:lnT>
+                    <a:lnB w="720">
+                      <a:solidFill>
+                        <a:srgbClr val="ffffff"/>
+                      </a:solidFill>
+                    </a:lnB>
+                    <a:solidFill>
+                      <a:srgbClr val="e6e6e6"/>
+                    </a:solidFill>
+                  </a:tcPr>
+                </a:tc>
+                <a:tc>
+                  <a:txBody>
+                    <a:bodyPr lIns="90000" rIns="90000" tIns="46800" bIns="46800"/>
+                    <a:p>
+                      <a:pPr>
+                        <a:lnSpc>
+                          <a:spcPct val="100000"/>
+                        </a:lnSpc>
+                      </a:pPr>
+                      <a:r>
+                        <a:rPr b="0" lang="en-US" sz="800" spc="-1" strike="noStrike">
+                          <a:solidFill>
+                            <a:srgbClr val="000000"/>
+                          </a:solidFill>
+                          <a:uFill>
+                            <a:solidFill>
+                              <a:srgbClr val="ffffff"/>
+                            </a:solidFill>
+                          </a:uFill>
+                          <a:latin typeface="微软雅黑 Light"/>
+                          <a:ea typeface="微软雅黑 Light"/>
+                        </a:rPr>
+                        <a:t>Breakout 3/</a:t>
+                      </a:r>
+                      <a:r>
+                        <a:rPr b="0" lang="en-US" sz="800" spc="-1" strike="noStrike">
+                          <a:solidFill>
+                            <a:srgbClr val="000000"/>
+                          </a:solidFill>
+                          <a:uFill>
+                            <a:solidFill>
+                              <a:srgbClr val="ffffff"/>
+                            </a:solidFill>
+                          </a:uFill>
+                          <a:latin typeface="微软雅黑 Light"/>
+                          <a:ea typeface="微软雅黑 Light"/>
+                        </a:rPr>
+                        <a:t>分会场</a:t>
+                      </a:r>
+                      <a:r>
+                        <a:rPr b="0" lang="en-US" sz="800" spc="-1" strike="noStrike">
+                          <a:solidFill>
+                            <a:srgbClr val="000000"/>
+                          </a:solidFill>
+                          <a:uFill>
+                            <a:solidFill>
+                              <a:srgbClr val="ffffff"/>
+                            </a:solidFill>
+                          </a:uFill>
+                          <a:latin typeface="微软雅黑 Light"/>
+                          <a:ea typeface="微软雅黑 Light"/>
+                        </a:rPr>
+                        <a:t>3</a:t>
+                      </a:r>
+                      <a:endParaRPr b="0" lang="en-US" sz="1800" spc="-1" strike="noStrike">
+                        <a:solidFill>
+                          <a:srgbClr val="000000"/>
+                        </a:solidFill>
+                        <a:uFill>
+                          <a:solidFill>
+                            <a:srgbClr val="ffffff"/>
+                          </a:solidFill>
+                        </a:uFill>
+                        <a:latin typeface="Arial"/>
+                      </a:endParaRPr>
+                    </a:p>
+                    <a:p>
+                      <a:pPr>
+                        <a:lnSpc>
+                          <a:spcPct val="100000"/>
+                        </a:lnSpc>
+                      </a:pPr>
+                      <a:r>
+                        <a:rPr b="0" lang="en-US" sz="800" spc="-1" strike="noStrike">
+                          <a:solidFill>
+                            <a:srgbClr val="000000"/>
+                          </a:solidFill>
+                          <a:uFill>
+                            <a:solidFill>
+                              <a:srgbClr val="ffffff"/>
+                            </a:solidFill>
+                          </a:uFill>
+                          <a:latin typeface="微软雅黑 Light"/>
+                          <a:ea typeface="微软雅黑 Light"/>
+                        </a:rPr>
+                        <a:t>(Big Data/</a:t>
+                      </a:r>
+                      <a:r>
+                        <a:rPr b="0" lang="en-US" sz="800" spc="-1" strike="noStrike">
+                          <a:solidFill>
+                            <a:srgbClr val="000000"/>
+                          </a:solidFill>
+                          <a:uFill>
+                            <a:solidFill>
+                              <a:srgbClr val="ffffff"/>
+                            </a:solidFill>
+                          </a:uFill>
+                          <a:latin typeface="微软雅黑 Light"/>
+                          <a:ea typeface="微软雅黑 Light"/>
+                        </a:rPr>
+                        <a:t>大数据</a:t>
+                      </a:r>
+                      <a:r>
+                        <a:rPr b="0" lang="en-US" sz="800" spc="-1" strike="noStrike">
+                          <a:solidFill>
+                            <a:srgbClr val="000000"/>
+                          </a:solidFill>
+                          <a:uFill>
+                            <a:solidFill>
+                              <a:srgbClr val="ffffff"/>
+                            </a:solidFill>
+                          </a:uFill>
+                          <a:latin typeface="微软雅黑 Light"/>
+                          <a:ea typeface="微软雅黑 Light"/>
+                        </a:rPr>
+                        <a:t>)</a:t>
+                      </a:r>
+                      <a:endParaRPr b="0" lang="en-US" sz="1800" spc="-1" strike="noStrike">
+                        <a:solidFill>
+                          <a:srgbClr val="000000"/>
+                        </a:solidFill>
+                        <a:uFill>
+                          <a:solidFill>
+                            <a:srgbClr val="ffffff"/>
+                          </a:solidFill>
+                        </a:uFill>
+                        <a:latin typeface="Arial"/>
+                      </a:endParaRPr>
+                    </a:p>
+                  </a:txBody>
+                  <a:tcPr marL="90000" marR="90000">
+                    <a:lnL w="720">
+                      <a:solidFill>
+                        <a:srgbClr val="ffffff"/>
+                      </a:solidFill>
+                    </a:lnL>
+                    <a:lnR w="720">
+                      <a:solidFill>
+                        <a:srgbClr val="ffffff"/>
+                      </a:solidFill>
+                    </a:lnR>
+                    <a:lnT w="720">
+                      <a:solidFill>
+                        <a:srgbClr val="ffffff"/>
+                      </a:solidFill>
+                    </a:lnT>
+                    <a:lnB w="720">
+                      <a:solidFill>
+                        <a:srgbClr val="ffffff"/>
+                      </a:solidFill>
+                    </a:lnB>
+                    <a:solidFill>
+                      <a:srgbClr val="e6e6e6"/>
+                    </a:solidFill>
+                  </a:tcPr>
+                </a:tc>
+                <a:tc>
+                  <a:txBody>
+                    <a:bodyPr lIns="90000" rIns="90000" tIns="46800" bIns="46800"/>
+                    <a:p>
+                      <a:pPr>
+                        <a:lnSpc>
+                          <a:spcPct val="100000"/>
+                        </a:lnSpc>
+                      </a:pPr>
+                      <a:r>
+                        <a:rPr b="0" lang="en-US" sz="800" spc="-1" strike="noStrike">
+                          <a:solidFill>
+                            <a:srgbClr val="000000"/>
+                          </a:solidFill>
+                          <a:uFill>
+                            <a:solidFill>
+                              <a:srgbClr val="ffffff"/>
+                            </a:solidFill>
+                          </a:uFill>
+                          <a:latin typeface="微软雅黑 Light"/>
+                          <a:ea typeface="微软雅黑 Light"/>
+                        </a:rPr>
+                        <a:t>Breakout 4/</a:t>
+                      </a:r>
+                      <a:r>
+                        <a:rPr b="0" lang="en-US" sz="800" spc="-1" strike="noStrike">
+                          <a:solidFill>
+                            <a:srgbClr val="000000"/>
+                          </a:solidFill>
+                          <a:uFill>
+                            <a:solidFill>
+                              <a:srgbClr val="ffffff"/>
+                            </a:solidFill>
+                          </a:uFill>
+                          <a:latin typeface="微软雅黑 Light"/>
+                          <a:ea typeface="微软雅黑 Light"/>
+                        </a:rPr>
+                        <a:t>分会场</a:t>
+                      </a:r>
+                      <a:r>
+                        <a:rPr b="0" lang="en-US" sz="800" spc="-1" strike="noStrike">
+                          <a:solidFill>
+                            <a:srgbClr val="000000"/>
+                          </a:solidFill>
+                          <a:uFill>
+                            <a:solidFill>
+                              <a:srgbClr val="ffffff"/>
+                            </a:solidFill>
+                          </a:uFill>
+                          <a:latin typeface="微软雅黑 Light"/>
+                          <a:ea typeface="微软雅黑 Light"/>
+                        </a:rPr>
+                        <a:t>4</a:t>
+                      </a:r>
+                      <a:endParaRPr b="0" lang="en-US" sz="1800" spc="-1" strike="noStrike">
+                        <a:solidFill>
+                          <a:srgbClr val="000000"/>
+                        </a:solidFill>
+                        <a:uFill>
+                          <a:solidFill>
+                            <a:srgbClr val="ffffff"/>
+                          </a:solidFill>
+                        </a:uFill>
+                        <a:latin typeface="Arial"/>
+                      </a:endParaRPr>
+                    </a:p>
+                    <a:p>
+                      <a:pPr>
+                        <a:lnSpc>
+                          <a:spcPct val="100000"/>
+                        </a:lnSpc>
+                      </a:pPr>
+                      <a:r>
+                        <a:rPr b="0" lang="en-US" sz="800" spc="-1" strike="noStrike">
+                          <a:solidFill>
+                            <a:srgbClr val="000000"/>
+                          </a:solidFill>
+                          <a:uFill>
+                            <a:solidFill>
+                              <a:srgbClr val="ffffff"/>
+                            </a:solidFill>
+                          </a:uFill>
+                          <a:latin typeface="微软雅黑 Light"/>
+                          <a:ea typeface="微软雅黑 Light"/>
+                        </a:rPr>
+                        <a:t>(</a:t>
+                      </a:r>
+                      <a:r>
+                        <a:rPr b="0" lang="en-US" sz="800" spc="-1" strike="noStrike">
+                          <a:solidFill>
+                            <a:srgbClr val="000000"/>
+                          </a:solidFill>
+                          <a:uFill>
+                            <a:solidFill>
+                              <a:srgbClr val="ffffff"/>
+                            </a:solidFill>
+                          </a:uFill>
+                          <a:latin typeface="微软雅黑 Light"/>
+                          <a:ea typeface="微软雅黑 Light"/>
+                        </a:rPr>
+                        <a:t>前端技术与移动</a:t>
+                      </a:r>
+                      <a:r>
+                        <a:rPr b="0" lang="en-US" sz="800" spc="-1" strike="noStrike">
+                          <a:solidFill>
+                            <a:srgbClr val="000000"/>
+                          </a:solidFill>
+                          <a:uFill>
+                            <a:solidFill>
+                              <a:srgbClr val="ffffff"/>
+                            </a:solidFill>
+                          </a:uFill>
+                          <a:latin typeface="微软雅黑 Light"/>
+                          <a:ea typeface="微软雅黑 Light"/>
+                        </a:rPr>
+                        <a:t>)</a:t>
+                      </a:r>
+                      <a:endParaRPr b="0" lang="en-US" sz="1800" spc="-1" strike="noStrike">
+                        <a:solidFill>
+                          <a:srgbClr val="000000"/>
+                        </a:solidFill>
+                        <a:uFill>
+                          <a:solidFill>
+                            <a:srgbClr val="ffffff"/>
+                          </a:solidFill>
+                        </a:uFill>
+                        <a:latin typeface="Arial"/>
+                      </a:endParaRPr>
+                    </a:p>
+                  </a:txBody>
+                  <a:tcPr marL="90000" marR="90000">
+                    <a:lnL w="720">
+                      <a:solidFill>
+                        <a:srgbClr val="ffffff"/>
+                      </a:solidFill>
+                    </a:lnL>
+                    <a:lnR w="720">
+                      <a:solidFill>
+                        <a:srgbClr val="ffffff"/>
+                      </a:solidFill>
+                    </a:lnR>
+                    <a:lnT w="720">
+                      <a:solidFill>
+                        <a:srgbClr val="ffffff"/>
+                      </a:solidFill>
+                    </a:lnT>
+                    <a:lnB w="720">
+                      <a:solidFill>
+                        <a:srgbClr val="ffffff"/>
+                      </a:solidFill>
+                    </a:lnB>
+                    <a:solidFill>
+                      <a:srgbClr val="e6e6e6"/>
+                    </a:solidFill>
+                  </a:tcPr>
+                </a:tc>
+              </a:tr>
+              <a:tr h="1229040">
+                <a:tc>
+                  <a:txBody>
+                    <a:bodyPr lIns="90000" rIns="90000" tIns="46800" bIns="46800"/>
+                    <a:p>
+                      <a:pPr>
+                        <a:lnSpc>
+                          <a:spcPct val="100000"/>
+                        </a:lnSpc>
+                      </a:pPr>
+                      <a:r>
+                        <a:rPr b="0" lang="en-US" sz="800" spc="-1" strike="noStrike">
+                          <a:solidFill>
+                            <a:srgbClr val="000000"/>
+                          </a:solidFill>
+                          <a:uFill>
+                            <a:solidFill>
+                              <a:srgbClr val="ffffff"/>
+                            </a:solidFill>
+                          </a:uFill>
+                          <a:latin typeface="微软雅黑 Light"/>
+                          <a:ea typeface="微软雅黑 Light"/>
+                        </a:rPr>
+                        <a:t>10:00-12:30</a:t>
+                      </a:r>
+                      <a:endParaRPr b="0" lang="en-US" sz="800" spc="-1" strike="noStrike">
+                        <a:solidFill>
+                          <a:srgbClr val="000000"/>
+                        </a:solidFill>
+                        <a:uFill>
+                          <a:solidFill>
+                            <a:srgbClr val="ffffff"/>
+                          </a:solidFill>
+                        </a:uFill>
+                        <a:latin typeface="Arial"/>
+                      </a:endParaRPr>
+                    </a:p>
+                  </a:txBody>
+                  <a:tcPr marL="90000" marR="90000">
+                    <a:lnL w="720">
+                      <a:solidFill>
+                        <a:srgbClr val="ffffff"/>
+                      </a:solidFill>
+                    </a:lnL>
+                    <a:lnR w="720">
+                      <a:solidFill>
+                        <a:srgbClr val="ffffff"/>
+                      </a:solidFill>
+                    </a:lnR>
+                    <a:lnT w="720">
+                      <a:solidFill>
+                        <a:srgbClr val="ffffff"/>
+                      </a:solidFill>
+                    </a:lnT>
+                    <a:lnB w="720">
+                      <a:solidFill>
+                        <a:srgbClr val="ffffff"/>
+                      </a:solidFill>
+                    </a:lnB>
+                    <a:solidFill>
+                      <a:srgbClr val="e6e6e6"/>
+                    </a:solidFill>
+                  </a:tcPr>
+                </a:tc>
+                <a:tc>
+                  <a:tcPr marL="90000" marR="90000">
+                    <a:lnL w="720">
+                      <a:solidFill>
+                        <a:srgbClr val="ffffff"/>
+                      </a:solidFill>
+                    </a:lnL>
+                    <a:lnR w="720">
+                      <a:solidFill>
+                        <a:srgbClr val="ffffff"/>
+                      </a:solidFill>
+                    </a:lnR>
+                    <a:lnT w="720">
+                      <a:solidFill>
+                        <a:srgbClr val="ffffff"/>
+                      </a:solidFill>
+                    </a:lnT>
+                    <a:lnB w="720">
+                      <a:solidFill>
+                        <a:srgbClr val="ffffff"/>
+                      </a:solidFill>
+                    </a:lnB>
+                    <a:solidFill>
+                      <a:srgbClr val="e6e6e6"/>
+                    </a:solidFill>
+                  </a:tcPr>
+                </a:tc>
+                <a:tc>
+                  <a:tcPr marL="90000" marR="90000">
+                    <a:lnL w="720">
+                      <a:solidFill>
+                        <a:srgbClr val="ffffff"/>
+                      </a:solidFill>
+                    </a:lnL>
+                    <a:lnR w="720">
+                      <a:solidFill>
+                        <a:srgbClr val="ffffff"/>
+                      </a:solidFill>
+                    </a:lnR>
+                    <a:lnT w="720">
+                      <a:solidFill>
+                        <a:srgbClr val="ffffff"/>
+                      </a:solidFill>
+                    </a:lnT>
+                    <a:lnB w="720">
+                      <a:solidFill>
+                        <a:srgbClr val="ffffff"/>
+                      </a:solidFill>
+                    </a:lnB>
+                    <a:solidFill>
+                      <a:srgbClr val="e6e6e6"/>
+                    </a:solidFill>
+                  </a:tcPr>
+                </a:tc>
+                <a:tc>
+                  <a:tcPr marL="90000" marR="90000">
+                    <a:lnL w="720">
+                      <a:solidFill>
+                        <a:srgbClr val="ffffff"/>
+                      </a:solidFill>
+                    </a:lnL>
+                    <a:lnR w="720">
+                      <a:solidFill>
+                        <a:srgbClr val="ffffff"/>
+                      </a:solidFill>
+                    </a:lnR>
+                    <a:lnT w="720">
+                      <a:solidFill>
+                        <a:srgbClr val="ffffff"/>
+                      </a:solidFill>
+                    </a:lnT>
+                    <a:lnB w="720">
+                      <a:solidFill>
+                        <a:srgbClr val="ffffff"/>
+                      </a:solidFill>
+                    </a:lnB>
+                    <a:solidFill>
+                      <a:srgbClr val="e6e6e6"/>
+                    </a:solidFill>
+                  </a:tcPr>
+                </a:tc>
+                <a:tc>
+                  <a:tcPr marL="90000" marR="90000">
+                    <a:lnL w="720">
+                      <a:solidFill>
+                        <a:srgbClr val="ffffff"/>
+                      </a:solidFill>
+                    </a:lnL>
+                    <a:lnR w="720">
+                      <a:solidFill>
+                        <a:srgbClr val="ffffff"/>
+                      </a:solidFill>
+                    </a:lnR>
+                    <a:lnT w="720">
+                      <a:solidFill>
+                        <a:srgbClr val="ffffff"/>
+                      </a:solidFill>
+                    </a:lnT>
+                    <a:lnB w="720">
+                      <a:solidFill>
+                        <a:srgbClr val="ffffff"/>
+                      </a:solidFill>
+                    </a:lnB>
+                    <a:solidFill>
+                      <a:srgbClr val="e6e6e6"/>
+                    </a:solidFill>
+                  </a:tcPr>
+                </a:tc>
+              </a:tr>
+              <a:tr h="261360">
+                <a:tc>
+                  <a:txBody>
+                    <a:bodyPr lIns="90000" rIns="90000" tIns="46800" bIns="46800"/>
+                    <a:p>
+                      <a:pPr>
+                        <a:lnSpc>
+                          <a:spcPct val="100000"/>
+                        </a:lnSpc>
+                      </a:pPr>
+                      <a:r>
+                        <a:rPr b="0" lang="en-US" sz="800" spc="-1" strike="noStrike">
+                          <a:solidFill>
+                            <a:srgbClr val="000000"/>
+                          </a:solidFill>
+                          <a:uFill>
+                            <a:solidFill>
+                              <a:srgbClr val="ffffff"/>
+                            </a:solidFill>
+                          </a:uFill>
+                          <a:latin typeface="微软雅黑 Light"/>
+                          <a:ea typeface="微软雅黑 Light"/>
+                        </a:rPr>
+                        <a:t>12:30-13:30</a:t>
+                      </a:r>
+                      <a:endParaRPr b="0" lang="en-US" sz="800" spc="-1" strike="noStrike">
+                        <a:solidFill>
+                          <a:srgbClr val="000000"/>
+                        </a:solidFill>
+                        <a:uFill>
+                          <a:solidFill>
+                            <a:srgbClr val="ffffff"/>
+                          </a:solidFill>
+                        </a:uFill>
+                        <a:latin typeface="Arial"/>
+                      </a:endParaRPr>
+                    </a:p>
+                  </a:txBody>
+                  <a:tcPr marL="90000" marR="90000">
+                    <a:lnL w="720">
+                      <a:solidFill>
+                        <a:srgbClr val="ffffff"/>
+                      </a:solidFill>
+                    </a:lnL>
+                    <a:lnR w="720">
+                      <a:solidFill>
+                        <a:srgbClr val="ffffff"/>
+                      </a:solidFill>
+                    </a:lnR>
+                    <a:lnT w="720">
+                      <a:solidFill>
+                        <a:srgbClr val="ffffff"/>
+                      </a:solidFill>
+                    </a:lnT>
+                    <a:lnB w="720">
+                      <a:solidFill>
+                        <a:srgbClr val="ffffff"/>
+                      </a:solidFill>
+                    </a:lnB>
+                    <a:solidFill>
+                      <a:srgbClr val="e6e6e6"/>
+                    </a:solidFill>
+                  </a:tcPr>
+                </a:tc>
+                <a:tc gridSpan="4">
+                  <a:txBody>
+                    <a:bodyPr lIns="90000" rIns="90000" tIns="46800" bIns="46800"/>
+                    <a:p>
+                      <a:pPr>
+                        <a:lnSpc>
+                          <a:spcPct val="100000"/>
+                        </a:lnSpc>
+                      </a:pPr>
+                      <a:r>
+                        <a:rPr b="0" lang="en-US" sz="800" spc="-1" strike="noStrike">
+                          <a:solidFill>
+                            <a:srgbClr val="000000"/>
+                          </a:solidFill>
+                          <a:uFill>
+                            <a:solidFill>
+                              <a:srgbClr val="ffffff"/>
+                            </a:solidFill>
+                          </a:uFill>
+                          <a:latin typeface="微软雅黑 Light"/>
+                          <a:ea typeface="微软雅黑 Light"/>
+                        </a:rPr>
+                        <a:t>Lunch</a:t>
+                      </a:r>
+                      <a:endParaRPr b="0" lang="en-US" sz="1800" spc="-1" strike="noStrike">
+                        <a:solidFill>
+                          <a:srgbClr val="000000"/>
+                        </a:solidFill>
+                        <a:uFill>
+                          <a:solidFill>
+                            <a:srgbClr val="ffffff"/>
+                          </a:solidFill>
+                        </a:uFill>
+                        <a:latin typeface="Arial"/>
+                      </a:endParaRPr>
+                    </a:p>
+                  </a:txBody>
+                  <a:tcPr marL="90000" marR="90000">
+                    <a:lnL w="720">
+                      <a:solidFill>
+                        <a:srgbClr val="ffffff"/>
+                      </a:solidFill>
+                    </a:lnL>
+                    <a:lnR w="720">
+                      <a:solidFill>
+                        <a:srgbClr val="ffffff"/>
+                      </a:solidFill>
+                    </a:lnR>
+                    <a:lnT w="720">
+                      <a:solidFill>
+                        <a:srgbClr val="ffffff"/>
+                      </a:solidFill>
+                    </a:lnT>
+                    <a:lnB w="720">
+                      <a:solidFill>
+                        <a:srgbClr val="ffffff"/>
+                      </a:solidFill>
+                    </a:lnB>
+                    <a:solidFill>
+                      <a:srgbClr val="e6e6e6"/>
+                    </a:solidFill>
+                  </a:tcPr>
+                </a:tc>
+                <a:tc hMerge="1">
+                  <a:tcPr marL="90000" marR="90000">
+                    <a:lnL w="720">
+                      <a:solidFill>
+                        <a:srgbClr val="ffffff"/>
+                      </a:solidFill>
+                    </a:lnL>
+                    <a:lnR w="720">
+                      <a:solidFill>
+                        <a:srgbClr val="ffffff"/>
+                      </a:solidFill>
+                    </a:lnR>
+                    <a:lnT w="720">
+                      <a:solidFill>
+                        <a:srgbClr val="ffffff"/>
+                      </a:solidFill>
+                    </a:lnT>
+                    <a:lnB w="720">
+                      <a:solidFill>
+                        <a:srgbClr val="ffffff"/>
+                      </a:solidFill>
+                    </a:lnB>
+                    <a:solidFill>
+                      <a:srgbClr val="e6e6e6"/>
+                    </a:solidFill>
+                  </a:tcPr>
+                </a:tc>
+                <a:tc hMerge="1">
+                  <a:tcPr marL="90000" marR="90000">
+                    <a:lnL w="720">
+                      <a:solidFill>
+                        <a:srgbClr val="ffffff"/>
+                      </a:solidFill>
+                    </a:lnL>
+                    <a:lnR w="720">
+                      <a:solidFill>
+                        <a:srgbClr val="ffffff"/>
+                      </a:solidFill>
+                    </a:lnR>
+                    <a:lnT w="720">
+                      <a:solidFill>
+                        <a:srgbClr val="ffffff"/>
+                      </a:solidFill>
+                    </a:lnT>
+                    <a:lnB w="720">
+                      <a:solidFill>
+                        <a:srgbClr val="ffffff"/>
+                      </a:solidFill>
+                    </a:lnB>
+                    <a:solidFill>
+                      <a:srgbClr val="e6e6e6"/>
+                    </a:solidFill>
+                  </a:tcPr>
+                </a:tc>
+              </a:tr>
+              <a:tr h="1045440">
+                <a:tc>
+                  <a:txBody>
+                    <a:bodyPr lIns="90000" rIns="90000" tIns="46800" bIns="46800"/>
+                    <a:p>
+                      <a:pPr>
+                        <a:lnSpc>
+                          <a:spcPct val="100000"/>
+                        </a:lnSpc>
+                      </a:pPr>
+                      <a:r>
+                        <a:rPr b="0" lang="en-US" sz="800" spc="-1" strike="noStrike">
+                          <a:solidFill>
+                            <a:srgbClr val="000000"/>
+                          </a:solidFill>
+                          <a:uFill>
+                            <a:solidFill>
+                              <a:srgbClr val="ffffff"/>
+                            </a:solidFill>
+                          </a:uFill>
+                          <a:latin typeface="微软雅黑 Light"/>
+                          <a:ea typeface="微软雅黑 Light"/>
+                        </a:rPr>
+                        <a:t>13:30-15:30</a:t>
+                      </a:r>
+                      <a:endParaRPr b="0" lang="en-US" sz="1800" spc="-1" strike="noStrike">
+                        <a:solidFill>
+                          <a:srgbClr val="000000"/>
+                        </a:solidFill>
+                        <a:uFill>
+                          <a:solidFill>
+                            <a:srgbClr val="ffffff"/>
+                          </a:solidFill>
+                        </a:uFill>
+                        <a:latin typeface="Arial"/>
+                      </a:endParaRPr>
+                    </a:p>
+                  </a:txBody>
+                  <a:tcPr marL="90000" marR="90000">
+                    <a:lnL w="720">
+                      <a:solidFill>
+                        <a:srgbClr val="ffffff"/>
+                      </a:solidFill>
+                    </a:lnL>
+                    <a:lnR w="720">
+                      <a:solidFill>
+                        <a:srgbClr val="ffffff"/>
+                      </a:solidFill>
+                    </a:lnR>
+                    <a:lnT w="720">
+                      <a:solidFill>
+                        <a:srgbClr val="ffffff"/>
+                      </a:solidFill>
+                    </a:lnT>
+                    <a:lnB w="720">
+                      <a:solidFill>
+                        <a:srgbClr val="ffffff"/>
+                      </a:solidFill>
+                    </a:lnB>
+                    <a:solidFill>
+                      <a:srgbClr val="e6e6e6"/>
+                    </a:solidFill>
+                  </a:tcPr>
+                </a:tc>
+                <a:tc>
+                  <a:tcPr marL="90000" marR="90000">
+                    <a:lnL w="720">
+                      <a:solidFill>
+                        <a:srgbClr val="ffffff"/>
+                      </a:solidFill>
+                    </a:lnL>
+                    <a:lnR w="720">
+                      <a:solidFill>
+                        <a:srgbClr val="ffffff"/>
+                      </a:solidFill>
+                    </a:lnR>
+                    <a:lnT w="720">
+                      <a:solidFill>
+                        <a:srgbClr val="ffffff"/>
+                      </a:solidFill>
+                    </a:lnT>
+                    <a:lnB w="720">
+                      <a:solidFill>
+                        <a:srgbClr val="ffffff"/>
+                      </a:solidFill>
+                    </a:lnB>
+                    <a:solidFill>
+                      <a:srgbClr val="e6e6e6"/>
+                    </a:solidFill>
+                  </a:tcPr>
+                </a:tc>
+                <a:tc>
+                  <a:tcPr marL="90000" marR="90000">
+                    <a:lnL w="720">
+                      <a:solidFill>
+                        <a:srgbClr val="ffffff"/>
+                      </a:solidFill>
+                    </a:lnL>
+                    <a:lnR w="720">
+                      <a:solidFill>
+                        <a:srgbClr val="ffffff"/>
+                      </a:solidFill>
+                    </a:lnR>
+                    <a:lnT w="720">
+                      <a:solidFill>
+                        <a:srgbClr val="ffffff"/>
+                      </a:solidFill>
+                    </a:lnT>
+                    <a:lnB w="720">
+                      <a:solidFill>
+                        <a:srgbClr val="ffffff"/>
+                      </a:solidFill>
+                    </a:lnB>
+                    <a:solidFill>
+                      <a:srgbClr val="e6e6e6"/>
+                    </a:solidFill>
+                  </a:tcPr>
+                </a:tc>
+                <a:tc>
+                  <a:tcPr marL="90000" marR="90000">
+                    <a:lnL w="720">
+                      <a:solidFill>
+                        <a:srgbClr val="ffffff"/>
+                      </a:solidFill>
+                    </a:lnL>
+                    <a:lnR w="720">
+                      <a:solidFill>
+                        <a:srgbClr val="ffffff"/>
+                      </a:solidFill>
+                    </a:lnR>
+                    <a:lnT w="720">
+                      <a:solidFill>
+                        <a:srgbClr val="ffffff"/>
+                      </a:solidFill>
+                    </a:lnT>
+                    <a:lnB w="720">
+                      <a:solidFill>
+                        <a:srgbClr val="ffffff"/>
+                      </a:solidFill>
+                    </a:lnB>
+                    <a:solidFill>
+                      <a:srgbClr val="e6e6e6"/>
+                    </a:solidFill>
+                  </a:tcPr>
+                </a:tc>
+                <a:tc>
+                  <a:tcPr marL="90000" marR="90000">
+                    <a:lnL w="720">
+                      <a:solidFill>
+                        <a:srgbClr val="ffffff"/>
+                      </a:solidFill>
+                    </a:lnL>
+                    <a:lnR w="720">
+                      <a:solidFill>
+                        <a:srgbClr val="ffffff"/>
+                      </a:solidFill>
+                    </a:lnR>
+                    <a:lnT w="720">
+                      <a:solidFill>
+                        <a:srgbClr val="ffffff"/>
+                      </a:solidFill>
+                    </a:lnT>
+                    <a:lnB w="720">
+                      <a:solidFill>
+                        <a:srgbClr val="ffffff"/>
+                      </a:solidFill>
+                    </a:lnB>
+                    <a:solidFill>
+                      <a:srgbClr val="e6e6e6"/>
+                    </a:solidFill>
+                  </a:tcPr>
+                </a:tc>
+              </a:tr>
+              <a:tr h="1048680">
+                <a:tc>
+                  <a:txBody>
+                    <a:bodyPr lIns="90000" rIns="90000" tIns="46800" bIns="46800"/>
+                    <a:p>
+                      <a:pPr>
+                        <a:lnSpc>
+                          <a:spcPct val="100000"/>
+                        </a:lnSpc>
+                      </a:pPr>
+                      <a:r>
+                        <a:rPr b="0" lang="en-US" sz="800" spc="-1" strike="noStrike">
+                          <a:solidFill>
+                            <a:srgbClr val="000000"/>
+                          </a:solidFill>
+                          <a:uFill>
+                            <a:solidFill>
+                              <a:srgbClr val="ffffff"/>
+                            </a:solidFill>
+                          </a:uFill>
+                          <a:latin typeface="微软雅黑 Light"/>
+                          <a:ea typeface="微软雅黑 Light"/>
+                        </a:rPr>
+                        <a:t>15:30-18:00</a:t>
+                      </a:r>
+                      <a:endParaRPr b="0" lang="en-US" sz="1800" spc="-1" strike="noStrike">
+                        <a:solidFill>
+                          <a:srgbClr val="000000"/>
+                        </a:solidFill>
+                        <a:uFill>
+                          <a:solidFill>
+                            <a:srgbClr val="ffffff"/>
+                          </a:solidFill>
+                        </a:uFill>
+                        <a:latin typeface="Arial"/>
+                      </a:endParaRPr>
+                    </a:p>
+                  </a:txBody>
+                  <a:tcPr marL="90000" marR="90000">
+                    <a:lnL w="720">
+                      <a:solidFill>
+                        <a:srgbClr val="ffffff"/>
+                      </a:solidFill>
+                    </a:lnL>
+                    <a:lnR w="720">
+                      <a:solidFill>
+                        <a:srgbClr val="ffffff"/>
+                      </a:solidFill>
+                    </a:lnR>
+                    <a:lnT w="720">
+                      <a:solidFill>
+                        <a:srgbClr val="ffffff"/>
+                      </a:solidFill>
+                    </a:lnT>
+                    <a:lnB w="720">
+                      <a:solidFill>
+                        <a:srgbClr val="ffffff"/>
+                      </a:solidFill>
+                    </a:lnB>
+                    <a:solidFill>
+                      <a:srgbClr val="e6e6e6"/>
+                    </a:solidFill>
+                  </a:tcPr>
+                </a:tc>
+                <a:tc>
+                  <a:tcPr marL="90000" marR="90000">
+                    <a:lnL w="720">
+                      <a:solidFill>
+                        <a:srgbClr val="ffffff"/>
+                      </a:solidFill>
+                    </a:lnL>
+                    <a:lnR w="720">
+                      <a:solidFill>
+                        <a:srgbClr val="ffffff"/>
+                      </a:solidFill>
+                    </a:lnR>
+                    <a:lnT w="720">
+                      <a:solidFill>
+                        <a:srgbClr val="ffffff"/>
+                      </a:solidFill>
+                    </a:lnT>
+                    <a:lnB w="720">
+                      <a:solidFill>
+                        <a:srgbClr val="ffffff"/>
+                      </a:solidFill>
+                    </a:lnB>
+                    <a:solidFill>
+                      <a:srgbClr val="e6e6e6"/>
+                    </a:solidFill>
+                  </a:tcPr>
+                </a:tc>
+                <a:tc>
+                  <a:tcPr marL="90000" marR="90000">
+                    <a:lnL w="720">
+                      <a:solidFill>
+                        <a:srgbClr val="ffffff"/>
+                      </a:solidFill>
+                    </a:lnL>
+                    <a:lnR w="720">
+                      <a:solidFill>
+                        <a:srgbClr val="ffffff"/>
+                      </a:solidFill>
+                    </a:lnR>
+                    <a:lnT w="720">
+                      <a:solidFill>
+                        <a:srgbClr val="ffffff"/>
+                      </a:solidFill>
+                    </a:lnT>
+                    <a:lnB w="720">
+                      <a:solidFill>
+                        <a:srgbClr val="ffffff"/>
+                      </a:solidFill>
+                    </a:lnB>
+                    <a:solidFill>
+                      <a:srgbClr val="e6e6e6"/>
+                    </a:solidFill>
+                  </a:tcPr>
+                </a:tc>
+                <a:tc>
+                  <a:tcPr marL="90000" marR="90000">
+                    <a:lnL w="720">
+                      <a:solidFill>
+                        <a:srgbClr val="ffffff"/>
+                      </a:solidFill>
+                    </a:lnL>
+                    <a:lnR w="720">
+                      <a:solidFill>
+                        <a:srgbClr val="ffffff"/>
+                      </a:solidFill>
+                    </a:lnR>
+                    <a:lnT w="720">
+                      <a:solidFill>
+                        <a:srgbClr val="ffffff"/>
+                      </a:solidFill>
+                    </a:lnT>
+                    <a:lnB w="720">
+                      <a:solidFill>
+                        <a:srgbClr val="ffffff"/>
+                      </a:solidFill>
+                    </a:lnB>
+                    <a:solidFill>
+                      <a:srgbClr val="e6e6e6"/>
+                    </a:solidFill>
+                  </a:tcPr>
+                </a:tc>
+                <a:tc>
+                  <a:tcPr marL="90000" marR="90000">
+                    <a:lnL w="720">
+                      <a:solidFill>
+                        <a:srgbClr val="ffffff"/>
+                      </a:solidFill>
+                    </a:lnL>
+                    <a:lnR w="720">
+                      <a:solidFill>
+                        <a:srgbClr val="ffffff"/>
+                      </a:solidFill>
+                    </a:lnR>
+                    <a:lnT w="720">
+                      <a:solidFill>
+                        <a:srgbClr val="ffffff"/>
+                      </a:solidFill>
+                    </a:lnT>
+                    <a:lnB w="720">
+                      <a:solidFill>
+                        <a:srgbClr val="ffffff"/>
+                      </a:solidFill>
+                    </a:lnB>
+                    <a:solidFill>
+                      <a:srgbClr val="e6e6e6"/>
+                    </a:solidFill>
+                  </a:tcPr>
+                </a:tc>
+              </a:tr>
+            </a:tbl>
+          </a:graphicData>
+        </a:graphic>
+      </p:graphicFrame>
     </p:spTree>
   </p:cSld>
 </p:sld>
@@ -3474,7 +8909,7 @@
       </p:grpSpPr>
       <p:sp>
         <p:nvSpPr>
-          <p:cNvPr id="48" name="TextShape 1"/>
+          <p:cNvPr id="51" name="TextShape 1"/>
           <p:cNvSpPr txBox="1"/>
           <p:nvPr/>
         </p:nvSpPr>
@@ -3507,7 +8942,7 @@
                 </a:uFill>
                 <a:latin typeface="Arial"/>
               </a:rPr>
-              <a:t>金牌 </a:t>
+              <a:t>赞助</a:t>
             </a:r>
             <a:r>
               <a:rPr b="0" lang="en-US" sz="4400" spc="-1" strike="noStrike">
@@ -3521,7 +8956,7 @@
                 </a:uFill>
                 <a:latin typeface="Arial"/>
               </a:rPr>
-              <a:t>Gold</a:t>
+              <a:t>Sponsorship</a:t>
             </a:r>
             <a:endParaRPr b="0" lang="en-US" sz="4400" spc="-1" strike="noStrike">
               <a:solidFill>
@@ -3539,7 +8974,7 @@
       </p:sp>
       <p:sp>
         <p:nvSpPr>
-          <p:cNvPr id="49" name="TextShape 2"/>
+          <p:cNvPr id="52" name="TextShape 2"/>
           <p:cNvSpPr txBox="1"/>
           <p:nvPr/>
         </p:nvSpPr>
@@ -3560,9 +8995,6 @@
           <a:bodyPr lIns="0" rIns="0" tIns="0" bIns="0"/>
           <a:p>
             <a:pPr marL="432000" indent="-324000">
-              <a:lnSpc>
-                <a:spcPct val="100000"/>
-              </a:lnSpc>
               <a:buClr>
                 <a:srgbClr val="000000"/>
               </a:buClr>
@@ -3571,19 +9003,32 @@
               <a:buChar char=""/>
             </a:pPr>
             <a:r>
-              <a:rPr b="0" lang="en-US" sz="1600" spc="-1" strike="noStrike">
-                <a:solidFill>
-                  <a:srgbClr val="7030a0"/>
+              <a:rPr b="0" lang="en-US" sz="3200" spc="-1" strike="noStrike">
+                <a:solidFill>
+                  <a:srgbClr val="000000"/>
                 </a:solidFill>
                 <a:uFill>
                   <a:solidFill>
                     <a:srgbClr val="ffffff"/>
                   </a:solidFill>
                 </a:uFill>
-                <a:latin typeface="Segoe UI"/>
-                <a:ea typeface="Segoe UI"/>
+                <a:latin typeface="Arial"/>
               </a:rPr>
-              <a:t>30 minutes keynote speech relevant to open source.</a:t>
+              <a:t>白金 </a:t>
+            </a:r>
+            <a:r>
+              <a:rPr b="0" lang="en-US" sz="3200" spc="-1" strike="noStrike">
+                <a:solidFill>
+                  <a:srgbClr val="000000"/>
+                </a:solidFill>
+                <a:uFill>
+                  <a:solidFill>
+                    <a:srgbClr val="ffffff"/>
+                  </a:solidFill>
+                </a:uFill>
+                <a:latin typeface="Arial"/>
+              </a:rPr>
+              <a:t>RMB 100,000</a:t>
             </a:r>
             <a:endParaRPr b="0" lang="en-US" sz="3200" spc="-1" strike="noStrike">
               <a:solidFill>
@@ -3599,9 +9044,6 @@
           </a:p>
           <a:p>
             <a:pPr marL="432000" indent="-324000">
-              <a:lnSpc>
-                <a:spcPct val="100000"/>
-              </a:lnSpc>
               <a:buClr>
                 <a:srgbClr val="000000"/>
               </a:buClr>
@@ -3610,19 +9052,32 @@
               <a:buChar char=""/>
             </a:pPr>
             <a:r>
-              <a:rPr b="0" lang="en-US" sz="1600" spc="-1" strike="noStrike">
-                <a:solidFill>
-                  <a:srgbClr val="7030a0"/>
+              <a:rPr b="0" lang="en-US" sz="3200" spc="-1" strike="noStrike">
+                <a:solidFill>
+                  <a:srgbClr val="000000"/>
                 </a:solidFill>
                 <a:uFill>
                   <a:solidFill>
                     <a:srgbClr val="ffffff"/>
                   </a:solidFill>
                 </a:uFill>
-                <a:latin typeface="Segoe UI"/>
-                <a:ea typeface="Segoe UI"/>
+                <a:latin typeface="Arial"/>
               </a:rPr>
-              <a:t>Media interview on the event </a:t>
+              <a:t>金牌 </a:t>
+            </a:r>
+            <a:r>
+              <a:rPr b="0" lang="en-US" sz="3200" spc="-1" strike="noStrike">
+                <a:solidFill>
+                  <a:srgbClr val="000000"/>
+                </a:solidFill>
+                <a:uFill>
+                  <a:solidFill>
+                    <a:srgbClr val="ffffff"/>
+                  </a:solidFill>
+                </a:uFill>
+                <a:latin typeface="Arial"/>
+              </a:rPr>
+              <a:t>RMB 60,000</a:t>
             </a:r>
             <a:endParaRPr b="0" lang="en-US" sz="3200" spc="-1" strike="noStrike">
               <a:solidFill>
@@ -3638,9 +9093,6 @@
           </a:p>
           <a:p>
             <a:pPr marL="432000" indent="-324000">
-              <a:lnSpc>
-                <a:spcPct val="100000"/>
-              </a:lnSpc>
               <a:buClr>
                 <a:srgbClr val="000000"/>
               </a:buClr>
@@ -3649,19 +9101,32 @@
               <a:buChar char=""/>
             </a:pPr>
             <a:r>
-              <a:rPr b="0" lang="en-US" sz="1600" spc="-1" strike="noStrike">
-                <a:solidFill>
-                  <a:srgbClr val="808080"/>
+              <a:rPr b="0" lang="en-US" sz="3200" spc="-1" strike="noStrike">
+                <a:solidFill>
+                  <a:srgbClr val="000000"/>
                 </a:solidFill>
                 <a:uFill>
                   <a:solidFill>
                     <a:srgbClr val="ffffff"/>
                   </a:solidFill>
                 </a:uFill>
-                <a:latin typeface="Segoe UI"/>
-                <a:ea typeface="Segoe UI"/>
+                <a:latin typeface="Arial"/>
               </a:rPr>
-              <a:t>10 free entrance tickets (for 2-day full pass)</a:t>
+              <a:t>银牌 </a:t>
+            </a:r>
+            <a:r>
+              <a:rPr b="0" lang="en-US" sz="3200" spc="-1" strike="noStrike">
+                <a:solidFill>
+                  <a:srgbClr val="000000"/>
+                </a:solidFill>
+                <a:uFill>
+                  <a:solidFill>
+                    <a:srgbClr val="ffffff"/>
+                  </a:solidFill>
+                </a:uFill>
+                <a:latin typeface="Arial"/>
+              </a:rPr>
+              <a:t>RMB 30,000</a:t>
             </a:r>
             <a:endParaRPr b="0" lang="en-US" sz="3200" spc="-1" strike="noStrike">
               <a:solidFill>
@@ -3677,9 +9142,6 @@
           </a:p>
           <a:p>
             <a:pPr marL="432000" indent="-324000">
-              <a:lnSpc>
-                <a:spcPct val="100000"/>
-              </a:lnSpc>
               <a:buClr>
                 <a:srgbClr val="000000"/>
               </a:buClr>
@@ -3688,19 +9150,32 @@
               <a:buChar char=""/>
             </a:pPr>
             <a:r>
-              <a:rPr b="0" lang="en-US" sz="1600" spc="-1" strike="noStrike">
-                <a:solidFill>
-                  <a:srgbClr val="808080"/>
+              <a:rPr b="0" lang="en-US" sz="3200" spc="-1" strike="noStrike">
+                <a:solidFill>
+                  <a:srgbClr val="000000"/>
                 </a:solidFill>
                 <a:uFill>
                   <a:solidFill>
                     <a:srgbClr val="ffffff"/>
                   </a:solidFill>
                 </a:uFill>
-                <a:latin typeface="Segoe UI"/>
-                <a:ea typeface="Segoe UI"/>
+                <a:latin typeface="Arial"/>
               </a:rPr>
-              <a:t>Sponsor information and logo appeared in registration website and social media.</a:t>
+              <a:t>铜牌 </a:t>
+            </a:r>
+            <a:r>
+              <a:rPr b="0" lang="en-US" sz="3200" spc="-1" strike="noStrike">
+                <a:solidFill>
+                  <a:srgbClr val="000000"/>
+                </a:solidFill>
+                <a:uFill>
+                  <a:solidFill>
+                    <a:srgbClr val="ffffff"/>
+                  </a:solidFill>
+                </a:uFill>
+                <a:latin typeface="Arial"/>
+              </a:rPr>
+              <a:t>RMB 10,000</a:t>
             </a:r>
             <a:endParaRPr b="0" lang="en-US" sz="3200" spc="-1" strike="noStrike">
               <a:solidFill>
@@ -3716,9 +9191,6 @@
           </a:p>
           <a:p>
             <a:pPr marL="432000" indent="-324000">
-              <a:lnSpc>
-                <a:spcPct val="100000"/>
-              </a:lnSpc>
               <a:buClr>
                 <a:srgbClr val="000000"/>
               </a:buClr>
@@ -3727,175 +9199,18 @@
               <a:buChar char=""/>
             </a:pPr>
             <a:r>
-              <a:rPr b="0" lang="en-US" sz="1600" spc="-1" strike="noStrike">
-                <a:solidFill>
-                  <a:srgbClr val="808080"/>
+              <a:rPr b="0" lang="en-US" sz="3200" spc="-1" strike="noStrike">
+                <a:solidFill>
+                  <a:srgbClr val="000000"/>
                 </a:solidFill>
                 <a:uFill>
                   <a:solidFill>
                     <a:srgbClr val="ffffff"/>
                   </a:solidFill>
                 </a:uFill>
-                <a:latin typeface="Segoe UI"/>
-                <a:ea typeface="Segoe UI"/>
+                <a:latin typeface="Arial"/>
               </a:rPr>
-              <a:t>Publicity and promotion on both kaiyuanshe and its members channels and social media (web, blog, weibo, wechat)</a:t>
-            </a:r>
-            <a:endParaRPr b="0" lang="en-US" sz="3200" spc="-1" strike="noStrike">
-              <a:solidFill>
-                <a:srgbClr val="000000"/>
-              </a:solidFill>
-              <a:uFill>
-                <a:solidFill>
-                  <a:srgbClr val="ffffff"/>
-                </a:solidFill>
-              </a:uFill>
-              <a:latin typeface="Arial"/>
-            </a:endParaRPr>
-          </a:p>
-          <a:p>
-            <a:pPr marL="432000" indent="-324000">
-              <a:lnSpc>
-                <a:spcPct val="100000"/>
-              </a:lnSpc>
-              <a:buClr>
-                <a:srgbClr val="000000"/>
-              </a:buClr>
-              <a:buSzPct val="45000"/>
-              <a:buFont typeface="Wingdings" charset="2"/>
-              <a:buChar char=""/>
-            </a:pPr>
-            <a:r>
-              <a:rPr b="0" lang="en-US" sz="1600" spc="-1" strike="noStrike">
-                <a:solidFill>
-                  <a:srgbClr val="808080"/>
-                </a:solidFill>
-                <a:uFill>
-                  <a:solidFill>
-                    <a:srgbClr val="ffffff"/>
-                  </a:solidFill>
-                </a:uFill>
-                <a:latin typeface="Segoe UI"/>
-                <a:ea typeface="Segoe UI"/>
-              </a:rPr>
-              <a:t>Deluxe booth provided at the event</a:t>
-            </a:r>
-            <a:endParaRPr b="0" lang="en-US" sz="3200" spc="-1" strike="noStrike">
-              <a:solidFill>
-                <a:srgbClr val="000000"/>
-              </a:solidFill>
-              <a:uFill>
-                <a:solidFill>
-                  <a:srgbClr val="ffffff"/>
-                </a:solidFill>
-              </a:uFill>
-              <a:latin typeface="Arial"/>
-            </a:endParaRPr>
-          </a:p>
-          <a:p>
-            <a:pPr marL="432000" indent="-324000">
-              <a:lnSpc>
-                <a:spcPct val="100000"/>
-              </a:lnSpc>
-              <a:buClr>
-                <a:srgbClr val="000000"/>
-              </a:buClr>
-              <a:buSzPct val="45000"/>
-              <a:buFont typeface="Wingdings" charset="2"/>
-              <a:buChar char=""/>
-            </a:pPr>
-            <a:r>
-              <a:rPr b="0" lang="en-US" sz="1600" spc="-1" strike="noStrike">
-                <a:solidFill>
-                  <a:srgbClr val="808080"/>
-                </a:solidFill>
-                <a:uFill>
-                  <a:solidFill>
-                    <a:srgbClr val="ffffff"/>
-                  </a:solidFill>
-                </a:uFill>
-                <a:latin typeface="Segoe UI"/>
-                <a:ea typeface="Segoe UI"/>
-              </a:rPr>
-              <a:t>Company image poster on the event</a:t>
-            </a:r>
-            <a:endParaRPr b="0" lang="en-US" sz="3200" spc="-1" strike="noStrike">
-              <a:solidFill>
-                <a:srgbClr val="000000"/>
-              </a:solidFill>
-              <a:uFill>
-                <a:solidFill>
-                  <a:srgbClr val="ffffff"/>
-                </a:solidFill>
-              </a:uFill>
-              <a:latin typeface="Arial"/>
-            </a:endParaRPr>
-          </a:p>
-          <a:p>
-            <a:pPr marL="432000" indent="-324000">
-              <a:lnSpc>
-                <a:spcPct val="100000"/>
-              </a:lnSpc>
-              <a:buClr>
-                <a:srgbClr val="000000"/>
-              </a:buClr>
-              <a:buSzPct val="45000"/>
-              <a:buFont typeface="Wingdings" charset="2"/>
-              <a:buChar char=""/>
-            </a:pPr>
-            <a:r>
-              <a:rPr b="0" lang="en-US" sz="1600" spc="-1" strike="noStrike">
-                <a:solidFill>
-                  <a:srgbClr val="808080"/>
-                </a:solidFill>
-                <a:uFill>
-                  <a:solidFill>
-                    <a:srgbClr val="ffffff"/>
-                  </a:solidFill>
-                </a:uFill>
-                <a:latin typeface="Segoe UI"/>
-                <a:ea typeface="Segoe UI"/>
-              </a:rPr>
-              <a:t>4 dinner admission</a:t>
-            </a:r>
-            <a:endParaRPr b="0" lang="en-US" sz="3200" spc="-1" strike="noStrike">
-              <a:solidFill>
-                <a:srgbClr val="000000"/>
-              </a:solidFill>
-              <a:uFill>
-                <a:solidFill>
-                  <a:srgbClr val="ffffff"/>
-                </a:solidFill>
-              </a:uFill>
-              <a:latin typeface="Arial"/>
-            </a:endParaRPr>
-          </a:p>
-          <a:p>
-            <a:pPr marL="432000" indent="-324000">
-              <a:lnSpc>
-                <a:spcPct val="100000"/>
-              </a:lnSpc>
-              <a:buClr>
-                <a:srgbClr val="000000"/>
-              </a:buClr>
-              <a:buSzPct val="45000"/>
-              <a:buFont typeface="Wingdings" charset="2"/>
-              <a:buChar char=""/>
-            </a:pPr>
-            <a:r>
-              <a:rPr b="0" lang="en-US" sz="1600" spc="-1" strike="noStrike">
-                <a:solidFill>
-                  <a:srgbClr val="808080"/>
-                </a:solidFill>
-                <a:uFill>
-                  <a:solidFill>
-                    <a:srgbClr val="ffffff"/>
-                  </a:solidFill>
-                </a:uFill>
-                <a:latin typeface="Segoe UI"/>
-                <a:ea typeface="Segoe UI"/>
-              </a:rPr>
-              <a:t>Company logo in the event bag</a:t>
+              <a:t> </a:t>
             </a:r>
             <a:endParaRPr b="0" lang="en-US" sz="3200" spc="-1" strike="noStrike">
               <a:solidFill>
@@ -3935,7 +9250,7 @@
       </p:grpSpPr>
       <p:sp>
         <p:nvSpPr>
-          <p:cNvPr id="50" name="TextShape 1"/>
+          <p:cNvPr id="53" name="TextShape 1"/>
           <p:cNvSpPr txBox="1"/>
           <p:nvPr/>
         </p:nvSpPr>
@@ -3968,21 +9283,7 @@
                 </a:uFill>
                 <a:latin typeface="Arial"/>
               </a:rPr>
-              <a:t>银牌 </a:t>
-            </a:r>
-            <a:r>
-              <a:rPr b="0" lang="en-US" sz="4400" spc="-1" strike="noStrike">
-                <a:solidFill>
-                  <a:srgbClr val="000000"/>
-                </a:solidFill>
-                <a:uFill>
-                  <a:solidFill>
-                    <a:srgbClr val="ffffff"/>
-                  </a:solidFill>
-                </a:uFill>
-                <a:latin typeface="Arial"/>
-              </a:rPr>
-              <a:t>Silver</a:t>
+              <a:t>白金</a:t>
             </a:r>
             <a:endParaRPr b="0" lang="en-US" sz="4400" spc="-1" strike="noStrike">
               <a:solidFill>
@@ -4000,7 +9301,7 @@
       </p:sp>
       <p:sp>
         <p:nvSpPr>
-          <p:cNvPr id="51" name="TextShape 2"/>
+          <p:cNvPr id="54" name="TextShape 2"/>
           <p:cNvSpPr txBox="1"/>
           <p:nvPr/>
         </p:nvSpPr>
@@ -4034,7 +9335,7 @@
             <a:r>
               <a:rPr b="0" lang="en-US" sz="1600" spc="-1" strike="noStrike">
                 <a:solidFill>
-                  <a:srgbClr val="808080"/>
+                  <a:srgbClr val="7030a0"/>
                 </a:solidFill>
                 <a:uFill>
                   <a:solidFill>
@@ -4044,7 +9345,85 @@
                 <a:latin typeface="Segoe UI"/>
                 <a:ea typeface="Segoe UI"/>
               </a:rPr>
-              <a:t>6 free entrance tickets (for 2-day full pass)</a:t>
+              <a:t>30 minutes keynote speech relevant to open source.</a:t>
+            </a:r>
+            <a:endParaRPr b="0" lang="en-US" sz="3200" spc="-1" strike="noStrike">
+              <a:solidFill>
+                <a:srgbClr val="000000"/>
+              </a:solidFill>
+              <a:uFill>
+                <a:solidFill>
+                  <a:srgbClr val="ffffff"/>
+                </a:solidFill>
+              </a:uFill>
+              <a:latin typeface="Arial"/>
+            </a:endParaRPr>
+          </a:p>
+          <a:p>
+            <a:pPr marL="432000" indent="-324000">
+              <a:lnSpc>
+                <a:spcPct val="100000"/>
+              </a:lnSpc>
+              <a:buClr>
+                <a:srgbClr val="000000"/>
+              </a:buClr>
+              <a:buSzPct val="45000"/>
+              <a:buFont typeface="Wingdings" charset="2"/>
+              <a:buChar char=""/>
+            </a:pPr>
+            <a:r>
+              <a:rPr b="0" lang="en-US" sz="1600" spc="-1" strike="noStrike">
+                <a:solidFill>
+                  <a:srgbClr val="7030a0"/>
+                </a:solidFill>
+                <a:uFill>
+                  <a:solidFill>
+                    <a:srgbClr val="ffffff"/>
+                  </a:solidFill>
+                </a:uFill>
+                <a:latin typeface="Segoe UI"/>
+                <a:ea typeface="Segoe UI"/>
+              </a:rPr>
+              <a:t>Media interview on the event </a:t>
+            </a:r>
+            <a:endParaRPr b="0" lang="en-US" sz="3200" spc="-1" strike="noStrike">
+              <a:solidFill>
+                <a:srgbClr val="000000"/>
+              </a:solidFill>
+              <a:uFill>
+                <a:solidFill>
+                  <a:srgbClr val="ffffff"/>
+                </a:solidFill>
+              </a:uFill>
+              <a:latin typeface="Arial"/>
+            </a:endParaRPr>
+          </a:p>
+          <a:p>
+            <a:pPr marL="432000" indent="-324000">
+              <a:lnSpc>
+                <a:spcPct val="100000"/>
+              </a:lnSpc>
+              <a:buClr>
+                <a:srgbClr val="000000"/>
+              </a:buClr>
+              <a:buSzPct val="45000"/>
+              <a:buFont typeface="Wingdings" charset="2"/>
+              <a:buChar char=""/>
+            </a:pPr>
+            <a:r>
+              <a:rPr b="0" lang="en-US" sz="1600" spc="-1" strike="noStrike">
+                <a:solidFill>
+                  <a:srgbClr val="808080"/>
+                </a:solidFill>
+                <a:uFill>
+                  <a:solidFill>
+                    <a:srgbClr val="ffffff"/>
+                  </a:solidFill>
+                </a:uFill>
+                <a:latin typeface="Segoe UI"/>
+                <a:ea typeface="Segoe UI"/>
+              </a:rPr>
+              <a:t>10 free entrance tickets (for 2-day full pass)</a:t>
             </a:r>
             <a:endParaRPr b="0" lang="en-US" sz="3200" spc="-1" strike="noStrike">
               <a:solidFill>
@@ -4161,7 +9540,7 @@
                 <a:latin typeface="Segoe UI"/>
                 <a:ea typeface="Segoe UI"/>
               </a:rPr>
-              <a:t>Standard booth provided at the event</a:t>
+              <a:t>Deluxe booth provided at the event</a:t>
             </a:r>
             <a:endParaRPr b="0" lang="en-US" sz="3200" spc="-1" strike="noStrike">
               <a:solidFill>
@@ -4239,7 +9618,7 @@
                 <a:latin typeface="Segoe UI"/>
                 <a:ea typeface="Segoe UI"/>
               </a:rPr>
-              <a:t>2 dinner admission</a:t>
+              <a:t>4 dinner admission</a:t>
             </a:r>
             <a:endParaRPr b="0" lang="en-US" sz="3200" spc="-1" strike="noStrike">
               <a:solidFill>
@@ -4318,7 +9697,7 @@
       </p:grpSpPr>
       <p:sp>
         <p:nvSpPr>
-          <p:cNvPr id="52" name="TextShape 1"/>
+          <p:cNvPr id="55" name="TextShape 1"/>
           <p:cNvSpPr txBox="1"/>
           <p:nvPr/>
         </p:nvSpPr>
@@ -4351,7 +9730,7 @@
                 </a:uFill>
                 <a:latin typeface="Arial"/>
               </a:rPr>
-              <a:t>铜牌 </a:t>
+              <a:t>金牌 </a:t>
             </a:r>
             <a:r>
               <a:rPr b="0" lang="en-US" sz="4400" spc="-1" strike="noStrike">
@@ -4365,7 +9744,7 @@
                 </a:uFill>
                 <a:latin typeface="Arial"/>
               </a:rPr>
-              <a:t>Bronze</a:t>
+              <a:t>Gold</a:t>
             </a:r>
             <a:endParaRPr b="0" lang="en-US" sz="4400" spc="-1" strike="noStrike">
               <a:solidFill>
@@ -4383,7 +9762,7 @@
       </p:sp>
       <p:sp>
         <p:nvSpPr>
-          <p:cNvPr id="53" name="TextShape 2"/>
+          <p:cNvPr id="56" name="TextShape 2"/>
           <p:cNvSpPr txBox="1"/>
           <p:nvPr/>
         </p:nvSpPr>
@@ -4417,7 +9796,7 @@
             <a:r>
               <a:rPr b="0" lang="en-US" sz="1600" spc="-1" strike="noStrike">
                 <a:solidFill>
-                  <a:srgbClr val="808080"/>
+                  <a:srgbClr val="7030a0"/>
                 </a:solidFill>
                 <a:uFill>
                   <a:solidFill>
@@ -4427,7 +9806,46 @@
                 <a:latin typeface="Segoe UI"/>
                 <a:ea typeface="Segoe UI"/>
               </a:rPr>
-              <a:t>4 free entrance tickets (for 2-day full pass)</a:t>
+              <a:t>Media interview on the event </a:t>
+            </a:r>
+            <a:endParaRPr b="0" lang="en-US" sz="3200" spc="-1" strike="noStrike">
+              <a:solidFill>
+                <a:srgbClr val="000000"/>
+              </a:solidFill>
+              <a:uFill>
+                <a:solidFill>
+                  <a:srgbClr val="ffffff"/>
+                </a:solidFill>
+              </a:uFill>
+              <a:latin typeface="Arial"/>
+            </a:endParaRPr>
+          </a:p>
+          <a:p>
+            <a:pPr marL="432000" indent="-324000">
+              <a:lnSpc>
+                <a:spcPct val="100000"/>
+              </a:lnSpc>
+              <a:buClr>
+                <a:srgbClr val="000000"/>
+              </a:buClr>
+              <a:buSzPct val="45000"/>
+              <a:buFont typeface="Wingdings" charset="2"/>
+              <a:buChar char=""/>
+            </a:pPr>
+            <a:r>
+              <a:rPr b="0" lang="en-US" sz="1600" spc="-1" strike="noStrike">
+                <a:solidFill>
+                  <a:srgbClr val="808080"/>
+                </a:solidFill>
+                <a:uFill>
+                  <a:solidFill>
+                    <a:srgbClr val="ffffff"/>
+                  </a:solidFill>
+                </a:uFill>
+                <a:latin typeface="Segoe UI"/>
+                <a:ea typeface="Segoe UI"/>
+              </a:rPr>
+              <a:t>8 free entrance tickets (for 2-day full pass)</a:t>
             </a:r>
             <a:endParaRPr b="0" lang="en-US" sz="3200" spc="-1" strike="noStrike">
               <a:solidFill>
@@ -4544,7 +9962,7 @@
                 <a:latin typeface="Segoe UI"/>
                 <a:ea typeface="Segoe UI"/>
               </a:rPr>
-              <a:t>Premium booth on the event</a:t>
+              <a:t>Deluxe booth provided at the event</a:t>
             </a:r>
             <a:endParaRPr b="0" lang="en-US" sz="3200" spc="-1" strike="noStrike">
               <a:solidFill>
@@ -4622,7 +10040,46 @@
                 <a:latin typeface="Segoe UI"/>
                 <a:ea typeface="Segoe UI"/>
               </a:rPr>
-              <a:t>2 dinner admission</a:t>
+              <a:t>4 dinner admission</a:t>
+            </a:r>
+            <a:endParaRPr b="0" lang="en-US" sz="3200" spc="-1" strike="noStrike">
+              <a:solidFill>
+                <a:srgbClr val="000000"/>
+              </a:solidFill>
+              <a:uFill>
+                <a:solidFill>
+                  <a:srgbClr val="ffffff"/>
+                </a:solidFill>
+              </a:uFill>
+              <a:latin typeface="Arial"/>
+            </a:endParaRPr>
+          </a:p>
+          <a:p>
+            <a:pPr marL="432000" indent="-324000">
+              <a:lnSpc>
+                <a:spcPct val="100000"/>
+              </a:lnSpc>
+              <a:buClr>
+                <a:srgbClr val="000000"/>
+              </a:buClr>
+              <a:buSzPct val="45000"/>
+              <a:buFont typeface="Wingdings" charset="2"/>
+              <a:buChar char=""/>
+            </a:pPr>
+            <a:r>
+              <a:rPr b="0" lang="en-US" sz="1600" spc="-1" strike="noStrike">
+                <a:solidFill>
+                  <a:srgbClr val="808080"/>
+                </a:solidFill>
+                <a:uFill>
+                  <a:solidFill>
+                    <a:srgbClr val="ffffff"/>
+                  </a:solidFill>
+                </a:uFill>
+                <a:latin typeface="Segoe UI"/>
+                <a:ea typeface="Segoe UI"/>
+              </a:rPr>
+              <a:t>Company logo in the event bag</a:t>
             </a:r>
             <a:endParaRPr b="0" lang="en-US" sz="3200" spc="-1" strike="noStrike">
               <a:solidFill>
@@ -4662,7 +10119,7 @@
       </p:grpSpPr>
       <p:sp>
         <p:nvSpPr>
-          <p:cNvPr id="54" name="TextShape 1"/>
+          <p:cNvPr id="57" name="TextShape 1"/>
           <p:cNvSpPr txBox="1"/>
           <p:nvPr/>
         </p:nvSpPr>
@@ -4695,7 +10152,21 @@
                 </a:uFill>
                 <a:latin typeface="Arial"/>
               </a:rPr>
-              <a:t>社区合作</a:t>
+              <a:t>银牌 </a:t>
+            </a:r>
+            <a:r>
+              <a:rPr b="0" lang="en-US" sz="4400" spc="-1" strike="noStrike">
+                <a:solidFill>
+                  <a:srgbClr val="000000"/>
+                </a:solidFill>
+                <a:uFill>
+                  <a:solidFill>
+                    <a:srgbClr val="ffffff"/>
+                  </a:solidFill>
+                </a:uFill>
+                <a:latin typeface="Arial"/>
+              </a:rPr>
+              <a:t>Silver</a:t>
             </a:r>
             <a:endParaRPr b="0" lang="en-US" sz="4400" spc="-1" strike="noStrike">
               <a:solidFill>
@@ -4713,7 +10184,7 @@
       </p:sp>
       <p:sp>
         <p:nvSpPr>
-          <p:cNvPr id="55" name="TextShape 2"/>
+          <p:cNvPr id="58" name="TextShape 2"/>
           <p:cNvSpPr txBox="1"/>
           <p:nvPr/>
         </p:nvSpPr>
@@ -4733,6 +10204,266 @@
         <p:txBody>
           <a:bodyPr lIns="0" rIns="0" tIns="0" bIns="0"/>
           <a:p>
+            <a:pPr marL="432000" indent="-324000">
+              <a:lnSpc>
+                <a:spcPct val="100000"/>
+              </a:lnSpc>
+              <a:buClr>
+                <a:srgbClr val="000000"/>
+              </a:buClr>
+              <a:buSzPct val="45000"/>
+              <a:buFont typeface="Wingdings" charset="2"/>
+              <a:buChar char=""/>
+            </a:pPr>
+            <a:r>
+              <a:rPr b="0" lang="en-US" sz="1600" spc="-1" strike="noStrike">
+                <a:solidFill>
+                  <a:srgbClr val="808080"/>
+                </a:solidFill>
+                <a:uFill>
+                  <a:solidFill>
+                    <a:srgbClr val="ffffff"/>
+                  </a:solidFill>
+                </a:uFill>
+                <a:latin typeface="Segoe UI"/>
+                <a:ea typeface="Segoe UI"/>
+              </a:rPr>
+              <a:t>6 free entrance tickets (for 2-day full pass)</a:t>
+            </a:r>
+            <a:endParaRPr b="0" lang="en-US" sz="3200" spc="-1" strike="noStrike">
+              <a:solidFill>
+                <a:srgbClr val="000000"/>
+              </a:solidFill>
+              <a:uFill>
+                <a:solidFill>
+                  <a:srgbClr val="ffffff"/>
+                </a:solidFill>
+              </a:uFill>
+              <a:latin typeface="Arial"/>
+            </a:endParaRPr>
+          </a:p>
+          <a:p>
+            <a:pPr marL="432000" indent="-324000">
+              <a:lnSpc>
+                <a:spcPct val="100000"/>
+              </a:lnSpc>
+              <a:buClr>
+                <a:srgbClr val="000000"/>
+              </a:buClr>
+              <a:buSzPct val="45000"/>
+              <a:buFont typeface="Wingdings" charset="2"/>
+              <a:buChar char=""/>
+            </a:pPr>
+            <a:r>
+              <a:rPr b="0" lang="en-US" sz="1600" spc="-1" strike="noStrike">
+                <a:solidFill>
+                  <a:srgbClr val="808080"/>
+                </a:solidFill>
+                <a:uFill>
+                  <a:solidFill>
+                    <a:srgbClr val="ffffff"/>
+                  </a:solidFill>
+                </a:uFill>
+                <a:latin typeface="Segoe UI"/>
+                <a:ea typeface="Segoe UI"/>
+              </a:rPr>
+              <a:t>Sponsor information and logo appeared in registration website and social media.</a:t>
+            </a:r>
+            <a:endParaRPr b="0" lang="en-US" sz="3200" spc="-1" strike="noStrike">
+              <a:solidFill>
+                <a:srgbClr val="000000"/>
+              </a:solidFill>
+              <a:uFill>
+                <a:solidFill>
+                  <a:srgbClr val="ffffff"/>
+                </a:solidFill>
+              </a:uFill>
+              <a:latin typeface="Arial"/>
+            </a:endParaRPr>
+          </a:p>
+          <a:p>
+            <a:pPr marL="432000" indent="-324000">
+              <a:lnSpc>
+                <a:spcPct val="100000"/>
+              </a:lnSpc>
+              <a:buClr>
+                <a:srgbClr val="000000"/>
+              </a:buClr>
+              <a:buSzPct val="45000"/>
+              <a:buFont typeface="Wingdings" charset="2"/>
+              <a:buChar char=""/>
+            </a:pPr>
+            <a:r>
+              <a:rPr b="0" lang="en-US" sz="1600" spc="-1" strike="noStrike">
+                <a:solidFill>
+                  <a:srgbClr val="808080"/>
+                </a:solidFill>
+                <a:uFill>
+                  <a:solidFill>
+                    <a:srgbClr val="ffffff"/>
+                  </a:solidFill>
+                </a:uFill>
+                <a:latin typeface="Segoe UI"/>
+                <a:ea typeface="Segoe UI"/>
+              </a:rPr>
+              <a:t>Publicity and promotion on both kaiyuanshe and its members channels and social media (web, blog, weibo, wechat)</a:t>
+            </a:r>
+            <a:endParaRPr b="0" lang="en-US" sz="3200" spc="-1" strike="noStrike">
+              <a:solidFill>
+                <a:srgbClr val="000000"/>
+              </a:solidFill>
+              <a:uFill>
+                <a:solidFill>
+                  <a:srgbClr val="ffffff"/>
+                </a:solidFill>
+              </a:uFill>
+              <a:latin typeface="Arial"/>
+            </a:endParaRPr>
+          </a:p>
+          <a:p>
+            <a:pPr marL="432000" indent="-324000">
+              <a:lnSpc>
+                <a:spcPct val="100000"/>
+              </a:lnSpc>
+              <a:buClr>
+                <a:srgbClr val="000000"/>
+              </a:buClr>
+              <a:buSzPct val="45000"/>
+              <a:buFont typeface="Wingdings" charset="2"/>
+              <a:buChar char=""/>
+            </a:pPr>
+            <a:r>
+              <a:rPr b="0" lang="en-US" sz="1600" spc="-1" strike="noStrike">
+                <a:solidFill>
+                  <a:srgbClr val="808080"/>
+                </a:solidFill>
+                <a:uFill>
+                  <a:solidFill>
+                    <a:srgbClr val="ffffff"/>
+                  </a:solidFill>
+                </a:uFill>
+                <a:latin typeface="Segoe UI"/>
+                <a:ea typeface="Segoe UI"/>
+              </a:rPr>
+              <a:t>Standard booth provided at the event</a:t>
+            </a:r>
+            <a:endParaRPr b="0" lang="en-US" sz="3200" spc="-1" strike="noStrike">
+              <a:solidFill>
+                <a:srgbClr val="000000"/>
+              </a:solidFill>
+              <a:uFill>
+                <a:solidFill>
+                  <a:srgbClr val="ffffff"/>
+                </a:solidFill>
+              </a:uFill>
+              <a:latin typeface="Arial"/>
+            </a:endParaRPr>
+          </a:p>
+          <a:p>
+            <a:pPr marL="432000" indent="-324000">
+              <a:lnSpc>
+                <a:spcPct val="100000"/>
+              </a:lnSpc>
+              <a:buClr>
+                <a:srgbClr val="000000"/>
+              </a:buClr>
+              <a:buSzPct val="45000"/>
+              <a:buFont typeface="Wingdings" charset="2"/>
+              <a:buChar char=""/>
+            </a:pPr>
+            <a:r>
+              <a:rPr b="0" lang="en-US" sz="1600" spc="-1" strike="noStrike">
+                <a:solidFill>
+                  <a:srgbClr val="808080"/>
+                </a:solidFill>
+                <a:uFill>
+                  <a:solidFill>
+                    <a:srgbClr val="ffffff"/>
+                  </a:solidFill>
+                </a:uFill>
+                <a:latin typeface="Segoe UI"/>
+                <a:ea typeface="Segoe UI"/>
+              </a:rPr>
+              <a:t>Company image poster on the event</a:t>
+            </a:r>
+            <a:endParaRPr b="0" lang="en-US" sz="3200" spc="-1" strike="noStrike">
+              <a:solidFill>
+                <a:srgbClr val="000000"/>
+              </a:solidFill>
+              <a:uFill>
+                <a:solidFill>
+                  <a:srgbClr val="ffffff"/>
+                </a:solidFill>
+              </a:uFill>
+              <a:latin typeface="Arial"/>
+            </a:endParaRPr>
+          </a:p>
+          <a:p>
+            <a:pPr marL="432000" indent="-324000">
+              <a:lnSpc>
+                <a:spcPct val="100000"/>
+              </a:lnSpc>
+              <a:buClr>
+                <a:srgbClr val="000000"/>
+              </a:buClr>
+              <a:buSzPct val="45000"/>
+              <a:buFont typeface="Wingdings" charset="2"/>
+              <a:buChar char=""/>
+            </a:pPr>
+            <a:r>
+              <a:rPr b="0" lang="en-US" sz="1600" spc="-1" strike="noStrike">
+                <a:solidFill>
+                  <a:srgbClr val="808080"/>
+                </a:solidFill>
+                <a:uFill>
+                  <a:solidFill>
+                    <a:srgbClr val="ffffff"/>
+                  </a:solidFill>
+                </a:uFill>
+                <a:latin typeface="Segoe UI"/>
+                <a:ea typeface="Segoe UI"/>
+              </a:rPr>
+              <a:t>2 dinner admission</a:t>
+            </a:r>
+            <a:endParaRPr b="0" lang="en-US" sz="3200" spc="-1" strike="noStrike">
+              <a:solidFill>
+                <a:srgbClr val="000000"/>
+              </a:solidFill>
+              <a:uFill>
+                <a:solidFill>
+                  <a:srgbClr val="ffffff"/>
+                </a:solidFill>
+              </a:uFill>
+              <a:latin typeface="Arial"/>
+            </a:endParaRPr>
+          </a:p>
+          <a:p>
+            <a:pPr marL="432000" indent="-324000">
+              <a:lnSpc>
+                <a:spcPct val="100000"/>
+              </a:lnSpc>
+              <a:buClr>
+                <a:srgbClr val="000000"/>
+              </a:buClr>
+              <a:buSzPct val="45000"/>
+              <a:buFont typeface="Wingdings" charset="2"/>
+              <a:buChar char=""/>
+            </a:pPr>
+            <a:r>
+              <a:rPr b="0" lang="en-US" sz="1600" spc="-1" strike="noStrike">
+                <a:solidFill>
+                  <a:srgbClr val="808080"/>
+                </a:solidFill>
+                <a:uFill>
+                  <a:solidFill>
+                    <a:srgbClr val="ffffff"/>
+                  </a:solidFill>
+                </a:uFill>
+                <a:latin typeface="Segoe UI"/>
+                <a:ea typeface="Segoe UI"/>
+              </a:rPr>
+              <a:t>Company logo in the event bag</a:t>
+            </a:r>
             <a:endParaRPr b="0" lang="en-US" sz="3200" spc="-1" strike="noStrike">
               <a:solidFill>
                 <a:srgbClr val="000000"/>
@@ -4749,6 +10480,33 @@
       </p:sp>
     </p:spTree>
   </p:cSld>
+  <p:timing>
+    <p:tnLst>
+      <p:par>
+        <p:cTn id="1" dur="indefinite" restart="never" nodeType="tmRoot">
+          <p:childTnLst>
+            <p:seq>
+              <p:cTn id="2" nodeType="mainSeq"/>
+              <p:prevCondLst>
+                <p:cond delay="0" evt="onPrev">
+                  <p:tgtEl>
+                    <p:sldTgt/>
+                  </p:tgtEl>
+                </p:cond>
+              </p:prevCondLst>
+              <p:nextCondLst>
+                <p:cond delay="0" evt="onNext">
+                  <p:tgtEl>
+                    <p:sldTgt/>
+                  </p:tgtEl>
+                </p:cond>
+              </p:nextCondLst>
+            </p:seq>
+          </p:childTnLst>
+        </p:cTn>
+      </p:par>
+    </p:tnLst>
+  </p:timing>
 </p:sld>
 </file>
 

--- a/2016/coscon_proposal_2016.pptx
+++ b/2016/coscon_proposal_2016.pptx
@@ -517,8 +517,8 @@
         </p:blipFill>
         <p:spPr>
           <a:xfrm>
-            <a:off x="2291760" y="1768680"/>
-            <a:ext cx="5495760" cy="4384440"/>
+            <a:off x="2292120" y="1768680"/>
+            <a:ext cx="5495040" cy="4384440"/>
           </a:xfrm>
           <a:prstGeom prst="rect">
             <a:avLst/>
@@ -540,8 +540,8 @@
         </p:blipFill>
         <p:spPr>
           <a:xfrm>
-            <a:off x="2291760" y="1768680"/>
-            <a:ext cx="5495760" cy="4384440"/>
+            <a:off x="2292120" y="1768680"/>
+            <a:ext cx="5495040" cy="4384440"/>
           </a:xfrm>
           <a:prstGeom prst="rect">
             <a:avLst/>
@@ -1559,105 +1559,7 @@
                 </a:uFill>
                 <a:latin typeface="Arial"/>
               </a:rPr>
-              <a:t>Clic</a:t>
-            </a:r>
-            <a:r>
-              <a:rPr b="0" lang="en-US" sz="4400" spc="-1" strike="noStrike">
-                <a:solidFill>
-                  <a:srgbClr val="000000"/>
-                </a:solidFill>
-                <a:uFill>
-                  <a:solidFill>
-                    <a:srgbClr val="ffffff"/>
-                  </a:solidFill>
-                </a:uFill>
-                <a:latin typeface="Arial"/>
-              </a:rPr>
-              <a:t>k to </a:t>
-            </a:r>
-            <a:r>
-              <a:rPr b="0" lang="en-US" sz="4400" spc="-1" strike="noStrike">
-                <a:solidFill>
-                  <a:srgbClr val="000000"/>
-                </a:solidFill>
-                <a:uFill>
-                  <a:solidFill>
-                    <a:srgbClr val="ffffff"/>
-                  </a:solidFill>
-                </a:uFill>
-                <a:latin typeface="Arial"/>
-              </a:rPr>
-              <a:t>edit </a:t>
-            </a:r>
-            <a:r>
-              <a:rPr b="0" lang="en-US" sz="4400" spc="-1" strike="noStrike">
-                <a:solidFill>
-                  <a:srgbClr val="000000"/>
-                </a:solidFill>
-                <a:uFill>
-                  <a:solidFill>
-                    <a:srgbClr val="ffffff"/>
-                  </a:solidFill>
-                </a:uFill>
-                <a:latin typeface="Arial"/>
-              </a:rPr>
-              <a:t>the </a:t>
-            </a:r>
-            <a:r>
-              <a:rPr b="0" lang="en-US" sz="4400" spc="-1" strike="noStrike">
-                <a:solidFill>
-                  <a:srgbClr val="000000"/>
-                </a:solidFill>
-                <a:uFill>
-                  <a:solidFill>
-                    <a:srgbClr val="ffffff"/>
-                  </a:solidFill>
-                </a:uFill>
-                <a:latin typeface="Arial"/>
-              </a:rPr>
-              <a:t>title </a:t>
-            </a:r>
-            <a:r>
-              <a:rPr b="0" lang="en-US" sz="4400" spc="-1" strike="noStrike">
-                <a:solidFill>
-                  <a:srgbClr val="000000"/>
-                </a:solidFill>
-                <a:uFill>
-                  <a:solidFill>
-                    <a:srgbClr val="ffffff"/>
-                  </a:solidFill>
-                </a:uFill>
-                <a:latin typeface="Arial"/>
-              </a:rPr>
-              <a:t>text </a:t>
-            </a:r>
-            <a:r>
-              <a:rPr b="0" lang="en-US" sz="4400" spc="-1" strike="noStrike">
-                <a:solidFill>
-                  <a:srgbClr val="000000"/>
-                </a:solidFill>
-                <a:uFill>
-                  <a:solidFill>
-                    <a:srgbClr val="ffffff"/>
-                  </a:solidFill>
-                </a:uFill>
-                <a:latin typeface="Arial"/>
-              </a:rPr>
-              <a:t>for</a:t>
-            </a:r>
-            <a:r>
-              <a:rPr b="0" lang="en-US" sz="4400" spc="-1" strike="noStrike">
-                <a:solidFill>
-                  <a:srgbClr val="000000"/>
-                </a:solidFill>
-                <a:uFill>
-                  <a:solidFill>
-                    <a:srgbClr val="ffffff"/>
-                  </a:solidFill>
-                </a:uFill>
-                <a:latin typeface="Arial"/>
-              </a:rPr>
-              <a:t>mat</a:t>
+              <a:t>Click to edit the title text format</a:t>
             </a:r>
             <a:endParaRPr b="0" lang="en-US" sz="4400" spc="-1" strike="noStrike">
               <a:solidFill>
@@ -2065,7 +1967,7 @@
           <a:bodyPr lIns="0" rIns="0" tIns="0" bIns="0"/>
           <a:p>
             <a:pPr algn="r"/>
-            <a:fld id="{134175E5-3C73-46AA-A4BA-2DBB2CBB08E7}" type="slidenum">
+            <a:fld id="{F3F87007-4C04-4D51-AD5F-6AADD07B0F00}" type="slidenum">
               <a:rPr b="0" lang="en-US" sz="1400" spc="-1" strike="noStrike">
                 <a:solidFill>
                   <a:srgbClr val="000000"/>
@@ -2570,33 +2472,6 @@
       </p:sp>
     </p:spTree>
   </p:cSld>
-  <p:timing>
-    <p:tnLst>
-      <p:par>
-        <p:cTn id="3" dur="indefinite" restart="never" nodeType="tmRoot">
-          <p:childTnLst>
-            <p:seq>
-              <p:cTn id="4" nodeType="mainSeq"/>
-              <p:prevCondLst>
-                <p:cond delay="0" evt="onPrev">
-                  <p:tgtEl>
-                    <p:sldTgt/>
-                  </p:tgtEl>
-                </p:cond>
-              </p:prevCondLst>
-              <p:nextCondLst>
-                <p:cond delay="0" evt="onNext">
-                  <p:tgtEl>
-                    <p:sldTgt/>
-                  </p:tgtEl>
-                </p:cond>
-              </p:nextCondLst>
-            </p:seq>
-          </p:childTnLst>
-        </p:cTn>
-      </p:par>
-    </p:tnLst>
-  </p:timing>
 </p:sld>
 </file>
 
@@ -2706,33 +2581,6 @@
       </p:sp>
     </p:spTree>
   </p:cSld>
-  <p:timing>
-    <p:tnLst>
-      <p:par>
-        <p:cTn id="5" dur="indefinite" restart="never" nodeType="tmRoot">
-          <p:childTnLst>
-            <p:seq>
-              <p:cTn id="6" nodeType="mainSeq"/>
-              <p:prevCondLst>
-                <p:cond delay="0" evt="onPrev">
-                  <p:tgtEl>
-                    <p:sldTgt/>
-                  </p:tgtEl>
-                </p:cond>
-              </p:prevCondLst>
-              <p:nextCondLst>
-                <p:cond delay="0" evt="onNext">
-                  <p:tgtEl>
-                    <p:sldTgt/>
-                  </p:tgtEl>
-                </p:cond>
-              </p:nextCondLst>
-            </p:seq>
-          </p:childTnLst>
-        </p:cTn>
-      </p:par>
-    </p:tnLst>
-  </p:timing>
 </p:sld>
 </file>
 
@@ -2788,63 +2636,7 @@
                 </a:uFill>
                 <a:latin typeface="Arial"/>
               </a:rPr>
-              <a:t>关</a:t>
-            </a:r>
-            <a:r>
-              <a:rPr b="0" lang="en-US" sz="4400" spc="-1" strike="noStrike">
-                <a:solidFill>
-                  <a:srgbClr val="000000"/>
-                </a:solidFill>
-                <a:uFill>
-                  <a:solidFill>
-                    <a:srgbClr val="ffffff"/>
-                  </a:solidFill>
-                </a:uFill>
-                <a:latin typeface="Arial"/>
-              </a:rPr>
-              <a:t>于</a:t>
-            </a:r>
-            <a:r>
-              <a:rPr b="0" lang="en-US" sz="4400" spc="-1" strike="noStrike">
-                <a:solidFill>
-                  <a:srgbClr val="000000"/>
-                </a:solidFill>
-                <a:uFill>
-                  <a:solidFill>
-                    <a:srgbClr val="ffffff"/>
-                  </a:solidFill>
-                </a:uFill>
-                <a:latin typeface="Arial"/>
-              </a:rPr>
-              <a:t>开</a:t>
-            </a:r>
-            <a:r>
-              <a:rPr b="0" lang="en-US" sz="4400" spc="-1" strike="noStrike">
-                <a:solidFill>
-                  <a:srgbClr val="000000"/>
-                </a:solidFill>
-                <a:uFill>
-                  <a:solidFill>
-                    <a:srgbClr val="ffffff"/>
-                  </a:solidFill>
-                </a:uFill>
-                <a:latin typeface="Arial"/>
-              </a:rPr>
-              <a:t>源</a:t>
-            </a:r>
-            <a:r>
-              <a:rPr b="0" lang="en-US" sz="4400" spc="-1" strike="noStrike">
-                <a:solidFill>
-                  <a:srgbClr val="000000"/>
-                </a:solidFill>
-                <a:uFill>
-                  <a:solidFill>
-                    <a:srgbClr val="ffffff"/>
-                  </a:solidFill>
-                </a:uFill>
-                <a:latin typeface="Arial"/>
-              </a:rPr>
-              <a:t>社</a:t>
+              <a:t>关于开源社</a:t>
             </a:r>
             <a:endParaRPr b="0" lang="en-US" sz="4400" spc="-1" strike="noStrike">
               <a:solidFill>
@@ -3166,33 +2958,6 @@
       </p:sp>
     </p:spTree>
   </p:cSld>
-  <p:timing>
-    <p:tnLst>
-      <p:par>
-        <p:cTn id="7" dur="indefinite" restart="never" nodeType="tmRoot">
-          <p:childTnLst>
-            <p:seq>
-              <p:cTn id="8" nodeType="mainSeq"/>
-              <p:prevCondLst>
-                <p:cond delay="0" evt="onPrev">
-                  <p:tgtEl>
-                    <p:sldTgt/>
-                  </p:tgtEl>
-                </p:cond>
-              </p:prevCondLst>
-              <p:nextCondLst>
-                <p:cond delay="0" evt="onNext">
-                  <p:tgtEl>
-                    <p:sldTgt/>
-                  </p:tgtEl>
-                </p:cond>
-              </p:nextCondLst>
-            </p:seq>
-          </p:childTnLst>
-        </p:cTn>
-      </p:par>
-    </p:tnLst>
-  </p:timing>
 </p:sld>
 </file>
 
@@ -3594,6 +3359,55 @@
                 <a:latin typeface="Arial"/>
               </a:rPr>
               <a:t>目标听众：开源社区参与者及贡献者</a:t>
+            </a:r>
+            <a:endParaRPr b="0" lang="en-US" sz="3200" spc="-1" strike="noStrike">
+              <a:solidFill>
+                <a:srgbClr val="000000"/>
+              </a:solidFill>
+              <a:uFill>
+                <a:solidFill>
+                  <a:srgbClr val="ffffff"/>
+                </a:solidFill>
+              </a:uFill>
+              <a:latin typeface="Arial"/>
+            </a:endParaRPr>
+          </a:p>
+          <a:p>
+            <a:pPr marL="432000" indent="-324000">
+              <a:buClr>
+                <a:srgbClr val="000000"/>
+              </a:buClr>
+              <a:buSzPct val="45000"/>
+              <a:buFont typeface="Wingdings" charset="2"/>
+              <a:buChar char=""/>
+            </a:pPr>
+            <a:r>
+              <a:rPr b="0" lang="en-US" sz="3200" spc="-1" strike="noStrike">
+                <a:solidFill>
+                  <a:srgbClr val="000000"/>
+                </a:solidFill>
+                <a:uFill>
+                  <a:solidFill>
+                    <a:srgbClr val="ffffff"/>
+                  </a:solidFill>
+                </a:uFill>
+                <a:latin typeface="Arial"/>
+              </a:rPr>
+              <a:t>预期参会人数：</a:t>
+            </a:r>
+            <a:r>
+              <a:rPr b="0" lang="en-US" sz="3200" spc="-1" strike="noStrike">
+                <a:solidFill>
+                  <a:srgbClr val="000000"/>
+                </a:solidFill>
+                <a:uFill>
+                  <a:solidFill>
+                    <a:srgbClr val="ffffff"/>
+                  </a:solidFill>
+                </a:uFill>
+                <a:latin typeface="Arial"/>
+              </a:rPr>
+              <a:t>300-500</a:t>
             </a:r>
             <a:endParaRPr b="0" lang="en-US" sz="3200" spc="-1" strike="noStrike">
               <a:solidFill>
@@ -4298,7 +4112,7 @@
                 <a:gridCol w="1551960"/>
                 <a:gridCol w="1517040"/>
               </a:tblGrid>
-              <a:tr h="524520">
+              <a:tr h="569160">
                 <a:tc>
                   <a:txBody>
                     <a:bodyPr lIns="90000" rIns="90000" tIns="46800" bIns="46800"/>
@@ -5128,7 +4942,7 @@
                   </a:tcPr>
                 </a:tc>
               </a:tr>
-              <a:tr h="340560">
+              <a:tr h="326520">
                 <a:tc>
                   <a:txBody>
                     <a:bodyPr lIns="90000" rIns="90000" tIns="46800" bIns="46800"/>
@@ -5328,7 +5142,7 @@
                   </a:tcPr>
                 </a:tc>
               </a:tr>
-              <a:tr h="240840">
+              <a:tr h="230760">
                 <a:tc>
                   <a:txBody>
                     <a:bodyPr lIns="90000" rIns="90000" tIns="46800" bIns="46800"/>
@@ -5537,7 +5351,7 @@
                   </a:tcPr>
                 </a:tc>
               </a:tr>
-              <a:tr h="245880">
+              <a:tr h="235800">
                 <a:tc>
                   <a:txBody>
                     <a:bodyPr lIns="90000" rIns="90000" tIns="46800" bIns="46800"/>
@@ -5737,7 +5551,7 @@
                   </a:tcPr>
                 </a:tc>
               </a:tr>
-              <a:tr h="247320">
+              <a:tr h="236520">
                 <a:tc>
                   <a:txBody>
                     <a:bodyPr lIns="90000" rIns="90000" tIns="46800" bIns="46800"/>
@@ -8205,7 +8019,7 @@
                         </a:rPr>
                         <a:t>10:00-12:30</a:t>
                       </a:r>
-                      <a:endParaRPr b="0" lang="en-US" sz="800" spc="-1" strike="noStrike">
+                      <a:endParaRPr b="0" lang="en-US" sz="1800" spc="-1" strike="noStrike">
                         <a:solidFill>
                           <a:srgbClr val="000000"/>
                         </a:solidFill>
@@ -8378,7 +8192,7 @@
                         </a:rPr>
                         <a:t>12:30-13:30</a:t>
                       </a:r>
-                      <a:endParaRPr b="0" lang="en-US" sz="800" spc="-1" strike="noStrike">
+                      <a:endParaRPr b="0" lang="en-US" sz="1800" spc="-1" strike="noStrike">
                         <a:solidFill>
                           <a:srgbClr val="000000"/>
                         </a:solidFill>
@@ -10480,33 +10294,6 @@
       </p:sp>
     </p:spTree>
   </p:cSld>
-  <p:timing>
-    <p:tnLst>
-      <p:par>
-        <p:cTn id="1" dur="indefinite" restart="never" nodeType="tmRoot">
-          <p:childTnLst>
-            <p:seq>
-              <p:cTn id="2" nodeType="mainSeq"/>
-              <p:prevCondLst>
-                <p:cond delay="0" evt="onPrev">
-                  <p:tgtEl>
-                    <p:sldTgt/>
-                  </p:tgtEl>
-                </p:cond>
-              </p:prevCondLst>
-              <p:nextCondLst>
-                <p:cond delay="0" evt="onNext">
-                  <p:tgtEl>
-                    <p:sldTgt/>
-                  </p:tgtEl>
-                </p:cond>
-              </p:nextCondLst>
-            </p:seq>
-          </p:childTnLst>
-        </p:cTn>
-      </p:par>
-    </p:tnLst>
-  </p:timing>
 </p:sld>
 </file>
 
